--- a/Web Design & Development/5. JavaScript OOP/06. Modules and Patterns/Modules and Patterns.pptx
+++ b/Web Design & Development/5. JavaScript OOP/06. Modules and Patterns/Modules and Patterns.pptx
@@ -5,10 +5,10 @@
     <p:sldMasterId id="2147483672" r:id="rId1"/>
   </p:sldMasterIdLst>
   <p:notesMasterIdLst>
-    <p:notesMasterId r:id="rId23"/>
+    <p:notesMasterId r:id="rId24"/>
   </p:notesMasterIdLst>
   <p:handoutMasterIdLst>
-    <p:handoutMasterId r:id="rId24"/>
+    <p:handoutMasterId r:id="rId25"/>
   </p:handoutMasterIdLst>
   <p:sldIdLst>
     <p:sldId id="320" r:id="rId2"/>
@@ -19,24 +19,25 @@
     <p:sldId id="376" r:id="rId7"/>
     <p:sldId id="377" r:id="rId8"/>
     <p:sldId id="378" r:id="rId9"/>
-    <p:sldId id="379" r:id="rId10"/>
-    <p:sldId id="380" r:id="rId11"/>
-    <p:sldId id="345" r:id="rId12"/>
-    <p:sldId id="381" r:id="rId13"/>
-    <p:sldId id="382" r:id="rId14"/>
-    <p:sldId id="383" r:id="rId15"/>
-    <p:sldId id="384" r:id="rId16"/>
-    <p:sldId id="385" r:id="rId17"/>
-    <p:sldId id="386" r:id="rId18"/>
-    <p:sldId id="387" r:id="rId19"/>
-    <p:sldId id="375" r:id="rId20"/>
-    <p:sldId id="333" r:id="rId21"/>
-    <p:sldId id="388" r:id="rId22"/>
+    <p:sldId id="390" r:id="rId10"/>
+    <p:sldId id="379" r:id="rId11"/>
+    <p:sldId id="380" r:id="rId12"/>
+    <p:sldId id="345" r:id="rId13"/>
+    <p:sldId id="381" r:id="rId14"/>
+    <p:sldId id="382" r:id="rId15"/>
+    <p:sldId id="383" r:id="rId16"/>
+    <p:sldId id="384" r:id="rId17"/>
+    <p:sldId id="385" r:id="rId18"/>
+    <p:sldId id="386" r:id="rId19"/>
+    <p:sldId id="387" r:id="rId20"/>
+    <p:sldId id="375" r:id="rId21"/>
+    <p:sldId id="333" r:id="rId22"/>
+    <p:sldId id="388" r:id="rId23"/>
   </p:sldIdLst>
   <p:sldSz cx="9144000" cy="6858000" type="screen4x3"/>
   <p:notesSz cx="6881813" cy="9296400"/>
   <p:custDataLst>
-    <p:tags r:id="rId25"/>
+    <p:tags r:id="rId26"/>
   </p:custDataLst>
   <p:defaultTextStyle>
     <a:defPPr>
@@ -165,7 +166,7 @@
   </p:defaultTextStyle>
   <p:extLst>
     <p:ext uri="{EFAFB233-063F-42B5-8137-9DF3F51BA10A}">
-      <p15:sldGuideLst xmlns:p15="http://schemas.microsoft.com/office/powerpoint/2012/main" xmlns="">
+      <p15:sldGuideLst xmlns:p15="http://schemas.microsoft.com/office/powerpoint/2012/main">
         <p15:guide id="1" orient="horz" pos="2160">
           <p15:clr>
             <a:srgbClr val="A4A3A4"/>
@@ -179,7 +180,7 @@
       </p15:sldGuideLst>
     </p:ext>
     <p:ext uri="{2D200454-40CA-4A62-9FC3-DE9A4176ACB9}">
-      <p15:notesGuideLst xmlns:p15="http://schemas.microsoft.com/office/powerpoint/2012/main" xmlns="">
+      <p15:notesGuideLst xmlns:p15="http://schemas.microsoft.com/office/powerpoint/2012/main">
         <p15:guide id="1" orient="horz" pos="2928">
           <p15:clr>
             <a:srgbClr val="A4A3A4"/>
@@ -311,7 +312,7 @@
             <a:fld id="{3BF7C7B5-275F-4D1F-9AB4-9255447DBC73}" type="datetimeFigureOut">
               <a:rPr lang="en-US"/>
               <a:pPr/>
-              <a:t>1/9/2014</a:t>
+              <a:t>7/2/2014</a:t>
             </a:fld>
             <a:endParaRPr lang="en-US" dirty="0"/>
           </a:p>
@@ -542,7 +543,7 @@
             <a:fld id="{9B46F231-FB2B-4655-A644-E2477325E686}" type="datetimeFigureOut">
               <a:rPr lang="en-US"/>
               <a:pPr/>
-              <a:t>1/9/2014</a:t>
+              <a:t>7/2/2014</a:t>
             </a:fld>
             <a:endParaRPr lang="en-US" dirty="0"/>
           </a:p>
@@ -1475,7 +1476,7 @@
             <a:fld id="{2AE6441C-A2A6-44F6-90A1-59CE5459EBC2}" type="slidenum">
               <a:rPr lang="en-US"/>
               <a:pPr/>
-              <a:t>12</a:t>
+              <a:t>13</a:t>
             </a:fld>
             <a:r>
               <a:rPr lang="en-US" dirty="0"/>
@@ -6525,11 +6526,7 @@
           <a:p>
             <a:r>
               <a:rPr lang="en-US" dirty="0" smtClean="0"/>
-              <a:t>JavaS</a:t>
-            </a:r>
-            <a:r>
-              <a:rPr lang="en-US" dirty="0" smtClean="0"/>
-              <a:t>cript Patterns</a:t>
+              <a:t>JavaScript Patterns</a:t>
             </a:r>
             <a:endParaRPr lang="en-US" dirty="0"/>
           </a:p>
@@ -7526,14 +7523,19 @@
             <p:ph type="title"/>
           </p:nvPr>
         </p:nvSpPr>
-        <p:spPr/>
+        <p:spPr>
+          <a:xfrm>
+            <a:off x="1828800" y="76200"/>
+            <a:ext cx="7086600" cy="838200"/>
+          </a:xfrm>
+        </p:spPr>
         <p:txBody>
           <a:bodyPr/>
           <a:lstStyle/>
           <a:p>
             <a:r>
-              <a:rPr lang="en-US" sz="3600" dirty="0" smtClean="0"/>
-              <a:t>Summary</a:t>
+              <a:rPr lang="en-US" sz="3600" dirty="0"/>
+              <a:t>Example with Namespace</a:t>
             </a:r>
             <a:endParaRPr lang="bg-BG" sz="3600" dirty="0"/>
           </a:p>
@@ -7553,80 +7555,6 @@
         <p:txBody>
           <a:bodyPr/>
           <a:lstStyle/>
-          <a:p>
-            <a:r>
-              <a:rPr lang="en-US" dirty="0" smtClean="0"/>
-              <a:t>Module </a:t>
-            </a:r>
-            <a:r>
-              <a:rPr lang="en-US" dirty="0"/>
-              <a:t>pattern provides </a:t>
-            </a:r>
-            <a:r>
-              <a:rPr lang="en-US" dirty="0">
-                <a:solidFill>
-                  <a:schemeClr val="accent6">
-                    <a:lumMod val="20000"/>
-                    <a:lumOff val="80000"/>
-                  </a:schemeClr>
-                </a:solidFill>
-              </a:rPr>
-              <a:t>encapsulation</a:t>
-            </a:r>
-            <a:r>
-              <a:rPr lang="en-US" dirty="0"/>
-              <a:t> of variables and functions </a:t>
-            </a:r>
-            <a:endParaRPr lang="en-US" b="0" dirty="0"/>
-          </a:p>
-          <a:p>
-            <a:r>
-              <a:rPr lang="en-US" dirty="0" smtClean="0"/>
-              <a:t>Provides </a:t>
-            </a:r>
-            <a:r>
-              <a:rPr lang="en-US" dirty="0"/>
-              <a:t>a way to add </a:t>
-            </a:r>
-            <a:r>
-              <a:rPr lang="en-US" dirty="0">
-                <a:solidFill>
-                  <a:schemeClr val="accent6">
-                    <a:lumMod val="20000"/>
-                    <a:lumOff val="80000"/>
-                  </a:schemeClr>
-                </a:solidFill>
-              </a:rPr>
-              <a:t>visibility</a:t>
-            </a:r>
-            <a:r>
-              <a:rPr lang="en-US" dirty="0"/>
-              <a:t> (public versus private) to members </a:t>
-            </a:r>
-            <a:endParaRPr lang="en-US" b="0" dirty="0"/>
-          </a:p>
-          <a:p>
-            <a:r>
-              <a:rPr lang="en-US" dirty="0" smtClean="0"/>
-              <a:t>Each </a:t>
-            </a:r>
-            <a:r>
-              <a:rPr lang="en-US" dirty="0"/>
-              <a:t>object instance creates new copies of functions in memory </a:t>
-            </a:r>
-            <a:endParaRPr lang="en-US" b="0" dirty="0"/>
-          </a:p>
-          <a:p>
-            <a:r>
-              <a:rPr lang="en-US" dirty="0" smtClean="0"/>
-              <a:t>Extending </a:t>
-            </a:r>
-            <a:r>
-              <a:rPr lang="en-US" dirty="0"/>
-              <a:t>objects can be difficult since no prototyping is used</a:t>
-            </a:r>
-            <a:endParaRPr lang="en-US" b="0" dirty="0"/>
-          </a:p>
           <a:p>
             <a:endParaRPr lang="en-US" b="0" dirty="0"/>
           </a:p>
@@ -7674,10 +7602,1105 @@
           </a:p>
         </p:txBody>
       </p:sp>
+      <p:sp>
+        <p:nvSpPr>
+          <p:cNvPr id="5" name="Rectangle 4"/>
+          <p:cNvSpPr>
+            <a:spLocks noChangeArrowheads="1"/>
+          </p:cNvSpPr>
+          <p:nvPr/>
+        </p:nvSpPr>
+        <p:spPr bwMode="auto">
+          <a:xfrm>
+            <a:off x="555812" y="1371600"/>
+            <a:ext cx="7777163" cy="4832092"/>
+          </a:xfrm>
+          <a:prstGeom prst="rect">
+            <a:avLst/>
+          </a:prstGeom>
+          <a:solidFill>
+            <a:schemeClr val="accent5">
+              <a:lumMod val="40000"/>
+              <a:lumOff val="60000"/>
+              <a:alpha val="15000"/>
+            </a:schemeClr>
+          </a:solidFill>
+          <a:ln w="12700">
+            <a:solidFill>
+              <a:schemeClr val="accent5">
+                <a:lumMod val="60000"/>
+                <a:lumOff val="40000"/>
+              </a:schemeClr>
+            </a:solidFill>
+          </a:ln>
+        </p:spPr>
+        <p:txBody>
+          <a:bodyPr wrap="square">
+            <a:spAutoFit/>
+          </a:bodyPr>
+          <a:lstStyle/>
+          <a:p>
+            <a:pPr eaLnBrk="0" hangingPunct="0">
+              <a:lnSpc>
+                <a:spcPct val="110000"/>
+              </a:lnSpc>
+              <a:spcBef>
+                <a:spcPts val="0"/>
+              </a:spcBef>
+              <a:buClr>
+                <a:schemeClr val="accent5">
+                  <a:lumMod val="40000"/>
+                  <a:lumOff val="60000"/>
+                </a:schemeClr>
+              </a:buClr>
+              <a:buSzPct val="70000"/>
+            </a:pPr>
+            <a:r>
+              <a:rPr lang="en-US" sz="2000" b="1" noProof="1" smtClean="0">
+                <a:solidFill>
+                  <a:srgbClr val="8CF4F2"/>
+                </a:solidFill>
+                <a:effectLst>
+                  <a:outerShdw blurRad="38100" dist="38100" dir="2700000" algn="tl">
+                    <a:srgbClr val="000000">
+                      <a:alpha val="43137"/>
+                    </a:srgbClr>
+                  </a:outerShdw>
+                </a:effectLst>
+                <a:latin typeface="Consolas" pitchFamily="49" charset="0"/>
+                <a:cs typeface="Consolas" pitchFamily="49" charset="0"/>
+              </a:rPr>
+              <a:t>var Helpers = Helpers || {};</a:t>
+            </a:r>
+          </a:p>
+          <a:p>
+            <a:pPr eaLnBrk="0" hangingPunct="0">
+              <a:lnSpc>
+                <a:spcPct val="110000"/>
+              </a:lnSpc>
+              <a:spcBef>
+                <a:spcPts val="0"/>
+              </a:spcBef>
+              <a:buClr>
+                <a:schemeClr val="accent5">
+                  <a:lumMod val="40000"/>
+                  <a:lumOff val="60000"/>
+                </a:schemeClr>
+              </a:buClr>
+              <a:buSzPct val="70000"/>
+            </a:pPr>
+            <a:r>
+              <a:rPr lang="en-US" sz="2000" b="1" noProof="1" smtClean="0">
+                <a:solidFill>
+                  <a:srgbClr val="8CF4F2"/>
+                </a:solidFill>
+                <a:effectLst>
+                  <a:outerShdw blurRad="38100" dist="38100" dir="2700000" algn="tl">
+                    <a:srgbClr val="000000">
+                      <a:alpha val="43137"/>
+                    </a:srgbClr>
+                  </a:outerShdw>
+                </a:effectLst>
+                <a:latin typeface="Consolas" pitchFamily="49" charset="0"/>
+                <a:cs typeface="Consolas" pitchFamily="49" charset="0"/>
+              </a:rPr>
+              <a:t>Helpers.</a:t>
+            </a:r>
+            <a:r>
+              <a:rPr lang="en-US" sz="2000" b="1" noProof="1" smtClean="0">
+                <a:solidFill>
+                  <a:srgbClr val="8CF4F2"/>
+                </a:solidFill>
+                <a:effectLst>
+                  <a:outerShdw blurRad="38100" dist="38100" dir="2700000" algn="tl">
+                    <a:srgbClr val="000000">
+                      <a:alpha val="43137"/>
+                    </a:srgbClr>
+                  </a:outerShdw>
+                </a:effectLst>
+                <a:latin typeface="Consolas" pitchFamily="49" charset="0"/>
+                <a:cs typeface="Consolas" pitchFamily="49" charset="0"/>
+              </a:rPr>
+              <a:t>Calculator </a:t>
+            </a:r>
+            <a:r>
+              <a:rPr lang="en-US" sz="2000" b="1" noProof="1">
+                <a:solidFill>
+                  <a:srgbClr val="8CF4F2"/>
+                </a:solidFill>
+                <a:effectLst>
+                  <a:outerShdw blurRad="38100" dist="38100" dir="2700000" algn="tl">
+                    <a:srgbClr val="000000">
+                      <a:alpha val="43137"/>
+                    </a:srgbClr>
+                  </a:outerShdw>
+                </a:effectLst>
+                <a:latin typeface="Consolas" pitchFamily="49" charset="0"/>
+                <a:cs typeface="Consolas" pitchFamily="49" charset="0"/>
+              </a:rPr>
+              <a:t>= </a:t>
+            </a:r>
+            <a:r>
+              <a:rPr lang="en-US" sz="2000" b="1" noProof="1" smtClean="0">
+                <a:solidFill>
+                  <a:srgbClr val="8CF4F2"/>
+                </a:solidFill>
+                <a:effectLst>
+                  <a:outerShdw blurRad="38100" dist="38100" dir="2700000" algn="tl">
+                    <a:srgbClr val="000000">
+                      <a:alpha val="43137"/>
+                    </a:srgbClr>
+                  </a:outerShdw>
+                </a:effectLst>
+                <a:latin typeface="Consolas" pitchFamily="49" charset="0"/>
+                <a:cs typeface="Consolas" pitchFamily="49" charset="0"/>
+              </a:rPr>
+              <a:t>(function(eq</a:t>
+            </a:r>
+            <a:r>
+              <a:rPr lang="en-US" sz="2000" b="1" noProof="1">
+                <a:solidFill>
+                  <a:srgbClr val="8CF4F2"/>
+                </a:solidFill>
+                <a:effectLst>
+                  <a:outerShdw blurRad="38100" dist="38100" dir="2700000" algn="tl">
+                    <a:srgbClr val="000000">
+                      <a:alpha val="43137"/>
+                    </a:srgbClr>
+                  </a:outerShdw>
+                </a:effectLst>
+                <a:latin typeface="Consolas" pitchFamily="49" charset="0"/>
+                <a:cs typeface="Consolas" pitchFamily="49" charset="0"/>
+              </a:rPr>
+              <a:t>) </a:t>
+            </a:r>
+            <a:r>
+              <a:rPr lang="en-US" sz="2000" b="1" noProof="1" smtClean="0">
+                <a:solidFill>
+                  <a:srgbClr val="8CF4F2"/>
+                </a:solidFill>
+                <a:effectLst>
+                  <a:outerShdw blurRad="38100" dist="38100" dir="2700000" algn="tl">
+                    <a:srgbClr val="000000">
+                      <a:alpha val="43137"/>
+                    </a:srgbClr>
+                  </a:outerShdw>
+                </a:effectLst>
+                <a:latin typeface="Consolas" pitchFamily="49" charset="0"/>
+                <a:cs typeface="Consolas" pitchFamily="49" charset="0"/>
+              </a:rPr>
+              <a:t>{</a:t>
+            </a:r>
+          </a:p>
+          <a:p>
+            <a:pPr eaLnBrk="0" hangingPunct="0">
+              <a:lnSpc>
+                <a:spcPct val="110000"/>
+              </a:lnSpc>
+              <a:spcBef>
+                <a:spcPts val="0"/>
+              </a:spcBef>
+              <a:buClr>
+                <a:schemeClr val="accent5">
+                  <a:lumMod val="40000"/>
+                  <a:lumOff val="60000"/>
+                </a:schemeClr>
+              </a:buClr>
+              <a:buSzPct val="70000"/>
+            </a:pPr>
+            <a:r>
+              <a:rPr lang="en-US" sz="2000" b="1" noProof="1" smtClean="0">
+                <a:solidFill>
+                  <a:srgbClr val="8CF4F2"/>
+                </a:solidFill>
+                <a:effectLst>
+                  <a:outerShdw blurRad="38100" dist="38100" dir="2700000" algn="tl">
+                    <a:srgbClr val="000000">
+                      <a:alpha val="43137"/>
+                    </a:srgbClr>
+                  </a:outerShdw>
+                </a:effectLst>
+                <a:latin typeface="Consolas" pitchFamily="49" charset="0"/>
+                <a:cs typeface="Consolas" pitchFamily="49" charset="0"/>
+              </a:rPr>
+              <a:t>	var </a:t>
+            </a:r>
+            <a:r>
+              <a:rPr lang="en-US" sz="2000" b="1" noProof="1">
+                <a:solidFill>
+                  <a:srgbClr val="8CF4F2"/>
+                </a:solidFill>
+                <a:effectLst>
+                  <a:outerShdw blurRad="38100" dist="38100" dir="2700000" algn="tl">
+                    <a:srgbClr val="000000">
+                      <a:alpha val="43137"/>
+                    </a:srgbClr>
+                  </a:outerShdw>
+                </a:effectLst>
+                <a:latin typeface="Consolas" pitchFamily="49" charset="0"/>
+                <a:cs typeface="Consolas" pitchFamily="49" charset="0"/>
+              </a:rPr>
+              <a:t>eqCtl = document.getElementById(eq</a:t>
+            </a:r>
+            <a:r>
+              <a:rPr lang="en-US" sz="2000" b="1" noProof="1" smtClean="0">
+                <a:solidFill>
+                  <a:srgbClr val="8CF4F2"/>
+                </a:solidFill>
+                <a:effectLst>
+                  <a:outerShdw blurRad="38100" dist="38100" dir="2700000" algn="tl">
+                    <a:srgbClr val="000000">
+                      <a:alpha val="43137"/>
+                    </a:srgbClr>
+                  </a:outerShdw>
+                </a:effectLst>
+                <a:latin typeface="Consolas" pitchFamily="49" charset="0"/>
+                <a:cs typeface="Consolas" pitchFamily="49" charset="0"/>
+              </a:rPr>
+              <a:t>);</a:t>
+            </a:r>
+          </a:p>
+          <a:p>
+            <a:pPr eaLnBrk="0" hangingPunct="0">
+              <a:lnSpc>
+                <a:spcPct val="110000"/>
+              </a:lnSpc>
+              <a:spcBef>
+                <a:spcPts val="0"/>
+              </a:spcBef>
+              <a:buClr>
+                <a:schemeClr val="accent5">
+                  <a:lumMod val="40000"/>
+                  <a:lumOff val="60000"/>
+                </a:schemeClr>
+              </a:buClr>
+              <a:buSzPct val="70000"/>
+            </a:pPr>
+            <a:endParaRPr lang="en-US" sz="2000" b="1" noProof="1" smtClean="0">
+              <a:solidFill>
+                <a:srgbClr val="8CF4F2"/>
+              </a:solidFill>
+              <a:effectLst>
+                <a:outerShdw blurRad="38100" dist="38100" dir="2700000" algn="tl">
+                  <a:srgbClr val="000000">
+                    <a:alpha val="43137"/>
+                  </a:srgbClr>
+                </a:outerShdw>
+              </a:effectLst>
+              <a:latin typeface="Consolas" pitchFamily="49" charset="0"/>
+              <a:cs typeface="Consolas" pitchFamily="49" charset="0"/>
+            </a:endParaRPr>
+          </a:p>
+          <a:p>
+            <a:pPr eaLnBrk="0" hangingPunct="0">
+              <a:lnSpc>
+                <a:spcPct val="110000"/>
+              </a:lnSpc>
+              <a:spcBef>
+                <a:spcPts val="0"/>
+              </a:spcBef>
+              <a:buClr>
+                <a:schemeClr val="accent5">
+                  <a:lumMod val="40000"/>
+                  <a:lumOff val="60000"/>
+                </a:schemeClr>
+              </a:buClr>
+              <a:buSzPct val="70000"/>
+            </a:pPr>
+            <a:r>
+              <a:rPr lang="en-US" sz="2000" b="1" noProof="1">
+                <a:solidFill>
+                  <a:srgbClr val="8CF4F2"/>
+                </a:solidFill>
+                <a:effectLst>
+                  <a:outerShdw blurRad="38100" dist="38100" dir="2700000" algn="tl">
+                    <a:srgbClr val="000000">
+                      <a:alpha val="43137"/>
+                    </a:srgbClr>
+                  </a:outerShdw>
+                </a:effectLst>
+                <a:latin typeface="Consolas" pitchFamily="49" charset="0"/>
+                <a:cs typeface="Consolas" pitchFamily="49" charset="0"/>
+              </a:rPr>
+              <a:t>	</a:t>
+            </a:r>
+            <a:r>
+              <a:rPr lang="en-US" sz="2000" b="1" noProof="1" smtClean="0">
+                <a:solidFill>
+                  <a:srgbClr val="8CF4F2"/>
+                </a:solidFill>
+                <a:effectLst>
+                  <a:outerShdw blurRad="38100" dist="38100" dir="2700000" algn="tl">
+                    <a:srgbClr val="000000">
+                      <a:alpha val="43137"/>
+                    </a:srgbClr>
+                  </a:outerShdw>
+                </a:effectLst>
+                <a:latin typeface="Consolas" pitchFamily="49" charset="0"/>
+                <a:cs typeface="Consolas" pitchFamily="49" charset="0"/>
+              </a:rPr>
+              <a:t>return {</a:t>
+            </a:r>
+          </a:p>
+          <a:p>
+            <a:pPr eaLnBrk="0" hangingPunct="0">
+              <a:lnSpc>
+                <a:spcPct val="110000"/>
+              </a:lnSpc>
+              <a:spcBef>
+                <a:spcPts val="0"/>
+              </a:spcBef>
+              <a:buClr>
+                <a:schemeClr val="accent5">
+                  <a:lumMod val="40000"/>
+                  <a:lumOff val="60000"/>
+                </a:schemeClr>
+              </a:buClr>
+              <a:buSzPct val="70000"/>
+            </a:pPr>
+            <a:r>
+              <a:rPr lang="en-US" sz="2000" b="1" noProof="1">
+                <a:solidFill>
+                  <a:srgbClr val="8CF4F2"/>
+                </a:solidFill>
+                <a:effectLst>
+                  <a:outerShdw blurRad="38100" dist="38100" dir="2700000" algn="tl">
+                    <a:srgbClr val="000000">
+                      <a:alpha val="43137"/>
+                    </a:srgbClr>
+                  </a:outerShdw>
+                </a:effectLst>
+                <a:latin typeface="Consolas" pitchFamily="49" charset="0"/>
+                <a:cs typeface="Consolas" pitchFamily="49" charset="0"/>
+              </a:rPr>
+              <a:t>	</a:t>
+            </a:r>
+            <a:r>
+              <a:rPr lang="en-US" sz="2000" b="1" noProof="1" smtClean="0">
+                <a:solidFill>
+                  <a:srgbClr val="8CF4F2"/>
+                </a:solidFill>
+                <a:effectLst>
+                  <a:outerShdw blurRad="38100" dist="38100" dir="2700000" algn="tl">
+                    <a:srgbClr val="000000">
+                      <a:alpha val="43137"/>
+                    </a:srgbClr>
+                  </a:outerShdw>
+                </a:effectLst>
+                <a:latin typeface="Consolas" pitchFamily="49" charset="0"/>
+                <a:cs typeface="Consolas" pitchFamily="49" charset="0"/>
+              </a:rPr>
+              <a:t>	add</a:t>
+            </a:r>
+            <a:r>
+              <a:rPr lang="en-US" sz="2000" b="1" noProof="1">
+                <a:solidFill>
+                  <a:srgbClr val="8CF4F2"/>
+                </a:solidFill>
+                <a:effectLst>
+                  <a:outerShdw blurRad="38100" dist="38100" dir="2700000" algn="tl">
+                    <a:srgbClr val="000000">
+                      <a:alpha val="43137"/>
+                    </a:srgbClr>
+                  </a:outerShdw>
+                </a:effectLst>
+                <a:latin typeface="Consolas" pitchFamily="49" charset="0"/>
+                <a:cs typeface="Consolas" pitchFamily="49" charset="0"/>
+              </a:rPr>
+              <a:t>: function(x,y) { </a:t>
+            </a:r>
+            <a:endParaRPr lang="en-US" sz="2000" b="1" noProof="1" smtClean="0">
+              <a:solidFill>
+                <a:srgbClr val="8CF4F2"/>
+              </a:solidFill>
+              <a:effectLst>
+                <a:outerShdw blurRad="38100" dist="38100" dir="2700000" algn="tl">
+                  <a:srgbClr val="000000">
+                    <a:alpha val="43137"/>
+                  </a:srgbClr>
+                </a:outerShdw>
+              </a:effectLst>
+              <a:latin typeface="Consolas" pitchFamily="49" charset="0"/>
+              <a:cs typeface="Consolas" pitchFamily="49" charset="0"/>
+            </a:endParaRPr>
+          </a:p>
+          <a:p>
+            <a:pPr eaLnBrk="0" hangingPunct="0">
+              <a:lnSpc>
+                <a:spcPct val="110000"/>
+              </a:lnSpc>
+              <a:spcBef>
+                <a:spcPts val="0"/>
+              </a:spcBef>
+              <a:buClr>
+                <a:schemeClr val="accent5">
+                  <a:lumMod val="40000"/>
+                  <a:lumOff val="60000"/>
+                </a:schemeClr>
+              </a:buClr>
+              <a:buSzPct val="70000"/>
+            </a:pPr>
+            <a:r>
+              <a:rPr lang="en-US" sz="2000" b="1" noProof="1">
+                <a:solidFill>
+                  <a:srgbClr val="8CF4F2"/>
+                </a:solidFill>
+                <a:effectLst>
+                  <a:outerShdw blurRad="38100" dist="38100" dir="2700000" algn="tl">
+                    <a:srgbClr val="000000">
+                      <a:alpha val="43137"/>
+                    </a:srgbClr>
+                  </a:outerShdw>
+                </a:effectLst>
+                <a:latin typeface="Consolas" pitchFamily="49" charset="0"/>
+                <a:cs typeface="Consolas" pitchFamily="49" charset="0"/>
+              </a:rPr>
+              <a:t>	</a:t>
+            </a:r>
+            <a:r>
+              <a:rPr lang="en-US" sz="2000" b="1" noProof="1" smtClean="0">
+                <a:solidFill>
+                  <a:srgbClr val="8CF4F2"/>
+                </a:solidFill>
+                <a:effectLst>
+                  <a:outerShdw blurRad="38100" dist="38100" dir="2700000" algn="tl">
+                    <a:srgbClr val="000000">
+                      <a:alpha val="43137"/>
+                    </a:srgbClr>
+                  </a:outerShdw>
+                </a:effectLst>
+                <a:latin typeface="Consolas" pitchFamily="49" charset="0"/>
+                <a:cs typeface="Consolas" pitchFamily="49" charset="0"/>
+              </a:rPr>
+              <a:t>		var </a:t>
+            </a:r>
+            <a:r>
+              <a:rPr lang="en-US" sz="2000" b="1" noProof="1">
+                <a:solidFill>
+                  <a:srgbClr val="8CF4F2"/>
+                </a:solidFill>
+                <a:effectLst>
+                  <a:outerShdw blurRad="38100" dist="38100" dir="2700000" algn="tl">
+                    <a:srgbClr val="000000">
+                      <a:alpha val="43137"/>
+                    </a:srgbClr>
+                  </a:outerShdw>
+                </a:effectLst>
+                <a:latin typeface="Consolas" pitchFamily="49" charset="0"/>
+                <a:cs typeface="Consolas" pitchFamily="49" charset="0"/>
+              </a:rPr>
+              <a:t>val = x + y;</a:t>
+            </a:r>
+          </a:p>
+          <a:p>
+            <a:pPr eaLnBrk="0" hangingPunct="0">
+              <a:lnSpc>
+                <a:spcPct val="110000"/>
+              </a:lnSpc>
+              <a:spcBef>
+                <a:spcPts val="0"/>
+              </a:spcBef>
+              <a:buClr>
+                <a:schemeClr val="accent5">
+                  <a:lumMod val="40000"/>
+                  <a:lumOff val="60000"/>
+                </a:schemeClr>
+              </a:buClr>
+              <a:buSzPct val="70000"/>
+            </a:pPr>
+            <a:r>
+              <a:rPr lang="en-US" sz="2000" b="1" noProof="1" smtClean="0">
+                <a:solidFill>
+                  <a:srgbClr val="8CF4F2"/>
+                </a:solidFill>
+                <a:effectLst>
+                  <a:outerShdw blurRad="38100" dist="38100" dir="2700000" algn="tl">
+                    <a:srgbClr val="000000">
+                      <a:alpha val="43137"/>
+                    </a:srgbClr>
+                  </a:outerShdw>
+                </a:effectLst>
+                <a:latin typeface="Consolas" pitchFamily="49" charset="0"/>
+                <a:cs typeface="Consolas" pitchFamily="49" charset="0"/>
+              </a:rPr>
+              <a:t>			eqCtl.innerHTML </a:t>
+            </a:r>
+            <a:r>
+              <a:rPr lang="en-US" sz="2000" b="1" noProof="1">
+                <a:solidFill>
+                  <a:srgbClr val="8CF4F2"/>
+                </a:solidFill>
+                <a:effectLst>
+                  <a:outerShdw blurRad="38100" dist="38100" dir="2700000" algn="tl">
+                    <a:srgbClr val="000000">
+                      <a:alpha val="43137"/>
+                    </a:srgbClr>
+                  </a:outerShdw>
+                </a:effectLst>
+                <a:latin typeface="Consolas" pitchFamily="49" charset="0"/>
+                <a:cs typeface="Consolas" pitchFamily="49" charset="0"/>
+              </a:rPr>
+              <a:t>= val</a:t>
+            </a:r>
+            <a:r>
+              <a:rPr lang="en-US" sz="2000" b="1" noProof="1" smtClean="0">
+                <a:solidFill>
+                  <a:srgbClr val="8CF4F2"/>
+                </a:solidFill>
+                <a:effectLst>
+                  <a:outerShdw blurRad="38100" dist="38100" dir="2700000" algn="tl">
+                    <a:srgbClr val="000000">
+                      <a:alpha val="43137"/>
+                    </a:srgbClr>
+                  </a:outerShdw>
+                </a:effectLst>
+                <a:latin typeface="Consolas" pitchFamily="49" charset="0"/>
+                <a:cs typeface="Consolas" pitchFamily="49" charset="0"/>
+              </a:rPr>
+              <a:t>;</a:t>
+            </a:r>
+          </a:p>
+          <a:p>
+            <a:pPr eaLnBrk="0" hangingPunct="0">
+              <a:lnSpc>
+                <a:spcPct val="110000"/>
+              </a:lnSpc>
+              <a:spcBef>
+                <a:spcPts val="0"/>
+              </a:spcBef>
+              <a:buClr>
+                <a:schemeClr val="accent5">
+                  <a:lumMod val="40000"/>
+                  <a:lumOff val="60000"/>
+                </a:schemeClr>
+              </a:buClr>
+              <a:buSzPct val="70000"/>
+            </a:pPr>
+            <a:r>
+              <a:rPr lang="en-US" sz="2000" b="1" noProof="1">
+                <a:solidFill>
+                  <a:srgbClr val="8CF4F2"/>
+                </a:solidFill>
+                <a:effectLst>
+                  <a:outerShdw blurRad="38100" dist="38100" dir="2700000" algn="tl">
+                    <a:srgbClr val="000000">
+                      <a:alpha val="43137"/>
+                    </a:srgbClr>
+                  </a:outerShdw>
+                </a:effectLst>
+                <a:latin typeface="Consolas" pitchFamily="49" charset="0"/>
+                <a:cs typeface="Consolas" pitchFamily="49" charset="0"/>
+              </a:rPr>
+              <a:t>	</a:t>
+            </a:r>
+            <a:r>
+              <a:rPr lang="en-US" sz="2000" b="1" noProof="1" smtClean="0">
+                <a:solidFill>
+                  <a:srgbClr val="8CF4F2"/>
+                </a:solidFill>
+                <a:effectLst>
+                  <a:outerShdw blurRad="38100" dist="38100" dir="2700000" algn="tl">
+                    <a:srgbClr val="000000">
+                      <a:alpha val="43137"/>
+                    </a:srgbClr>
+                  </a:outerShdw>
+                </a:effectLst>
+                <a:latin typeface="Consolas" pitchFamily="49" charset="0"/>
+                <a:cs typeface="Consolas" pitchFamily="49" charset="0"/>
+              </a:rPr>
+              <a:t>	} </a:t>
+            </a:r>
+          </a:p>
+          <a:p>
+            <a:pPr eaLnBrk="0" hangingPunct="0">
+              <a:lnSpc>
+                <a:spcPct val="110000"/>
+              </a:lnSpc>
+              <a:spcBef>
+                <a:spcPts val="0"/>
+              </a:spcBef>
+              <a:buClr>
+                <a:schemeClr val="accent5">
+                  <a:lumMod val="40000"/>
+                  <a:lumOff val="60000"/>
+                </a:schemeClr>
+              </a:buClr>
+              <a:buSzPct val="70000"/>
+            </a:pPr>
+            <a:r>
+              <a:rPr lang="en-US" sz="2000" b="1" noProof="1">
+                <a:solidFill>
+                  <a:srgbClr val="8CF4F2"/>
+                </a:solidFill>
+                <a:effectLst>
+                  <a:outerShdw blurRad="38100" dist="38100" dir="2700000" algn="tl">
+                    <a:srgbClr val="000000">
+                      <a:alpha val="43137"/>
+                    </a:srgbClr>
+                  </a:outerShdw>
+                </a:effectLst>
+                <a:latin typeface="Consolas" pitchFamily="49" charset="0"/>
+                <a:cs typeface="Consolas" pitchFamily="49" charset="0"/>
+              </a:rPr>
+              <a:t>	</a:t>
+            </a:r>
+            <a:r>
+              <a:rPr lang="en-US" sz="2000" b="1" noProof="1" smtClean="0">
+                <a:solidFill>
+                  <a:srgbClr val="8CF4F2"/>
+                </a:solidFill>
+                <a:effectLst>
+                  <a:outerShdw blurRad="38100" dist="38100" dir="2700000" algn="tl">
+                    <a:srgbClr val="000000">
+                      <a:alpha val="43137"/>
+                    </a:srgbClr>
+                  </a:outerShdw>
+                </a:effectLst>
+                <a:latin typeface="Consolas" pitchFamily="49" charset="0"/>
+                <a:cs typeface="Consolas" pitchFamily="49" charset="0"/>
+              </a:rPr>
+              <a:t>};</a:t>
+            </a:r>
+            <a:endParaRPr lang="en-US" sz="2000" b="1" noProof="1">
+              <a:solidFill>
+                <a:srgbClr val="8CF4F2"/>
+              </a:solidFill>
+              <a:effectLst>
+                <a:outerShdw blurRad="38100" dist="38100" dir="2700000" algn="tl">
+                  <a:srgbClr val="000000">
+                    <a:alpha val="43137"/>
+                  </a:srgbClr>
+                </a:outerShdw>
+              </a:effectLst>
+              <a:latin typeface="Consolas" pitchFamily="49" charset="0"/>
+              <a:cs typeface="Consolas" pitchFamily="49" charset="0"/>
+            </a:endParaRPr>
+          </a:p>
+          <a:p>
+            <a:pPr eaLnBrk="0" hangingPunct="0">
+              <a:lnSpc>
+                <a:spcPct val="110000"/>
+              </a:lnSpc>
+              <a:spcBef>
+                <a:spcPts val="0"/>
+              </a:spcBef>
+              <a:buClr>
+                <a:schemeClr val="accent5">
+                  <a:lumMod val="40000"/>
+                  <a:lumOff val="60000"/>
+                </a:schemeClr>
+              </a:buClr>
+              <a:buSzPct val="70000"/>
+            </a:pPr>
+            <a:r>
+              <a:rPr lang="en-US" sz="2000" b="1" noProof="1" smtClean="0">
+                <a:solidFill>
+                  <a:srgbClr val="8CF4F2"/>
+                </a:solidFill>
+                <a:effectLst>
+                  <a:outerShdw blurRad="38100" dist="38100" dir="2700000" algn="tl">
+                    <a:srgbClr val="000000">
+                      <a:alpha val="43137"/>
+                    </a:srgbClr>
+                  </a:outerShdw>
+                </a:effectLst>
+                <a:latin typeface="Consolas" pitchFamily="49" charset="0"/>
+                <a:cs typeface="Consolas" pitchFamily="49" charset="0"/>
+              </a:rPr>
+              <a:t>});</a:t>
+            </a:r>
+          </a:p>
+          <a:p>
+            <a:pPr eaLnBrk="0" hangingPunct="0">
+              <a:lnSpc>
+                <a:spcPct val="110000"/>
+              </a:lnSpc>
+              <a:spcBef>
+                <a:spcPts val="0"/>
+              </a:spcBef>
+              <a:buClr>
+                <a:schemeClr val="accent5">
+                  <a:lumMod val="40000"/>
+                  <a:lumOff val="60000"/>
+                </a:schemeClr>
+              </a:buClr>
+              <a:buSzPct val="70000"/>
+            </a:pPr>
+            <a:endParaRPr lang="en-US" sz="2000" b="1" noProof="1">
+              <a:solidFill>
+                <a:srgbClr val="8CF4F2"/>
+              </a:solidFill>
+              <a:effectLst>
+                <a:outerShdw blurRad="38100" dist="38100" dir="2700000" algn="tl">
+                  <a:srgbClr val="000000">
+                    <a:alpha val="43137"/>
+                  </a:srgbClr>
+                </a:outerShdw>
+              </a:effectLst>
+              <a:latin typeface="Consolas" pitchFamily="49" charset="0"/>
+              <a:cs typeface="Consolas" pitchFamily="49" charset="0"/>
+            </a:endParaRPr>
+          </a:p>
+          <a:p>
+            <a:pPr eaLnBrk="0" hangingPunct="0">
+              <a:lnSpc>
+                <a:spcPct val="110000"/>
+              </a:lnSpc>
+              <a:spcBef>
+                <a:spcPts val="0"/>
+              </a:spcBef>
+              <a:buClr>
+                <a:schemeClr val="accent5">
+                  <a:lumMod val="40000"/>
+                  <a:lumOff val="60000"/>
+                </a:schemeClr>
+              </a:buClr>
+              <a:buSzPct val="70000"/>
+            </a:pPr>
+            <a:r>
+              <a:rPr lang="en-US" sz="2000" b="1" noProof="1">
+                <a:solidFill>
+                  <a:srgbClr val="8CF4F2"/>
+                </a:solidFill>
+                <a:effectLst>
+                  <a:outerShdw blurRad="38100" dist="38100" dir="2700000" algn="tl">
+                    <a:srgbClr val="000000">
+                      <a:alpha val="43137"/>
+                    </a:srgbClr>
+                  </a:outerShdw>
+                </a:effectLst>
+                <a:latin typeface="Consolas" pitchFamily="49" charset="0"/>
+                <a:cs typeface="Consolas" pitchFamily="49" charset="0"/>
+              </a:rPr>
+              <a:t>var calculator = new </a:t>
+            </a:r>
+            <a:r>
+              <a:rPr lang="en-US" sz="2000" b="1" noProof="1" smtClean="0">
+                <a:solidFill>
+                  <a:srgbClr val="8CF4F2"/>
+                </a:solidFill>
+                <a:effectLst>
+                  <a:outerShdw blurRad="38100" dist="38100" dir="2700000" algn="tl">
+                    <a:srgbClr val="000000">
+                      <a:alpha val="43137"/>
+                    </a:srgbClr>
+                  </a:outerShdw>
+                </a:effectLst>
+                <a:latin typeface="Consolas" pitchFamily="49" charset="0"/>
+                <a:cs typeface="Consolas" pitchFamily="49" charset="0"/>
+              </a:rPr>
+              <a:t>Helpers.Calculator</a:t>
+            </a:r>
+            <a:r>
+              <a:rPr lang="en-US" sz="2000" b="1" noProof="1">
+                <a:solidFill>
+                  <a:srgbClr val="8CF4F2"/>
+                </a:solidFill>
+                <a:effectLst>
+                  <a:outerShdw blurRad="38100" dist="38100" dir="2700000" algn="tl">
+                    <a:srgbClr val="000000">
+                      <a:alpha val="43137"/>
+                    </a:srgbClr>
+                  </a:outerShdw>
+                </a:effectLst>
+                <a:latin typeface="Consolas" pitchFamily="49" charset="0"/>
+                <a:cs typeface="Consolas" pitchFamily="49" charset="0"/>
+              </a:rPr>
+              <a:t>('eq'); calculator.add(2,2);</a:t>
+            </a:r>
+          </a:p>
+        </p:txBody>
+      </p:sp>
+      <p:sp>
+        <p:nvSpPr>
+          <p:cNvPr id="8" name="Rectangle 3"/>
+          <p:cNvSpPr txBox="1">
+            <a:spLocks noChangeArrowheads="1"/>
+          </p:cNvSpPr>
+          <p:nvPr/>
+        </p:nvSpPr>
+        <p:spPr>
+          <a:xfrm>
+            <a:off x="349624" y="762000"/>
+            <a:ext cx="8686800" cy="609600"/>
+          </a:xfrm>
+          <a:prstGeom prst="rect">
+            <a:avLst/>
+          </a:prstGeom>
+        </p:spPr>
+        <p:txBody>
+          <a:bodyPr/>
+          <a:lstStyle>
+            <a:lvl1pPr marL="282575" indent="-282575" algn="l" rtl="0" eaLnBrk="0" fontAlgn="base" hangingPunct="0">
+              <a:lnSpc>
+                <a:spcPct val="105000"/>
+              </a:lnSpc>
+              <a:spcBef>
+                <a:spcPts val="600"/>
+              </a:spcBef>
+              <a:spcAft>
+                <a:spcPts val="600"/>
+              </a:spcAft>
+              <a:buClr>
+                <a:schemeClr val="accent5">
+                  <a:lumMod val="40000"/>
+                  <a:lumOff val="60000"/>
+                </a:schemeClr>
+              </a:buClr>
+              <a:buSzPct val="70000"/>
+              <a:buFont typeface="Wingdings 2" pitchFamily="18" charset="2"/>
+              <a:buChar char=""/>
+              <a:tabLst>
+                <a:tab pos="282575" algn="l"/>
+              </a:tabLst>
+              <a:defRPr sz="3200" b="1" kern="1200">
+                <a:solidFill>
+                  <a:srgbClr val="EBFFD2"/>
+                </a:solidFill>
+                <a:effectLst>
+                  <a:outerShdw blurRad="38100" dist="38100" dir="2700000" algn="tl">
+                    <a:srgbClr val="000000">
+                      <a:alpha val="43137"/>
+                    </a:srgbClr>
+                  </a:outerShdw>
+                </a:effectLst>
+                <a:latin typeface="+mn-lt"/>
+                <a:ea typeface="+mn-ea"/>
+                <a:cs typeface="+mn-cs"/>
+              </a:defRPr>
+            </a:lvl1pPr>
+            <a:lvl2pPr marL="630238" indent="-273050" algn="l" rtl="0" eaLnBrk="0" fontAlgn="base" hangingPunct="0">
+              <a:lnSpc>
+                <a:spcPct val="105000"/>
+              </a:lnSpc>
+              <a:spcBef>
+                <a:spcPts val="600"/>
+              </a:spcBef>
+              <a:spcAft>
+                <a:spcPts val="600"/>
+              </a:spcAft>
+              <a:buClr>
+                <a:srgbClr val="8FD600"/>
+              </a:buClr>
+              <a:buFont typeface="Wingdings 2" pitchFamily="18" charset="2"/>
+              <a:buChar char=""/>
+              <a:defRPr sz="3000" b="1" kern="1200">
+                <a:solidFill>
+                  <a:schemeClr val="tx1">
+                    <a:lumMod val="40000"/>
+                    <a:lumOff val="60000"/>
+                  </a:schemeClr>
+                </a:solidFill>
+                <a:effectLst>
+                  <a:outerShdw blurRad="38100" dist="38100" dir="2700000" algn="tl">
+                    <a:srgbClr val="000000">
+                      <a:alpha val="43137"/>
+                    </a:srgbClr>
+                  </a:outerShdw>
+                </a:effectLst>
+                <a:latin typeface="+mn-lt"/>
+                <a:ea typeface="+mn-ea"/>
+                <a:cs typeface="+mn-cs"/>
+              </a:defRPr>
+            </a:lvl2pPr>
+            <a:lvl3pPr marL="922338" indent="-273050" algn="l" rtl="0" eaLnBrk="0" fontAlgn="base" hangingPunct="0">
+              <a:lnSpc>
+                <a:spcPct val="105000"/>
+              </a:lnSpc>
+              <a:spcBef>
+                <a:spcPts val="600"/>
+              </a:spcBef>
+              <a:spcAft>
+                <a:spcPts val="600"/>
+              </a:spcAft>
+              <a:buClr>
+                <a:srgbClr val="FFAD9F"/>
+              </a:buClr>
+              <a:buFont typeface="Wingdings 2" pitchFamily="18" charset="2"/>
+              <a:buChar char=""/>
+              <a:defRPr sz="2800" b="1" kern="1200">
+                <a:solidFill>
+                  <a:srgbClr val="F5FFC2"/>
+                </a:solidFill>
+                <a:effectLst>
+                  <a:outerShdw blurRad="38100" dist="38100" dir="2700000" algn="tl">
+                    <a:srgbClr val="000000">
+                      <a:alpha val="43137"/>
+                    </a:srgbClr>
+                  </a:outerShdw>
+                </a:effectLst>
+                <a:latin typeface="+mn-lt"/>
+                <a:ea typeface="+mn-ea"/>
+                <a:cs typeface="+mn-cs"/>
+              </a:defRPr>
+            </a:lvl3pPr>
+            <a:lvl4pPr marL="1187450" indent="-228600" algn="l" rtl="0" eaLnBrk="0" fontAlgn="base" hangingPunct="0">
+              <a:lnSpc>
+                <a:spcPct val="105000"/>
+              </a:lnSpc>
+              <a:spcBef>
+                <a:spcPts val="600"/>
+              </a:spcBef>
+              <a:spcAft>
+                <a:spcPts val="600"/>
+              </a:spcAft>
+              <a:buClr>
+                <a:srgbClr val="FACF82"/>
+              </a:buClr>
+              <a:buFont typeface="Wingdings 2" pitchFamily="18" charset="2"/>
+              <a:buChar char=""/>
+              <a:defRPr sz="2600" b="1" kern="1200">
+                <a:solidFill>
+                  <a:schemeClr val="tx1">
+                    <a:lumMod val="40000"/>
+                    <a:lumOff val="60000"/>
+                  </a:schemeClr>
+                </a:solidFill>
+                <a:effectLst>
+                  <a:outerShdw blurRad="38100" dist="38100" dir="2700000" algn="tl">
+                    <a:srgbClr val="000000">
+                      <a:alpha val="43137"/>
+                    </a:srgbClr>
+                  </a:outerShdw>
+                </a:effectLst>
+                <a:latin typeface="+mn-lt"/>
+                <a:ea typeface="+mn-ea"/>
+                <a:cs typeface="+mn-cs"/>
+              </a:defRPr>
+            </a:lvl4pPr>
+            <a:lvl5pPr marL="1425575" indent="-228600" algn="l" rtl="0" eaLnBrk="0" fontAlgn="base" hangingPunct="0">
+              <a:lnSpc>
+                <a:spcPct val="105000"/>
+              </a:lnSpc>
+              <a:spcBef>
+                <a:spcPts val="600"/>
+              </a:spcBef>
+              <a:spcAft>
+                <a:spcPts val="600"/>
+              </a:spcAft>
+              <a:buClr>
+                <a:srgbClr val="46A6BD"/>
+              </a:buClr>
+              <a:buFont typeface="Wingdings 2" pitchFamily="18" charset="2"/>
+              <a:buChar char=""/>
+              <a:defRPr sz="2400" b="1" kern="1200">
+                <a:solidFill>
+                  <a:schemeClr val="tx1">
+                    <a:lumMod val="40000"/>
+                    <a:lumOff val="60000"/>
+                  </a:schemeClr>
+                </a:solidFill>
+                <a:effectLst>
+                  <a:outerShdw blurRad="38100" dist="38100" dir="2700000" algn="tl">
+                    <a:srgbClr val="000000">
+                      <a:alpha val="43137"/>
+                    </a:srgbClr>
+                  </a:outerShdw>
+                </a:effectLst>
+                <a:latin typeface="+mn-lt"/>
+                <a:ea typeface="+mn-ea"/>
+                <a:cs typeface="+mn-cs"/>
+              </a:defRPr>
+            </a:lvl5pPr>
+            <a:lvl6pPr marL="1673352" indent="-228600" algn="l" rtl="0" eaLnBrk="1" latinLnBrk="0" hangingPunct="1">
+              <a:spcBef>
+                <a:spcPct val="20000"/>
+              </a:spcBef>
+              <a:buClr>
+                <a:schemeClr val="accent6"/>
+              </a:buClr>
+              <a:buFont typeface="Wingdings 2"/>
+              <a:buChar char=""/>
+              <a:defRPr sz="1800" kern="1200">
+                <a:solidFill>
+                  <a:schemeClr val="tx1"/>
+                </a:solidFill>
+                <a:latin typeface="+mn-lt"/>
+                <a:ea typeface="+mn-ea"/>
+                <a:cs typeface="+mn-cs"/>
+              </a:defRPr>
+            </a:lvl6pPr>
+            <a:lvl7pPr marL="1911096" indent="-228600" algn="l" rtl="0" eaLnBrk="1" latinLnBrk="0" hangingPunct="1">
+              <a:spcBef>
+                <a:spcPct val="20000"/>
+              </a:spcBef>
+              <a:buClr>
+                <a:schemeClr val="tx2"/>
+              </a:buClr>
+              <a:buFont typeface="Wingdings 2"/>
+              <a:buChar char=""/>
+              <a:defRPr sz="1600" kern="1200">
+                <a:solidFill>
+                  <a:schemeClr val="tx1"/>
+                </a:solidFill>
+                <a:latin typeface="+mn-lt"/>
+                <a:ea typeface="+mn-ea"/>
+                <a:cs typeface="+mn-cs"/>
+              </a:defRPr>
+            </a:lvl7pPr>
+            <a:lvl8pPr marL="2121408" indent="-182880" algn="l" rtl="0" eaLnBrk="1" latinLnBrk="0" hangingPunct="1">
+              <a:spcBef>
+                <a:spcPct val="20000"/>
+              </a:spcBef>
+              <a:buClr>
+                <a:schemeClr val="tx2"/>
+              </a:buClr>
+              <a:buFont typeface="Wingdings 2"/>
+              <a:buChar char=""/>
+              <a:defRPr sz="1400" kern="1200">
+                <a:solidFill>
+                  <a:schemeClr val="tx1"/>
+                </a:solidFill>
+                <a:latin typeface="+mn-lt"/>
+                <a:ea typeface="+mn-ea"/>
+                <a:cs typeface="+mn-cs"/>
+              </a:defRPr>
+            </a:lvl8pPr>
+            <a:lvl9pPr marL="2322576" indent="-182880" algn="l" rtl="0" eaLnBrk="1" latinLnBrk="0" hangingPunct="1">
+              <a:spcBef>
+                <a:spcPct val="20000"/>
+              </a:spcBef>
+              <a:buClr>
+                <a:schemeClr val="tx2"/>
+              </a:buClr>
+              <a:buFont typeface="Wingdings 2"/>
+              <a:buChar char=""/>
+              <a:defRPr sz="1400" kern="1200">
+                <a:solidFill>
+                  <a:schemeClr val="tx1"/>
+                </a:solidFill>
+                <a:latin typeface="+mn-lt"/>
+                <a:ea typeface="+mn-ea"/>
+                <a:cs typeface="+mn-cs"/>
+              </a:defRPr>
+            </a:lvl9pPr>
+          </a:lstStyle>
+          <a:p>
+            <a:pPr>
+              <a:lnSpc>
+                <a:spcPct val="100000"/>
+              </a:lnSpc>
+            </a:pPr>
+            <a:r>
+              <a:rPr lang="en-US" dirty="0" smtClean="0"/>
+              <a:t>Example:</a:t>
+            </a:r>
+            <a:endParaRPr lang="en-US" b="0" dirty="0" smtClean="0"/>
+          </a:p>
+          <a:p>
+            <a:pPr lvl="1">
+              <a:lnSpc>
+                <a:spcPct val="100000"/>
+              </a:lnSpc>
+            </a:pPr>
+            <a:endParaRPr lang="bg-BG" dirty="0"/>
+          </a:p>
+        </p:txBody>
+      </p:sp>
     </p:spTree>
     <p:extLst>
       <p:ext uri="{BB962C8B-B14F-4D97-AF65-F5344CB8AC3E}">
-        <p14:creationId xmlns:p14="http://schemas.microsoft.com/office/powerpoint/2010/main" val="2558274809"/>
+        <p14:creationId xmlns:p14="http://schemas.microsoft.com/office/powerpoint/2010/main" val="177527790"/>
       </p:ext>
     </p:extLst>
   </p:cSld>
@@ -7714,6 +8737,202 @@
       </p:grpSpPr>
       <p:sp>
         <p:nvSpPr>
+          <p:cNvPr id="492546" name="Rectangle 2"/>
+          <p:cNvSpPr>
+            <a:spLocks noGrp="1" noChangeArrowheads="1"/>
+          </p:cNvSpPr>
+          <p:nvPr>
+            <p:ph type="title"/>
+          </p:nvPr>
+        </p:nvSpPr>
+        <p:spPr/>
+        <p:txBody>
+          <a:bodyPr/>
+          <a:lstStyle/>
+          <a:p>
+            <a:r>
+              <a:rPr lang="en-US" sz="3600" dirty="0" smtClean="0"/>
+              <a:t>Summary</a:t>
+            </a:r>
+            <a:endParaRPr lang="bg-BG" sz="3600" dirty="0"/>
+          </a:p>
+        </p:txBody>
+      </p:sp>
+      <p:sp>
+        <p:nvSpPr>
+          <p:cNvPr id="492547" name="Rectangle 3"/>
+          <p:cNvSpPr>
+            <a:spLocks noGrp="1" noChangeArrowheads="1"/>
+          </p:cNvSpPr>
+          <p:nvPr>
+            <p:ph idx="1"/>
+          </p:nvPr>
+        </p:nvSpPr>
+        <p:spPr/>
+        <p:txBody>
+          <a:bodyPr/>
+          <a:lstStyle/>
+          <a:p>
+            <a:r>
+              <a:rPr lang="en-US" dirty="0" smtClean="0"/>
+              <a:t>Module </a:t>
+            </a:r>
+            <a:r>
+              <a:rPr lang="en-US" dirty="0"/>
+              <a:t>pattern provides </a:t>
+            </a:r>
+            <a:r>
+              <a:rPr lang="en-US" dirty="0">
+                <a:solidFill>
+                  <a:schemeClr val="accent6">
+                    <a:lumMod val="20000"/>
+                    <a:lumOff val="80000"/>
+                  </a:schemeClr>
+                </a:solidFill>
+              </a:rPr>
+              <a:t>encapsulation</a:t>
+            </a:r>
+            <a:r>
+              <a:rPr lang="en-US" dirty="0"/>
+              <a:t> of variables and functions </a:t>
+            </a:r>
+            <a:endParaRPr lang="en-US" b="0" dirty="0"/>
+          </a:p>
+          <a:p>
+            <a:r>
+              <a:rPr lang="en-US" dirty="0" smtClean="0"/>
+              <a:t>Provides </a:t>
+            </a:r>
+            <a:r>
+              <a:rPr lang="en-US" dirty="0"/>
+              <a:t>a way to add </a:t>
+            </a:r>
+            <a:r>
+              <a:rPr lang="en-US" dirty="0">
+                <a:solidFill>
+                  <a:schemeClr val="accent6">
+                    <a:lumMod val="20000"/>
+                    <a:lumOff val="80000"/>
+                  </a:schemeClr>
+                </a:solidFill>
+              </a:rPr>
+              <a:t>visibility</a:t>
+            </a:r>
+            <a:r>
+              <a:rPr lang="en-US" dirty="0"/>
+              <a:t> (public versus private) to members </a:t>
+            </a:r>
+            <a:endParaRPr lang="en-US" b="0" dirty="0"/>
+          </a:p>
+          <a:p>
+            <a:r>
+              <a:rPr lang="en-US" dirty="0" smtClean="0"/>
+              <a:t>Each </a:t>
+            </a:r>
+            <a:r>
+              <a:rPr lang="en-US" dirty="0"/>
+              <a:t>object instance creates new copies of functions in memory </a:t>
+            </a:r>
+            <a:endParaRPr lang="en-US" b="0" dirty="0"/>
+          </a:p>
+          <a:p>
+            <a:r>
+              <a:rPr lang="en-US" dirty="0" smtClean="0"/>
+              <a:t>Extending </a:t>
+            </a:r>
+            <a:r>
+              <a:rPr lang="en-US" dirty="0"/>
+              <a:t>objects can be difficult since no prototyping is used</a:t>
+            </a:r>
+            <a:endParaRPr lang="en-US" b="0" dirty="0"/>
+          </a:p>
+          <a:p>
+            <a:endParaRPr lang="en-US" b="0" dirty="0"/>
+          </a:p>
+          <a:p>
+            <a:pPr lvl="1">
+              <a:lnSpc>
+                <a:spcPct val="100000"/>
+              </a:lnSpc>
+            </a:pPr>
+            <a:endParaRPr lang="bg-BG" dirty="0"/>
+          </a:p>
+        </p:txBody>
+      </p:sp>
+      <p:sp>
+        <p:nvSpPr>
+          <p:cNvPr id="7" name="Slide Number Placeholder 3"/>
+          <p:cNvSpPr>
+            <a:spLocks noGrp="1"/>
+          </p:cNvSpPr>
+          <p:nvPr>
+            <p:ph type="sldNum" sz="quarter" idx="10"/>
+          </p:nvPr>
+        </p:nvSpPr>
+        <p:spPr>
+          <a:xfrm>
+            <a:off x="8610600" y="6553200"/>
+            <a:ext cx="457200" cy="228600"/>
+          </a:xfrm>
+        </p:spPr>
+        <p:txBody>
+          <a:bodyPr/>
+          <a:lstStyle/>
+          <a:p>
+            <a:pPr>
+              <a:defRPr/>
+            </a:pPr>
+            <a:fld id="{58452FF4-89E3-4D1B-9927-2DBDC00E58D7}" type="slidenum">
+              <a:rPr lang="en-US" smtClean="0"/>
+              <a:pPr>
+                <a:defRPr/>
+              </a:pPr>
+              <a:t>11</a:t>
+            </a:fld>
+            <a:endParaRPr lang="en-US" dirty="0"/>
+          </a:p>
+        </p:txBody>
+      </p:sp>
+    </p:spTree>
+    <p:extLst>
+      <p:ext uri="{BB962C8B-B14F-4D97-AF65-F5344CB8AC3E}">
+        <p14:creationId xmlns:p14="http://schemas.microsoft.com/office/powerpoint/2010/main" val="2558274809"/>
+      </p:ext>
+    </p:extLst>
+  </p:cSld>
+  <p:clrMapOvr>
+    <a:masterClrMapping/>
+  </p:clrMapOvr>
+  <p:transition/>
+  <p:timing>
+    <p:tnLst>
+      <p:par>
+        <p:cTn id="1" dur="indefinite" restart="never" nodeType="tmRoot"/>
+      </p:par>
+    </p:tnLst>
+  </p:timing>
+</p:sld>
+</file>
+
+<file path=ppt/slides/slide12.xml><?xml version="1.0" encoding="utf-8"?>
+<p:sld xmlns:a="http://schemas.openxmlformats.org/drawingml/2006/main" xmlns:r="http://schemas.openxmlformats.org/officeDocument/2006/relationships" xmlns:p="http://schemas.openxmlformats.org/presentationml/2006/main">
+  <p:cSld>
+    <p:spTree>
+      <p:nvGrpSpPr>
+        <p:cNvPr id="1" name=""/>
+        <p:cNvGrpSpPr/>
+        <p:nvPr/>
+      </p:nvGrpSpPr>
+      <p:grpSpPr>
+        <a:xfrm>
+          <a:off x="0" y="0"/>
+          <a:ext cx="0" cy="0"/>
+          <a:chOff x="0" y="0"/>
+          <a:chExt cx="0" cy="0"/>
+        </a:xfrm>
+      </p:grpSpPr>
+      <p:sp>
+        <p:nvSpPr>
           <p:cNvPr id="2" name="Title 1"/>
           <p:cNvSpPr>
             <a:spLocks noGrp="1"/>
@@ -7741,7 +8960,6 @@
               <a:rPr lang="en-US" dirty="0" smtClean="0"/>
               <a:t>Module Pattern</a:t>
             </a:r>
-            <a:endParaRPr lang="en-US" dirty="0" smtClean="0"/>
           </a:p>
         </p:txBody>
       </p:sp>
@@ -7823,7 +9041,7 @@
 </p:sld>
 </file>
 
-<file path=ppt/slides/slide12.xml><?xml version="1.0" encoding="utf-8"?>
+<file path=ppt/slides/slide13.xml><?xml version="1.0" encoding="utf-8"?>
 <p:sld xmlns:a="http://schemas.openxmlformats.org/drawingml/2006/main" xmlns:r="http://schemas.openxmlformats.org/officeDocument/2006/relationships" xmlns:p="http://schemas.openxmlformats.org/presentationml/2006/main">
   <p:cSld>
     <p:spTree>
@@ -7958,7 +9176,7 @@
 </p:sld>
 </file>
 
-<file path=ppt/slides/slide13.xml><?xml version="1.0" encoding="utf-8"?>
+<file path=ppt/slides/slide14.xml><?xml version="1.0" encoding="utf-8"?>
 <p:sld xmlns:a="http://schemas.openxmlformats.org/drawingml/2006/main" xmlns:r="http://schemas.openxmlformats.org/officeDocument/2006/relationships" xmlns:p="http://schemas.openxmlformats.org/presentationml/2006/main">
   <p:cSld>
     <p:spTree>
@@ -8256,7 +9474,7 @@
               <a:pPr>
                 <a:defRPr/>
               </a:pPr>
-              <a:t>13</a:t>
+              <a:t>14</a:t>
             </a:fld>
             <a:endParaRPr lang="en-US" dirty="0"/>
           </a:p>
@@ -8266,1278 +9484,6 @@
     <p:extLst>
       <p:ext uri="{BB962C8B-B14F-4D97-AF65-F5344CB8AC3E}">
         <p14:creationId xmlns:p14="http://schemas.microsoft.com/office/powerpoint/2010/main" val="1155651144"/>
-      </p:ext>
-    </p:extLst>
-  </p:cSld>
-  <p:clrMapOvr>
-    <a:masterClrMapping/>
-  </p:clrMapOvr>
-  <p:transition/>
-  <p:timing>
-    <p:tnLst>
-      <p:par>
-        <p:cTn id="1" dur="indefinite" restart="never" nodeType="tmRoot"/>
-      </p:par>
-    </p:tnLst>
-  </p:timing>
-</p:sld>
-</file>
-
-<file path=ppt/slides/slide14.xml><?xml version="1.0" encoding="utf-8"?>
-<p:sld xmlns:a="http://schemas.openxmlformats.org/drawingml/2006/main" xmlns:r="http://schemas.openxmlformats.org/officeDocument/2006/relationships" xmlns:p="http://schemas.openxmlformats.org/presentationml/2006/main">
-  <p:cSld>
-    <p:spTree>
-      <p:nvGrpSpPr>
-        <p:cNvPr id="1" name=""/>
-        <p:cNvGrpSpPr/>
-        <p:nvPr/>
-      </p:nvGrpSpPr>
-      <p:grpSpPr>
-        <a:xfrm>
-          <a:off x="0" y="0"/>
-          <a:ext cx="0" cy="0"/>
-          <a:chOff x="0" y="0"/>
-          <a:chExt cx="0" cy="0"/>
-        </a:xfrm>
-      </p:grpSpPr>
-      <p:sp>
-        <p:nvSpPr>
-          <p:cNvPr id="492546" name="Rectangle 2"/>
-          <p:cNvSpPr>
-            <a:spLocks noGrp="1" noChangeArrowheads="1"/>
-          </p:cNvSpPr>
-          <p:nvPr>
-            <p:ph type="title"/>
-          </p:nvPr>
-        </p:nvSpPr>
-        <p:spPr>
-          <a:xfrm>
-            <a:off x="1828800" y="76200"/>
-            <a:ext cx="7086600" cy="838200"/>
-          </a:xfrm>
-        </p:spPr>
-        <p:txBody>
-          <a:bodyPr/>
-          <a:lstStyle/>
-          <a:p>
-            <a:r>
-              <a:rPr lang="en-US" sz="3600" dirty="0" smtClean="0"/>
-              <a:t>Structure</a:t>
-            </a:r>
-            <a:endParaRPr lang="bg-BG" sz="3600" dirty="0"/>
-          </a:p>
-        </p:txBody>
-      </p:sp>
-      <p:sp>
-        <p:nvSpPr>
-          <p:cNvPr id="492547" name="Rectangle 3"/>
-          <p:cNvSpPr>
-            <a:spLocks noGrp="1" noChangeArrowheads="1"/>
-          </p:cNvSpPr>
-          <p:nvPr>
-            <p:ph idx="1"/>
-          </p:nvPr>
-        </p:nvSpPr>
-        <p:spPr/>
-        <p:txBody>
-          <a:bodyPr/>
-          <a:lstStyle/>
-          <a:p>
-            <a:endParaRPr lang="en-US" b="0" dirty="0"/>
-          </a:p>
-          <a:p>
-            <a:pPr lvl="1">
-              <a:lnSpc>
-                <a:spcPct val="100000"/>
-              </a:lnSpc>
-            </a:pPr>
-            <a:endParaRPr lang="bg-BG" dirty="0"/>
-          </a:p>
-        </p:txBody>
-      </p:sp>
-      <p:sp>
-        <p:nvSpPr>
-          <p:cNvPr id="7" name="Slide Number Placeholder 3"/>
-          <p:cNvSpPr>
-            <a:spLocks noGrp="1"/>
-          </p:cNvSpPr>
-          <p:nvPr>
-            <p:ph type="sldNum" sz="quarter" idx="10"/>
-          </p:nvPr>
-        </p:nvSpPr>
-        <p:spPr>
-          <a:xfrm>
-            <a:off x="8610600" y="6553200"/>
-            <a:ext cx="457200" cy="228600"/>
-          </a:xfrm>
-        </p:spPr>
-        <p:txBody>
-          <a:bodyPr/>
-          <a:lstStyle/>
-          <a:p>
-            <a:pPr>
-              <a:defRPr/>
-            </a:pPr>
-            <a:fld id="{58452FF4-89E3-4D1B-9927-2DBDC00E58D7}" type="slidenum">
-              <a:rPr lang="en-US" smtClean="0"/>
-              <a:pPr>
-                <a:defRPr/>
-              </a:pPr>
-              <a:t>14</a:t>
-            </a:fld>
-            <a:endParaRPr lang="en-US" dirty="0"/>
-          </a:p>
-        </p:txBody>
-      </p:sp>
-      <p:sp>
-        <p:nvSpPr>
-          <p:cNvPr id="5" name="Rectangle 4"/>
-          <p:cNvSpPr>
-            <a:spLocks noChangeArrowheads="1"/>
-          </p:cNvSpPr>
-          <p:nvPr/>
-        </p:nvSpPr>
-        <p:spPr bwMode="auto">
-          <a:xfrm>
-            <a:off x="555812" y="1600200"/>
-            <a:ext cx="7777163" cy="2800767"/>
-          </a:xfrm>
-          <a:prstGeom prst="rect">
-            <a:avLst/>
-          </a:prstGeom>
-          <a:solidFill>
-            <a:schemeClr val="accent5">
-              <a:lumMod val="40000"/>
-              <a:lumOff val="60000"/>
-              <a:alpha val="15000"/>
-            </a:schemeClr>
-          </a:solidFill>
-          <a:ln w="12700">
-            <a:solidFill>
-              <a:schemeClr val="accent5">
-                <a:lumMod val="60000"/>
-                <a:lumOff val="40000"/>
-              </a:schemeClr>
-            </a:solidFill>
-          </a:ln>
-        </p:spPr>
-        <p:txBody>
-          <a:bodyPr wrap="square">
-            <a:spAutoFit/>
-          </a:bodyPr>
-          <a:lstStyle/>
-          <a:p>
-            <a:pPr eaLnBrk="0" hangingPunct="0">
-              <a:lnSpc>
-                <a:spcPct val="110000"/>
-              </a:lnSpc>
-              <a:spcBef>
-                <a:spcPts val="0"/>
-              </a:spcBef>
-              <a:buClr>
-                <a:schemeClr val="accent5">
-                  <a:lumMod val="40000"/>
-                  <a:lumOff val="60000"/>
-                </a:schemeClr>
-              </a:buClr>
-              <a:buSzPct val="70000"/>
-            </a:pPr>
-            <a:r>
-              <a:rPr lang="en-US" sz="2000" b="1" noProof="1">
-                <a:solidFill>
-                  <a:srgbClr val="8CF4F2"/>
-                </a:solidFill>
-                <a:effectLst>
-                  <a:outerShdw blurRad="38100" dist="38100" dir="2700000" algn="tl">
-                    <a:srgbClr val="000000">
-                      <a:alpha val="43137"/>
-                    </a:srgbClr>
-                  </a:outerShdw>
-                </a:effectLst>
-                <a:latin typeface="Consolas" pitchFamily="49" charset="0"/>
-                <a:cs typeface="Consolas" pitchFamily="49" charset="0"/>
-              </a:rPr>
-              <a:t>var </a:t>
-            </a:r>
-            <a:r>
-              <a:rPr lang="en-US" sz="2000" b="1" noProof="1" smtClean="0">
-                <a:solidFill>
-                  <a:srgbClr val="8CF4F2"/>
-                </a:solidFill>
-                <a:effectLst>
-                  <a:outerShdw blurRad="38100" dist="38100" dir="2700000" algn="tl">
-                    <a:srgbClr val="000000">
-                      <a:alpha val="43137"/>
-                    </a:srgbClr>
-                  </a:outerShdw>
-                </a:effectLst>
-                <a:latin typeface="Consolas" pitchFamily="49" charset="0"/>
-                <a:cs typeface="Consolas" pitchFamily="49" charset="0"/>
-              </a:rPr>
-              <a:t>module </a:t>
-            </a:r>
-            <a:r>
-              <a:rPr lang="en-US" sz="2000" b="1" noProof="1">
-                <a:solidFill>
-                  <a:srgbClr val="8CF4F2"/>
-                </a:solidFill>
-                <a:effectLst>
-                  <a:outerShdw blurRad="38100" dist="38100" dir="2700000" algn="tl">
-                    <a:srgbClr val="000000">
-                      <a:alpha val="43137"/>
-                    </a:srgbClr>
-                  </a:outerShdw>
-                </a:effectLst>
-                <a:latin typeface="Consolas" pitchFamily="49" charset="0"/>
-                <a:cs typeface="Consolas" pitchFamily="49" charset="0"/>
-              </a:rPr>
-              <a:t>= function() {</a:t>
-            </a:r>
-          </a:p>
-          <a:p>
-            <a:pPr eaLnBrk="0" hangingPunct="0">
-              <a:lnSpc>
-                <a:spcPct val="110000"/>
-              </a:lnSpc>
-              <a:spcBef>
-                <a:spcPts val="0"/>
-              </a:spcBef>
-              <a:buClr>
-                <a:schemeClr val="accent5">
-                  <a:lumMod val="40000"/>
-                  <a:lumOff val="60000"/>
-                </a:schemeClr>
-              </a:buClr>
-              <a:buSzPct val="70000"/>
-            </a:pPr>
-            <a:r>
-              <a:rPr lang="en-US" sz="2000" b="1" noProof="1" smtClean="0">
-                <a:solidFill>
-                  <a:srgbClr val="8CF4F2"/>
-                </a:solidFill>
-                <a:effectLst>
-                  <a:outerShdw blurRad="38100" dist="38100" dir="2700000" algn="tl">
-                    <a:srgbClr val="000000">
-                      <a:alpha val="43137"/>
-                    </a:srgbClr>
-                  </a:outerShdw>
-                </a:effectLst>
-                <a:latin typeface="Consolas" pitchFamily="49" charset="0"/>
-                <a:cs typeface="Consolas" pitchFamily="49" charset="0"/>
-              </a:rPr>
-              <a:t>	//</a:t>
-            </a:r>
-            <a:r>
-              <a:rPr lang="en-US" sz="2000" b="1" noProof="1">
-                <a:solidFill>
-                  <a:srgbClr val="8CF4F2"/>
-                </a:solidFill>
-                <a:effectLst>
-                  <a:outerShdw blurRad="38100" dist="38100" dir="2700000" algn="tl">
-                    <a:srgbClr val="000000">
-                      <a:alpha val="43137"/>
-                    </a:srgbClr>
-                  </a:outerShdw>
-                </a:effectLst>
-                <a:latin typeface="Consolas" pitchFamily="49" charset="0"/>
-                <a:cs typeface="Consolas" pitchFamily="49" charset="0"/>
-              </a:rPr>
-              <a:t>private </a:t>
-            </a:r>
-            <a:r>
-              <a:rPr lang="en-US" sz="2000" b="1" noProof="1">
-                <a:solidFill>
-                  <a:srgbClr val="8CF4F2"/>
-                </a:solidFill>
-                <a:effectLst>
-                  <a:outerShdw blurRad="38100" dist="38100" dir="2700000" algn="tl">
-                    <a:srgbClr val="000000">
-                      <a:alpha val="43137"/>
-                    </a:srgbClr>
-                  </a:outerShdw>
-                </a:effectLst>
-                <a:latin typeface="Consolas" pitchFamily="49" charset="0"/>
-                <a:cs typeface="Consolas" pitchFamily="49" charset="0"/>
-              </a:rPr>
-              <a:t>variables </a:t>
-            </a:r>
-            <a:endParaRPr lang="en-US" sz="2000" b="1" noProof="1" smtClean="0">
-              <a:solidFill>
-                <a:srgbClr val="8CF4F2"/>
-              </a:solidFill>
-              <a:effectLst>
-                <a:outerShdw blurRad="38100" dist="38100" dir="2700000" algn="tl">
-                  <a:srgbClr val="000000">
-                    <a:alpha val="43137"/>
-                  </a:srgbClr>
-                </a:outerShdw>
-              </a:effectLst>
-              <a:latin typeface="Consolas" pitchFamily="49" charset="0"/>
-              <a:cs typeface="Consolas" pitchFamily="49" charset="0"/>
-            </a:endParaRPr>
-          </a:p>
-          <a:p>
-            <a:pPr eaLnBrk="0" hangingPunct="0">
-              <a:lnSpc>
-                <a:spcPct val="110000"/>
-              </a:lnSpc>
-              <a:spcBef>
-                <a:spcPts val="0"/>
-              </a:spcBef>
-              <a:buClr>
-                <a:schemeClr val="accent5">
-                  <a:lumMod val="40000"/>
-                  <a:lumOff val="60000"/>
-                </a:schemeClr>
-              </a:buClr>
-              <a:buSzPct val="70000"/>
-            </a:pPr>
-            <a:r>
-              <a:rPr lang="en-US" sz="2000" b="1" noProof="1">
-                <a:solidFill>
-                  <a:srgbClr val="8CF4F2"/>
-                </a:solidFill>
-                <a:effectLst>
-                  <a:outerShdw blurRad="38100" dist="38100" dir="2700000" algn="tl">
-                    <a:srgbClr val="000000">
-                      <a:alpha val="43137"/>
-                    </a:srgbClr>
-                  </a:outerShdw>
-                </a:effectLst>
-                <a:latin typeface="Consolas" pitchFamily="49" charset="0"/>
-                <a:cs typeface="Consolas" pitchFamily="49" charset="0"/>
-              </a:rPr>
-              <a:t>	</a:t>
-            </a:r>
-            <a:r>
-              <a:rPr lang="en-US" sz="2000" b="1" noProof="1" smtClean="0">
-                <a:solidFill>
-                  <a:srgbClr val="8CF4F2"/>
-                </a:solidFill>
-                <a:effectLst>
-                  <a:outerShdw blurRad="38100" dist="38100" dir="2700000" algn="tl">
-                    <a:srgbClr val="000000">
-                      <a:alpha val="43137"/>
-                    </a:srgbClr>
-                  </a:outerShdw>
-                </a:effectLst>
-                <a:latin typeface="Consolas" pitchFamily="49" charset="0"/>
-                <a:cs typeface="Consolas" pitchFamily="49" charset="0"/>
-              </a:rPr>
-              <a:t>//</a:t>
-            </a:r>
-            <a:r>
-              <a:rPr lang="en-US" sz="2000" b="1" noProof="1">
-                <a:solidFill>
-                  <a:srgbClr val="8CF4F2"/>
-                </a:solidFill>
-                <a:effectLst>
-                  <a:outerShdw blurRad="38100" dist="38100" dir="2700000" algn="tl">
-                    <a:srgbClr val="000000">
-                      <a:alpha val="43137"/>
-                    </a:srgbClr>
-                  </a:outerShdw>
-                </a:effectLst>
-                <a:latin typeface="Consolas" pitchFamily="49" charset="0"/>
-                <a:cs typeface="Consolas" pitchFamily="49" charset="0"/>
-              </a:rPr>
-              <a:t>private </a:t>
-            </a:r>
-            <a:r>
-              <a:rPr lang="en-US" sz="2000" b="1" noProof="1">
-                <a:solidFill>
-                  <a:srgbClr val="8CF4F2"/>
-                </a:solidFill>
-                <a:effectLst>
-                  <a:outerShdw blurRad="38100" dist="38100" dir="2700000" algn="tl">
-                    <a:srgbClr val="000000">
-                      <a:alpha val="43137"/>
-                    </a:srgbClr>
-                  </a:outerShdw>
-                </a:effectLst>
-                <a:latin typeface="Consolas" pitchFamily="49" charset="0"/>
-                <a:cs typeface="Consolas" pitchFamily="49" charset="0"/>
-              </a:rPr>
-              <a:t>functions </a:t>
-            </a:r>
-            <a:endParaRPr lang="en-US" sz="2000" b="1" noProof="1" smtClean="0">
-              <a:solidFill>
-                <a:srgbClr val="8CF4F2"/>
-              </a:solidFill>
-              <a:effectLst>
-                <a:outerShdw blurRad="38100" dist="38100" dir="2700000" algn="tl">
-                  <a:srgbClr val="000000">
-                    <a:alpha val="43137"/>
-                  </a:srgbClr>
-                </a:outerShdw>
-              </a:effectLst>
-              <a:latin typeface="Consolas" pitchFamily="49" charset="0"/>
-              <a:cs typeface="Consolas" pitchFamily="49" charset="0"/>
-            </a:endParaRPr>
-          </a:p>
-          <a:p>
-            <a:pPr eaLnBrk="0" hangingPunct="0">
-              <a:lnSpc>
-                <a:spcPct val="110000"/>
-              </a:lnSpc>
-              <a:spcBef>
-                <a:spcPts val="0"/>
-              </a:spcBef>
-              <a:buClr>
-                <a:schemeClr val="accent5">
-                  <a:lumMod val="40000"/>
-                  <a:lumOff val="60000"/>
-                </a:schemeClr>
-              </a:buClr>
-              <a:buSzPct val="70000"/>
-            </a:pPr>
-            <a:endParaRPr lang="en-US" sz="2000" b="1" noProof="1" smtClean="0">
-              <a:solidFill>
-                <a:srgbClr val="8CF4F2"/>
-              </a:solidFill>
-              <a:effectLst>
-                <a:outerShdw blurRad="38100" dist="38100" dir="2700000" algn="tl">
-                  <a:srgbClr val="000000">
-                    <a:alpha val="43137"/>
-                  </a:srgbClr>
-                </a:outerShdw>
-              </a:effectLst>
-              <a:latin typeface="Consolas" pitchFamily="49" charset="0"/>
-              <a:cs typeface="Consolas" pitchFamily="49" charset="0"/>
-            </a:endParaRPr>
-          </a:p>
-          <a:p>
-            <a:pPr eaLnBrk="0" hangingPunct="0">
-              <a:lnSpc>
-                <a:spcPct val="110000"/>
-              </a:lnSpc>
-              <a:spcBef>
-                <a:spcPts val="0"/>
-              </a:spcBef>
-              <a:buClr>
-                <a:schemeClr val="accent5">
-                  <a:lumMod val="40000"/>
-                  <a:lumOff val="60000"/>
-                </a:schemeClr>
-              </a:buClr>
-              <a:buSzPct val="70000"/>
-            </a:pPr>
-            <a:r>
-              <a:rPr lang="en-US" sz="2000" b="1" noProof="1" smtClean="0">
-                <a:solidFill>
-                  <a:srgbClr val="8CF4F2"/>
-                </a:solidFill>
-                <a:effectLst>
-                  <a:outerShdw blurRad="38100" dist="38100" dir="2700000" algn="tl">
-                    <a:srgbClr val="000000">
-                      <a:alpha val="43137"/>
-                    </a:srgbClr>
-                  </a:outerShdw>
-                </a:effectLst>
-                <a:latin typeface="Consolas" pitchFamily="49" charset="0"/>
-                <a:cs typeface="Consolas" pitchFamily="49" charset="0"/>
-              </a:rPr>
-              <a:t>	return {</a:t>
-            </a:r>
-            <a:endParaRPr lang="en-US" sz="2000" b="1" noProof="1">
-              <a:solidFill>
-                <a:srgbClr val="8CF4F2"/>
-              </a:solidFill>
-              <a:effectLst>
-                <a:outerShdw blurRad="38100" dist="38100" dir="2700000" algn="tl">
-                  <a:srgbClr val="000000">
-                    <a:alpha val="43137"/>
-                  </a:srgbClr>
-                </a:outerShdw>
-              </a:effectLst>
-              <a:latin typeface="Consolas" pitchFamily="49" charset="0"/>
-              <a:cs typeface="Consolas" pitchFamily="49" charset="0"/>
-            </a:endParaRPr>
-          </a:p>
-          <a:p>
-            <a:pPr eaLnBrk="0" hangingPunct="0">
-              <a:lnSpc>
-                <a:spcPct val="110000"/>
-              </a:lnSpc>
-              <a:spcBef>
-                <a:spcPts val="0"/>
-              </a:spcBef>
-              <a:buClr>
-                <a:schemeClr val="accent5">
-                  <a:lumMod val="40000"/>
-                  <a:lumOff val="60000"/>
-                </a:schemeClr>
-              </a:buClr>
-              <a:buSzPct val="70000"/>
-            </a:pPr>
-            <a:r>
-              <a:rPr lang="en-US" sz="2000" b="1" noProof="1" smtClean="0">
-                <a:solidFill>
-                  <a:srgbClr val="8CF4F2"/>
-                </a:solidFill>
-                <a:effectLst>
-                  <a:outerShdw blurRad="38100" dist="38100" dir="2700000" algn="tl">
-                    <a:srgbClr val="000000">
-                      <a:alpha val="43137"/>
-                    </a:srgbClr>
-                  </a:outerShdw>
-                </a:effectLst>
-                <a:latin typeface="Consolas" pitchFamily="49" charset="0"/>
-                <a:cs typeface="Consolas" pitchFamily="49" charset="0"/>
-              </a:rPr>
-              <a:t>		//</a:t>
-            </a:r>
-            <a:r>
-              <a:rPr lang="en-US" sz="2000" b="1" noProof="1">
-                <a:solidFill>
-                  <a:srgbClr val="8CF4F2"/>
-                </a:solidFill>
-                <a:effectLst>
-                  <a:outerShdw blurRad="38100" dist="38100" dir="2700000" algn="tl">
-                    <a:srgbClr val="000000">
-                      <a:alpha val="43137"/>
-                    </a:srgbClr>
-                  </a:outerShdw>
-                </a:effectLst>
-                <a:latin typeface="Consolas" pitchFamily="49" charset="0"/>
-                <a:cs typeface="Consolas" pitchFamily="49" charset="0"/>
-              </a:rPr>
-              <a:t>public members</a:t>
-            </a:r>
-          </a:p>
-          <a:p>
-            <a:pPr eaLnBrk="0" hangingPunct="0">
-              <a:lnSpc>
-                <a:spcPct val="110000"/>
-              </a:lnSpc>
-              <a:spcBef>
-                <a:spcPts val="0"/>
-              </a:spcBef>
-              <a:buClr>
-                <a:schemeClr val="accent5">
-                  <a:lumMod val="40000"/>
-                  <a:lumOff val="60000"/>
-                </a:schemeClr>
-              </a:buClr>
-              <a:buSzPct val="70000"/>
-            </a:pPr>
-            <a:r>
-              <a:rPr lang="en-US" sz="2000" b="1" noProof="1" smtClean="0">
-                <a:solidFill>
-                  <a:srgbClr val="8CF4F2"/>
-                </a:solidFill>
-                <a:effectLst>
-                  <a:outerShdw blurRad="38100" dist="38100" dir="2700000" algn="tl">
-                    <a:srgbClr val="000000">
-                      <a:alpha val="43137"/>
-                    </a:srgbClr>
-                  </a:outerShdw>
-                </a:effectLst>
-                <a:latin typeface="Consolas" pitchFamily="49" charset="0"/>
-                <a:cs typeface="Consolas" pitchFamily="49" charset="0"/>
-              </a:rPr>
-              <a:t>	};</a:t>
-            </a:r>
-            <a:endParaRPr lang="en-US" sz="2000" b="1" noProof="1">
-              <a:solidFill>
-                <a:srgbClr val="8CF4F2"/>
-              </a:solidFill>
-              <a:effectLst>
-                <a:outerShdw blurRad="38100" dist="38100" dir="2700000" algn="tl">
-                  <a:srgbClr val="000000">
-                    <a:alpha val="43137"/>
-                  </a:srgbClr>
-                </a:outerShdw>
-              </a:effectLst>
-              <a:latin typeface="Consolas" pitchFamily="49" charset="0"/>
-              <a:cs typeface="Consolas" pitchFamily="49" charset="0"/>
-            </a:endParaRPr>
-          </a:p>
-          <a:p>
-            <a:pPr eaLnBrk="0" hangingPunct="0">
-              <a:lnSpc>
-                <a:spcPct val="110000"/>
-              </a:lnSpc>
-              <a:spcBef>
-                <a:spcPts val="0"/>
-              </a:spcBef>
-              <a:buClr>
-                <a:schemeClr val="accent5">
-                  <a:lumMod val="40000"/>
-                  <a:lumOff val="60000"/>
-                </a:schemeClr>
-              </a:buClr>
-              <a:buSzPct val="70000"/>
-            </a:pPr>
-            <a:r>
-              <a:rPr lang="en-US" sz="2000" b="1" noProof="1">
-                <a:solidFill>
-                  <a:srgbClr val="8CF4F2"/>
-                </a:solidFill>
-                <a:effectLst>
-                  <a:outerShdw blurRad="38100" dist="38100" dir="2700000" algn="tl">
-                    <a:srgbClr val="000000">
-                      <a:alpha val="43137"/>
-                    </a:srgbClr>
-                  </a:outerShdw>
-                </a:effectLst>
-                <a:latin typeface="Consolas" pitchFamily="49" charset="0"/>
-                <a:cs typeface="Consolas" pitchFamily="49" charset="0"/>
-              </a:rPr>
-              <a:t>}</a:t>
-            </a:r>
-            <a:r>
-              <a:rPr lang="en-US" sz="2000" b="1" noProof="1">
-                <a:solidFill>
-                  <a:srgbClr val="FFFF00"/>
-                </a:solidFill>
-                <a:effectLst>
-                  <a:outerShdw blurRad="38100" dist="38100" dir="2700000" algn="tl">
-                    <a:srgbClr val="000000">
-                      <a:alpha val="43137"/>
-                    </a:srgbClr>
-                  </a:outerShdw>
-                </a:effectLst>
-                <a:latin typeface="Consolas" pitchFamily="49" charset="0"/>
-                <a:cs typeface="Consolas" pitchFamily="49" charset="0"/>
-              </a:rPr>
-              <a:t>()</a:t>
-            </a:r>
-            <a:r>
-              <a:rPr lang="en-US" sz="2000" b="1" noProof="1">
-                <a:solidFill>
-                  <a:srgbClr val="8CF4F2"/>
-                </a:solidFill>
-                <a:effectLst>
-                  <a:outerShdw blurRad="38100" dist="38100" dir="2700000" algn="tl">
-                    <a:srgbClr val="000000">
-                      <a:alpha val="43137"/>
-                    </a:srgbClr>
-                  </a:outerShdw>
-                </a:effectLst>
-                <a:latin typeface="Consolas" pitchFamily="49" charset="0"/>
-                <a:cs typeface="Consolas" pitchFamily="49" charset="0"/>
-              </a:rPr>
-              <a:t>;</a:t>
-            </a:r>
-            <a:endParaRPr lang="en-US" sz="2000" b="1" noProof="1">
-              <a:solidFill>
-                <a:srgbClr val="8CF4F2"/>
-              </a:solidFill>
-              <a:effectLst>
-                <a:outerShdw blurRad="38100" dist="38100" dir="2700000" algn="tl">
-                  <a:srgbClr val="000000">
-                    <a:alpha val="43137"/>
-                  </a:srgbClr>
-                </a:outerShdw>
-              </a:effectLst>
-              <a:latin typeface="Consolas" pitchFamily="49" charset="0"/>
-              <a:cs typeface="Consolas" pitchFamily="49" charset="0"/>
-            </a:endParaRPr>
-          </a:p>
-        </p:txBody>
-      </p:sp>
-      <p:sp>
-        <p:nvSpPr>
-          <p:cNvPr id="8" name="Rectangle 3"/>
-          <p:cNvSpPr txBox="1">
-            <a:spLocks noChangeArrowheads="1"/>
-          </p:cNvSpPr>
-          <p:nvPr/>
-        </p:nvSpPr>
-        <p:spPr>
-          <a:xfrm>
-            <a:off x="349624" y="914400"/>
-            <a:ext cx="8686800" cy="609600"/>
-          </a:xfrm>
-          <a:prstGeom prst="rect">
-            <a:avLst/>
-          </a:prstGeom>
-        </p:spPr>
-        <p:txBody>
-          <a:bodyPr/>
-          <a:lstStyle>
-            <a:lvl1pPr marL="282575" indent="-282575" algn="l" rtl="0" eaLnBrk="0" fontAlgn="base" hangingPunct="0">
-              <a:lnSpc>
-                <a:spcPct val="105000"/>
-              </a:lnSpc>
-              <a:spcBef>
-                <a:spcPts val="600"/>
-              </a:spcBef>
-              <a:spcAft>
-                <a:spcPts val="600"/>
-              </a:spcAft>
-              <a:buClr>
-                <a:schemeClr val="accent5">
-                  <a:lumMod val="40000"/>
-                  <a:lumOff val="60000"/>
-                </a:schemeClr>
-              </a:buClr>
-              <a:buSzPct val="70000"/>
-              <a:buFont typeface="Wingdings 2" pitchFamily="18" charset="2"/>
-              <a:buChar char=""/>
-              <a:tabLst>
-                <a:tab pos="282575" algn="l"/>
-              </a:tabLst>
-              <a:defRPr sz="3200" b="1" kern="1200">
-                <a:solidFill>
-                  <a:srgbClr val="EBFFD2"/>
-                </a:solidFill>
-                <a:effectLst>
-                  <a:outerShdw blurRad="38100" dist="38100" dir="2700000" algn="tl">
-                    <a:srgbClr val="000000">
-                      <a:alpha val="43137"/>
-                    </a:srgbClr>
-                  </a:outerShdw>
-                </a:effectLst>
-                <a:latin typeface="+mn-lt"/>
-                <a:ea typeface="+mn-ea"/>
-                <a:cs typeface="+mn-cs"/>
-              </a:defRPr>
-            </a:lvl1pPr>
-            <a:lvl2pPr marL="630238" indent="-273050" algn="l" rtl="0" eaLnBrk="0" fontAlgn="base" hangingPunct="0">
-              <a:lnSpc>
-                <a:spcPct val="105000"/>
-              </a:lnSpc>
-              <a:spcBef>
-                <a:spcPts val="600"/>
-              </a:spcBef>
-              <a:spcAft>
-                <a:spcPts val="600"/>
-              </a:spcAft>
-              <a:buClr>
-                <a:srgbClr val="8FD600"/>
-              </a:buClr>
-              <a:buFont typeface="Wingdings 2" pitchFamily="18" charset="2"/>
-              <a:buChar char=""/>
-              <a:defRPr sz="3000" b="1" kern="1200">
-                <a:solidFill>
-                  <a:schemeClr val="tx1">
-                    <a:lumMod val="40000"/>
-                    <a:lumOff val="60000"/>
-                  </a:schemeClr>
-                </a:solidFill>
-                <a:effectLst>
-                  <a:outerShdw blurRad="38100" dist="38100" dir="2700000" algn="tl">
-                    <a:srgbClr val="000000">
-                      <a:alpha val="43137"/>
-                    </a:srgbClr>
-                  </a:outerShdw>
-                </a:effectLst>
-                <a:latin typeface="+mn-lt"/>
-                <a:ea typeface="+mn-ea"/>
-                <a:cs typeface="+mn-cs"/>
-              </a:defRPr>
-            </a:lvl2pPr>
-            <a:lvl3pPr marL="922338" indent="-273050" algn="l" rtl="0" eaLnBrk="0" fontAlgn="base" hangingPunct="0">
-              <a:lnSpc>
-                <a:spcPct val="105000"/>
-              </a:lnSpc>
-              <a:spcBef>
-                <a:spcPts val="600"/>
-              </a:spcBef>
-              <a:spcAft>
-                <a:spcPts val="600"/>
-              </a:spcAft>
-              <a:buClr>
-                <a:srgbClr val="FFAD9F"/>
-              </a:buClr>
-              <a:buFont typeface="Wingdings 2" pitchFamily="18" charset="2"/>
-              <a:buChar char=""/>
-              <a:defRPr sz="2800" b="1" kern="1200">
-                <a:solidFill>
-                  <a:srgbClr val="F5FFC2"/>
-                </a:solidFill>
-                <a:effectLst>
-                  <a:outerShdw blurRad="38100" dist="38100" dir="2700000" algn="tl">
-                    <a:srgbClr val="000000">
-                      <a:alpha val="43137"/>
-                    </a:srgbClr>
-                  </a:outerShdw>
-                </a:effectLst>
-                <a:latin typeface="+mn-lt"/>
-                <a:ea typeface="+mn-ea"/>
-                <a:cs typeface="+mn-cs"/>
-              </a:defRPr>
-            </a:lvl3pPr>
-            <a:lvl4pPr marL="1187450" indent="-228600" algn="l" rtl="0" eaLnBrk="0" fontAlgn="base" hangingPunct="0">
-              <a:lnSpc>
-                <a:spcPct val="105000"/>
-              </a:lnSpc>
-              <a:spcBef>
-                <a:spcPts val="600"/>
-              </a:spcBef>
-              <a:spcAft>
-                <a:spcPts val="600"/>
-              </a:spcAft>
-              <a:buClr>
-                <a:srgbClr val="FACF82"/>
-              </a:buClr>
-              <a:buFont typeface="Wingdings 2" pitchFamily="18" charset="2"/>
-              <a:buChar char=""/>
-              <a:defRPr sz="2600" b="1" kern="1200">
-                <a:solidFill>
-                  <a:schemeClr val="tx1">
-                    <a:lumMod val="40000"/>
-                    <a:lumOff val="60000"/>
-                  </a:schemeClr>
-                </a:solidFill>
-                <a:effectLst>
-                  <a:outerShdw blurRad="38100" dist="38100" dir="2700000" algn="tl">
-                    <a:srgbClr val="000000">
-                      <a:alpha val="43137"/>
-                    </a:srgbClr>
-                  </a:outerShdw>
-                </a:effectLst>
-                <a:latin typeface="+mn-lt"/>
-                <a:ea typeface="+mn-ea"/>
-                <a:cs typeface="+mn-cs"/>
-              </a:defRPr>
-            </a:lvl4pPr>
-            <a:lvl5pPr marL="1425575" indent="-228600" algn="l" rtl="0" eaLnBrk="0" fontAlgn="base" hangingPunct="0">
-              <a:lnSpc>
-                <a:spcPct val="105000"/>
-              </a:lnSpc>
-              <a:spcBef>
-                <a:spcPts val="600"/>
-              </a:spcBef>
-              <a:spcAft>
-                <a:spcPts val="600"/>
-              </a:spcAft>
-              <a:buClr>
-                <a:srgbClr val="46A6BD"/>
-              </a:buClr>
-              <a:buFont typeface="Wingdings 2" pitchFamily="18" charset="2"/>
-              <a:buChar char=""/>
-              <a:defRPr sz="2400" b="1" kern="1200">
-                <a:solidFill>
-                  <a:schemeClr val="tx1">
-                    <a:lumMod val="40000"/>
-                    <a:lumOff val="60000"/>
-                  </a:schemeClr>
-                </a:solidFill>
-                <a:effectLst>
-                  <a:outerShdw blurRad="38100" dist="38100" dir="2700000" algn="tl">
-                    <a:srgbClr val="000000">
-                      <a:alpha val="43137"/>
-                    </a:srgbClr>
-                  </a:outerShdw>
-                </a:effectLst>
-                <a:latin typeface="+mn-lt"/>
-                <a:ea typeface="+mn-ea"/>
-                <a:cs typeface="+mn-cs"/>
-              </a:defRPr>
-            </a:lvl5pPr>
-            <a:lvl6pPr marL="1673352" indent="-228600" algn="l" rtl="0" eaLnBrk="1" latinLnBrk="0" hangingPunct="1">
-              <a:spcBef>
-                <a:spcPct val="20000"/>
-              </a:spcBef>
-              <a:buClr>
-                <a:schemeClr val="accent6"/>
-              </a:buClr>
-              <a:buFont typeface="Wingdings 2"/>
-              <a:buChar char=""/>
-              <a:defRPr sz="1800" kern="1200">
-                <a:solidFill>
-                  <a:schemeClr val="tx1"/>
-                </a:solidFill>
-                <a:latin typeface="+mn-lt"/>
-                <a:ea typeface="+mn-ea"/>
-                <a:cs typeface="+mn-cs"/>
-              </a:defRPr>
-            </a:lvl6pPr>
-            <a:lvl7pPr marL="1911096" indent="-228600" algn="l" rtl="0" eaLnBrk="1" latinLnBrk="0" hangingPunct="1">
-              <a:spcBef>
-                <a:spcPct val="20000"/>
-              </a:spcBef>
-              <a:buClr>
-                <a:schemeClr val="tx2"/>
-              </a:buClr>
-              <a:buFont typeface="Wingdings 2"/>
-              <a:buChar char=""/>
-              <a:defRPr sz="1600" kern="1200">
-                <a:solidFill>
-                  <a:schemeClr val="tx1"/>
-                </a:solidFill>
-                <a:latin typeface="+mn-lt"/>
-                <a:ea typeface="+mn-ea"/>
-                <a:cs typeface="+mn-cs"/>
-              </a:defRPr>
-            </a:lvl7pPr>
-            <a:lvl8pPr marL="2121408" indent="-182880" algn="l" rtl="0" eaLnBrk="1" latinLnBrk="0" hangingPunct="1">
-              <a:spcBef>
-                <a:spcPct val="20000"/>
-              </a:spcBef>
-              <a:buClr>
-                <a:schemeClr val="tx2"/>
-              </a:buClr>
-              <a:buFont typeface="Wingdings 2"/>
-              <a:buChar char=""/>
-              <a:defRPr sz="1400" kern="1200">
-                <a:solidFill>
-                  <a:schemeClr val="tx1"/>
-                </a:solidFill>
-                <a:latin typeface="+mn-lt"/>
-                <a:ea typeface="+mn-ea"/>
-                <a:cs typeface="+mn-cs"/>
-              </a:defRPr>
-            </a:lvl8pPr>
-            <a:lvl9pPr marL="2322576" indent="-182880" algn="l" rtl="0" eaLnBrk="1" latinLnBrk="0" hangingPunct="1">
-              <a:spcBef>
-                <a:spcPct val="20000"/>
-              </a:spcBef>
-              <a:buClr>
-                <a:schemeClr val="tx2"/>
-              </a:buClr>
-              <a:buFont typeface="Wingdings 2"/>
-              <a:buChar char=""/>
-              <a:defRPr sz="1400" kern="1200">
-                <a:solidFill>
-                  <a:schemeClr val="tx1"/>
-                </a:solidFill>
-                <a:latin typeface="+mn-lt"/>
-                <a:ea typeface="+mn-ea"/>
-                <a:cs typeface="+mn-cs"/>
-              </a:defRPr>
-            </a:lvl9pPr>
-          </a:lstStyle>
-          <a:p>
-            <a:pPr>
-              <a:lnSpc>
-                <a:spcPct val="100000"/>
-              </a:lnSpc>
-            </a:pPr>
-            <a:r>
-              <a:rPr lang="en-US" dirty="0" smtClean="0"/>
-              <a:t>Structure:</a:t>
-            </a:r>
-            <a:endParaRPr lang="en-US" b="0" dirty="0" smtClean="0"/>
-          </a:p>
-          <a:p>
-            <a:pPr lvl="1">
-              <a:lnSpc>
-                <a:spcPct val="100000"/>
-              </a:lnSpc>
-            </a:pPr>
-            <a:endParaRPr lang="bg-BG" dirty="0"/>
-          </a:p>
-        </p:txBody>
-      </p:sp>
-      <p:sp>
-        <p:nvSpPr>
-          <p:cNvPr id="9" name="Rectangle 3"/>
-          <p:cNvSpPr txBox="1">
-            <a:spLocks noChangeArrowheads="1"/>
-          </p:cNvSpPr>
-          <p:nvPr/>
-        </p:nvSpPr>
-        <p:spPr>
-          <a:xfrm>
-            <a:off x="349624" y="4724400"/>
-            <a:ext cx="8686800" cy="1600200"/>
-          </a:xfrm>
-          <a:prstGeom prst="rect">
-            <a:avLst/>
-          </a:prstGeom>
-        </p:spPr>
-        <p:txBody>
-          <a:bodyPr/>
-          <a:lstStyle>
-            <a:lvl1pPr marL="282575" indent="-282575" algn="l" rtl="0" eaLnBrk="0" fontAlgn="base" hangingPunct="0">
-              <a:lnSpc>
-                <a:spcPct val="105000"/>
-              </a:lnSpc>
-              <a:spcBef>
-                <a:spcPts val="600"/>
-              </a:spcBef>
-              <a:spcAft>
-                <a:spcPts val="600"/>
-              </a:spcAft>
-              <a:buClr>
-                <a:schemeClr val="accent5">
-                  <a:lumMod val="40000"/>
-                  <a:lumOff val="60000"/>
-                </a:schemeClr>
-              </a:buClr>
-              <a:buSzPct val="70000"/>
-              <a:buFont typeface="Wingdings 2" pitchFamily="18" charset="2"/>
-              <a:buChar char=""/>
-              <a:tabLst>
-                <a:tab pos="282575" algn="l"/>
-              </a:tabLst>
-              <a:defRPr sz="3200" b="1" kern="1200">
-                <a:solidFill>
-                  <a:srgbClr val="EBFFD2"/>
-                </a:solidFill>
-                <a:effectLst>
-                  <a:outerShdw blurRad="38100" dist="38100" dir="2700000" algn="tl">
-                    <a:srgbClr val="000000">
-                      <a:alpha val="43137"/>
-                    </a:srgbClr>
-                  </a:outerShdw>
-                </a:effectLst>
-                <a:latin typeface="+mn-lt"/>
-                <a:ea typeface="+mn-ea"/>
-                <a:cs typeface="+mn-cs"/>
-              </a:defRPr>
-            </a:lvl1pPr>
-            <a:lvl2pPr marL="630238" indent="-273050" algn="l" rtl="0" eaLnBrk="0" fontAlgn="base" hangingPunct="0">
-              <a:lnSpc>
-                <a:spcPct val="105000"/>
-              </a:lnSpc>
-              <a:spcBef>
-                <a:spcPts val="600"/>
-              </a:spcBef>
-              <a:spcAft>
-                <a:spcPts val="600"/>
-              </a:spcAft>
-              <a:buClr>
-                <a:srgbClr val="8FD600"/>
-              </a:buClr>
-              <a:buFont typeface="Wingdings 2" pitchFamily="18" charset="2"/>
-              <a:buChar char=""/>
-              <a:defRPr sz="3000" b="1" kern="1200">
-                <a:solidFill>
-                  <a:schemeClr val="tx1">
-                    <a:lumMod val="40000"/>
-                    <a:lumOff val="60000"/>
-                  </a:schemeClr>
-                </a:solidFill>
-                <a:effectLst>
-                  <a:outerShdw blurRad="38100" dist="38100" dir="2700000" algn="tl">
-                    <a:srgbClr val="000000">
-                      <a:alpha val="43137"/>
-                    </a:srgbClr>
-                  </a:outerShdw>
-                </a:effectLst>
-                <a:latin typeface="+mn-lt"/>
-                <a:ea typeface="+mn-ea"/>
-                <a:cs typeface="+mn-cs"/>
-              </a:defRPr>
-            </a:lvl2pPr>
-            <a:lvl3pPr marL="922338" indent="-273050" algn="l" rtl="0" eaLnBrk="0" fontAlgn="base" hangingPunct="0">
-              <a:lnSpc>
-                <a:spcPct val="105000"/>
-              </a:lnSpc>
-              <a:spcBef>
-                <a:spcPts val="600"/>
-              </a:spcBef>
-              <a:spcAft>
-                <a:spcPts val="600"/>
-              </a:spcAft>
-              <a:buClr>
-                <a:srgbClr val="FFAD9F"/>
-              </a:buClr>
-              <a:buFont typeface="Wingdings 2" pitchFamily="18" charset="2"/>
-              <a:buChar char=""/>
-              <a:defRPr sz="2800" b="1" kern="1200">
-                <a:solidFill>
-                  <a:srgbClr val="F5FFC2"/>
-                </a:solidFill>
-                <a:effectLst>
-                  <a:outerShdw blurRad="38100" dist="38100" dir="2700000" algn="tl">
-                    <a:srgbClr val="000000">
-                      <a:alpha val="43137"/>
-                    </a:srgbClr>
-                  </a:outerShdw>
-                </a:effectLst>
-                <a:latin typeface="+mn-lt"/>
-                <a:ea typeface="+mn-ea"/>
-                <a:cs typeface="+mn-cs"/>
-              </a:defRPr>
-            </a:lvl3pPr>
-            <a:lvl4pPr marL="1187450" indent="-228600" algn="l" rtl="0" eaLnBrk="0" fontAlgn="base" hangingPunct="0">
-              <a:lnSpc>
-                <a:spcPct val="105000"/>
-              </a:lnSpc>
-              <a:spcBef>
-                <a:spcPts val="600"/>
-              </a:spcBef>
-              <a:spcAft>
-                <a:spcPts val="600"/>
-              </a:spcAft>
-              <a:buClr>
-                <a:srgbClr val="FACF82"/>
-              </a:buClr>
-              <a:buFont typeface="Wingdings 2" pitchFamily="18" charset="2"/>
-              <a:buChar char=""/>
-              <a:defRPr sz="2600" b="1" kern="1200">
-                <a:solidFill>
-                  <a:schemeClr val="tx1">
-                    <a:lumMod val="40000"/>
-                    <a:lumOff val="60000"/>
-                  </a:schemeClr>
-                </a:solidFill>
-                <a:effectLst>
-                  <a:outerShdw blurRad="38100" dist="38100" dir="2700000" algn="tl">
-                    <a:srgbClr val="000000">
-                      <a:alpha val="43137"/>
-                    </a:srgbClr>
-                  </a:outerShdw>
-                </a:effectLst>
-                <a:latin typeface="+mn-lt"/>
-                <a:ea typeface="+mn-ea"/>
-                <a:cs typeface="+mn-cs"/>
-              </a:defRPr>
-            </a:lvl4pPr>
-            <a:lvl5pPr marL="1425575" indent="-228600" algn="l" rtl="0" eaLnBrk="0" fontAlgn="base" hangingPunct="0">
-              <a:lnSpc>
-                <a:spcPct val="105000"/>
-              </a:lnSpc>
-              <a:spcBef>
-                <a:spcPts val="600"/>
-              </a:spcBef>
-              <a:spcAft>
-                <a:spcPts val="600"/>
-              </a:spcAft>
-              <a:buClr>
-                <a:srgbClr val="46A6BD"/>
-              </a:buClr>
-              <a:buFont typeface="Wingdings 2" pitchFamily="18" charset="2"/>
-              <a:buChar char=""/>
-              <a:defRPr sz="2400" b="1" kern="1200">
-                <a:solidFill>
-                  <a:schemeClr val="tx1">
-                    <a:lumMod val="40000"/>
-                    <a:lumOff val="60000"/>
-                  </a:schemeClr>
-                </a:solidFill>
-                <a:effectLst>
-                  <a:outerShdw blurRad="38100" dist="38100" dir="2700000" algn="tl">
-                    <a:srgbClr val="000000">
-                      <a:alpha val="43137"/>
-                    </a:srgbClr>
-                  </a:outerShdw>
-                </a:effectLst>
-                <a:latin typeface="+mn-lt"/>
-                <a:ea typeface="+mn-ea"/>
-                <a:cs typeface="+mn-cs"/>
-              </a:defRPr>
-            </a:lvl5pPr>
-            <a:lvl6pPr marL="1673352" indent="-228600" algn="l" rtl="0" eaLnBrk="1" latinLnBrk="0" hangingPunct="1">
-              <a:spcBef>
-                <a:spcPct val="20000"/>
-              </a:spcBef>
-              <a:buClr>
-                <a:schemeClr val="accent6"/>
-              </a:buClr>
-              <a:buFont typeface="Wingdings 2"/>
-              <a:buChar char=""/>
-              <a:defRPr sz="1800" kern="1200">
-                <a:solidFill>
-                  <a:schemeClr val="tx1"/>
-                </a:solidFill>
-                <a:latin typeface="+mn-lt"/>
-                <a:ea typeface="+mn-ea"/>
-                <a:cs typeface="+mn-cs"/>
-              </a:defRPr>
-            </a:lvl6pPr>
-            <a:lvl7pPr marL="1911096" indent="-228600" algn="l" rtl="0" eaLnBrk="1" latinLnBrk="0" hangingPunct="1">
-              <a:spcBef>
-                <a:spcPct val="20000"/>
-              </a:spcBef>
-              <a:buClr>
-                <a:schemeClr val="tx2"/>
-              </a:buClr>
-              <a:buFont typeface="Wingdings 2"/>
-              <a:buChar char=""/>
-              <a:defRPr sz="1600" kern="1200">
-                <a:solidFill>
-                  <a:schemeClr val="tx1"/>
-                </a:solidFill>
-                <a:latin typeface="+mn-lt"/>
-                <a:ea typeface="+mn-ea"/>
-                <a:cs typeface="+mn-cs"/>
-              </a:defRPr>
-            </a:lvl7pPr>
-            <a:lvl8pPr marL="2121408" indent="-182880" algn="l" rtl="0" eaLnBrk="1" latinLnBrk="0" hangingPunct="1">
-              <a:spcBef>
-                <a:spcPct val="20000"/>
-              </a:spcBef>
-              <a:buClr>
-                <a:schemeClr val="tx2"/>
-              </a:buClr>
-              <a:buFont typeface="Wingdings 2"/>
-              <a:buChar char=""/>
-              <a:defRPr sz="1400" kern="1200">
-                <a:solidFill>
-                  <a:schemeClr val="tx1"/>
-                </a:solidFill>
-                <a:latin typeface="+mn-lt"/>
-                <a:ea typeface="+mn-ea"/>
-                <a:cs typeface="+mn-cs"/>
-              </a:defRPr>
-            </a:lvl8pPr>
-            <a:lvl9pPr marL="2322576" indent="-182880" algn="l" rtl="0" eaLnBrk="1" latinLnBrk="0" hangingPunct="1">
-              <a:spcBef>
-                <a:spcPct val="20000"/>
-              </a:spcBef>
-              <a:buClr>
-                <a:schemeClr val="tx2"/>
-              </a:buClr>
-              <a:buFont typeface="Wingdings 2"/>
-              <a:buChar char=""/>
-              <a:defRPr sz="1400" kern="1200">
-                <a:solidFill>
-                  <a:schemeClr val="tx1"/>
-                </a:solidFill>
-                <a:latin typeface="+mn-lt"/>
-                <a:ea typeface="+mn-ea"/>
-                <a:cs typeface="+mn-cs"/>
-              </a:defRPr>
-            </a:lvl9pPr>
-          </a:lstStyle>
-          <a:p>
-            <a:pPr>
-              <a:lnSpc>
-                <a:spcPct val="100000"/>
-              </a:lnSpc>
-            </a:pPr>
-            <a:r>
-              <a:rPr lang="en-US" dirty="0" smtClean="0"/>
-              <a:t>Usage</a:t>
-            </a:r>
-          </a:p>
-          <a:p>
-            <a:pPr lvl="1">
-              <a:lnSpc>
-                <a:spcPct val="100000"/>
-              </a:lnSpc>
-            </a:pPr>
-            <a:r>
-              <a:rPr lang="en-US" dirty="0" smtClean="0"/>
-              <a:t>Without the </a:t>
-            </a:r>
-            <a:r>
-              <a:rPr lang="en-US" dirty="0" smtClean="0">
-                <a:solidFill>
-                  <a:schemeClr val="accent6">
-                    <a:lumMod val="20000"/>
-                    <a:lumOff val="80000"/>
-                  </a:schemeClr>
-                </a:solidFill>
-              </a:rPr>
-              <a:t>new</a:t>
-            </a:r>
-            <a:r>
-              <a:rPr lang="en-US" dirty="0" smtClean="0"/>
-              <a:t> keyword</a:t>
-            </a:r>
-          </a:p>
-          <a:p>
-            <a:pPr lvl="1">
-              <a:lnSpc>
-                <a:spcPct val="100000"/>
-              </a:lnSpc>
-            </a:pPr>
-            <a:endParaRPr lang="bg-BG" dirty="0"/>
-          </a:p>
-        </p:txBody>
-      </p:sp>
-    </p:spTree>
-    <p:extLst>
-      <p:ext uri="{BB962C8B-B14F-4D97-AF65-F5344CB8AC3E}">
-        <p14:creationId xmlns:p14="http://schemas.microsoft.com/office/powerpoint/2010/main" val="708568229"/>
       </p:ext>
     </p:extLst>
   </p:cSld>
@@ -9594,7 +9540,7 @@
           <a:p>
             <a:r>
               <a:rPr lang="en-US" sz="3600" dirty="0" smtClean="0"/>
-              <a:t>Example</a:t>
+              <a:t>Structure</a:t>
             </a:r>
             <a:endParaRPr lang="bg-BG" sz="3600" dirty="0"/>
           </a:p>
@@ -9671,8 +9617,8 @@
         </p:nvSpPr>
         <p:spPr bwMode="auto">
           <a:xfrm>
-            <a:off x="555812" y="1371600"/>
-            <a:ext cx="7777163" cy="4493538"/>
+            <a:off x="555812" y="1600200"/>
+            <a:ext cx="7777163" cy="2800767"/>
           </a:xfrm>
           <a:prstGeom prst="rect">
             <a:avLst/>
@@ -9729,7 +9675,41 @@
                 <a:latin typeface="Consolas" pitchFamily="49" charset="0"/>
                 <a:cs typeface="Consolas" pitchFamily="49" charset="0"/>
               </a:rPr>
-              <a:t>var calculator = function(eq) {</a:t>
+              <a:t>var </a:t>
+            </a:r>
+            <a:r>
+              <a:rPr lang="en-US" sz="2000" b="1" noProof="1" smtClean="0">
+                <a:solidFill>
+                  <a:srgbClr val="8CF4F2"/>
+                </a:solidFill>
+                <a:effectLst>
+                  <a:outerShdw blurRad="38100" dist="38100" dir="2700000" algn="tl">
+                    <a:srgbClr val="000000">
+                      <a:alpha val="43137"/>
+                    </a:srgbClr>
+                  </a:outerShdw>
+                </a:effectLst>
+                <a:latin typeface="Consolas" pitchFamily="49" charset="0"/>
+                <a:cs typeface="Consolas" pitchFamily="49" charset="0"/>
+              </a:rPr>
+              <a:t>module </a:t>
+            </a:r>
+            <a:r>
+              <a:rPr lang="en-US" sz="2000" b="1" noProof="1">
+                <a:solidFill>
+                  <a:srgbClr val="8CF4F2"/>
+                </a:solidFill>
+                <a:effectLst>
+                  <a:outerShdw blurRad="38100" dist="38100" dir="2700000" algn="tl">
+                    <a:srgbClr val="000000">
+                      <a:alpha val="43137"/>
+                    </a:srgbClr>
+                  </a:outerShdw>
+                </a:effectLst>
+                <a:latin typeface="Consolas" pitchFamily="49" charset="0"/>
+                <a:cs typeface="Consolas" pitchFamily="49" charset="0"/>
+              </a:rPr>
+              <a:t>= function() {</a:t>
             </a:r>
           </a:p>
           <a:p>
@@ -9763,7 +9743,7 @@
                 <a:latin typeface="Consolas" pitchFamily="49" charset="0"/>
                 <a:cs typeface="Consolas" pitchFamily="49" charset="0"/>
               </a:rPr>
-              <a:t>	var </a:t>
+              <a:t>	//</a:t>
             </a:r>
             <a:r>
               <a:rPr lang="en-US" sz="2000" b="1" noProof="1">
@@ -9780,126 +9760,7 @@
                 <a:latin typeface="Consolas" pitchFamily="49" charset="0"/>
                 <a:cs typeface="Consolas" pitchFamily="49" charset="0"/>
               </a:rPr>
-              <a:t>eqCtl = </a:t>
-            </a:r>
-            <a:r>
-              <a:rPr lang="en-US" sz="2000" b="1" noProof="1">
-                <a:solidFill>
-                  <a:srgbClr val="8CF4F2"/>
-                </a:solidFill>
-                <a:effectLst>
-                  <a:outerShdw blurRad="38100" dist="38100" dir="2700000" algn="tl">
-                    <a:srgbClr val="000000">
-                      <a:alpha val="43137"/>
-                    </a:srgbClr>
-                  </a:outerShdw>
-                </a:effectLst>
-                <a:latin typeface="Consolas" pitchFamily="49" charset="0"/>
-                <a:cs typeface="Consolas" pitchFamily="49" charset="0"/>
-              </a:rPr>
-              <a:t>document.getElementById(eq</a:t>
-            </a:r>
-            <a:r>
-              <a:rPr lang="en-US" sz="2000" b="1" noProof="1" smtClean="0">
-                <a:solidFill>
-                  <a:srgbClr val="8CF4F2"/>
-                </a:solidFill>
-                <a:effectLst>
-                  <a:outerShdw blurRad="38100" dist="38100" dir="2700000" algn="tl">
-                    <a:srgbClr val="000000">
-                      <a:alpha val="43137"/>
-                    </a:srgbClr>
-                  </a:outerShdw>
-                </a:effectLst>
-                <a:latin typeface="Consolas" pitchFamily="49" charset="0"/>
-                <a:cs typeface="Consolas" pitchFamily="49" charset="0"/>
-              </a:rPr>
-              <a:t>),</a:t>
-            </a:r>
-          </a:p>
-          <a:p>
-            <a:pPr eaLnBrk="0" hangingPunct="0">
-              <a:lnSpc>
-                <a:spcPct val="110000"/>
-              </a:lnSpc>
-              <a:spcBef>
-                <a:spcPts val="0"/>
-              </a:spcBef>
-              <a:buClr>
-                <a:schemeClr val="accent5">
-                  <a:lumMod val="40000"/>
-                  <a:lumOff val="60000"/>
-                </a:schemeClr>
-              </a:buClr>
-              <a:buSzPct val="70000"/>
-            </a:pPr>
-            <a:r>
-              <a:rPr lang="en-US" sz="2000" b="1" noProof="1">
-                <a:solidFill>
-                  <a:srgbClr val="8CF4F2"/>
-                </a:solidFill>
-                <a:effectLst>
-                  <a:outerShdw blurRad="38100" dist="38100" dir="2700000" algn="tl">
-                    <a:srgbClr val="000000">
-                      <a:alpha val="43137"/>
-                    </a:srgbClr>
-                  </a:outerShdw>
-                </a:effectLst>
-                <a:latin typeface="Consolas" pitchFamily="49" charset="0"/>
-                <a:cs typeface="Consolas" pitchFamily="49" charset="0"/>
-              </a:rPr>
-              <a:t> </a:t>
-            </a:r>
-            <a:r>
-              <a:rPr lang="en-US" sz="2000" b="1" noProof="1" smtClean="0">
-                <a:solidFill>
-                  <a:srgbClr val="8CF4F2"/>
-                </a:solidFill>
-                <a:effectLst>
-                  <a:outerShdw blurRad="38100" dist="38100" dir="2700000" algn="tl">
-                    <a:srgbClr val="000000">
-                      <a:alpha val="43137"/>
-                    </a:srgbClr>
-                  </a:outerShdw>
-                </a:effectLst>
-                <a:latin typeface="Consolas" pitchFamily="49" charset="0"/>
-                <a:cs typeface="Consolas" pitchFamily="49" charset="0"/>
-              </a:rPr>
-              <a:t>          doAdd </a:t>
-            </a:r>
-            <a:r>
-              <a:rPr lang="en-US" sz="2000" b="1" noProof="1">
-                <a:solidFill>
-                  <a:srgbClr val="8CF4F2"/>
-                </a:solidFill>
-                <a:effectLst>
-                  <a:outerShdw blurRad="38100" dist="38100" dir="2700000" algn="tl">
-                    <a:srgbClr val="000000">
-                      <a:alpha val="43137"/>
-                    </a:srgbClr>
-                  </a:outerShdw>
-                </a:effectLst>
-                <a:latin typeface="Consolas" pitchFamily="49" charset="0"/>
-                <a:cs typeface="Consolas" pitchFamily="49" charset="0"/>
-              </a:rPr>
-              <a:t>= function(x,y) </a:t>
-            </a:r>
-            <a:r>
-              <a:rPr lang="en-US" sz="2000" b="1" noProof="1">
-                <a:solidFill>
-                  <a:srgbClr val="8CF4F2"/>
-                </a:solidFill>
-                <a:effectLst>
-                  <a:outerShdw blurRad="38100" dist="38100" dir="2700000" algn="tl">
-                    <a:srgbClr val="000000">
-                      <a:alpha val="43137"/>
-                    </a:srgbClr>
-                  </a:outerShdw>
-                </a:effectLst>
-                <a:latin typeface="Consolas" pitchFamily="49" charset="0"/>
-                <a:cs typeface="Consolas" pitchFamily="49" charset="0"/>
-              </a:rPr>
-              <a:t>{ </a:t>
+              <a:t>private variables </a:t>
             </a:r>
             <a:endParaRPr lang="en-US" sz="2000" b="1" noProof="1" smtClean="0">
               <a:solidFill>
@@ -9964,7 +9825,7 @@
                 <a:latin typeface="Consolas" pitchFamily="49" charset="0"/>
                 <a:cs typeface="Consolas" pitchFamily="49" charset="0"/>
               </a:rPr>
-              <a:t>		var </a:t>
+              <a:t>//</a:t>
             </a:r>
             <a:r>
               <a:rPr lang="en-US" sz="2000" b="1" noProof="1">
@@ -9981,225 +9842,7 @@
                 <a:latin typeface="Consolas" pitchFamily="49" charset="0"/>
                 <a:cs typeface="Consolas" pitchFamily="49" charset="0"/>
               </a:rPr>
-              <a:t>val = x + y;</a:t>
-            </a:r>
-          </a:p>
-          <a:p>
-            <a:pPr eaLnBrk="0" hangingPunct="0">
-              <a:lnSpc>
-                <a:spcPct val="110000"/>
-              </a:lnSpc>
-              <a:spcBef>
-                <a:spcPts val="0"/>
-              </a:spcBef>
-              <a:buClr>
-                <a:schemeClr val="accent5">
-                  <a:lumMod val="40000"/>
-                  <a:lumOff val="60000"/>
-                </a:schemeClr>
-              </a:buClr>
-              <a:buSzPct val="70000"/>
-            </a:pPr>
-            <a:r>
-              <a:rPr lang="en-US" sz="2000" b="1" noProof="1" smtClean="0">
-                <a:solidFill>
-                  <a:srgbClr val="8CF4F2"/>
-                </a:solidFill>
-                <a:effectLst>
-                  <a:outerShdw blurRad="38100" dist="38100" dir="2700000" algn="tl">
-                    <a:srgbClr val="000000">
-                      <a:alpha val="43137"/>
-                    </a:srgbClr>
-                  </a:outerShdw>
-                </a:effectLst>
-                <a:latin typeface="Consolas" pitchFamily="49" charset="0"/>
-                <a:cs typeface="Consolas" pitchFamily="49" charset="0"/>
-              </a:rPr>
-              <a:t>			eqCtl.innerHTML </a:t>
-            </a:r>
-            <a:r>
-              <a:rPr lang="en-US" sz="2000" b="1" noProof="1">
-                <a:solidFill>
-                  <a:srgbClr val="8CF4F2"/>
-                </a:solidFill>
-                <a:effectLst>
-                  <a:outerShdw blurRad="38100" dist="38100" dir="2700000" algn="tl">
-                    <a:srgbClr val="000000">
-                      <a:alpha val="43137"/>
-                    </a:srgbClr>
-                  </a:outerShdw>
-                </a:effectLst>
-                <a:latin typeface="Consolas" pitchFamily="49" charset="0"/>
-                <a:cs typeface="Consolas" pitchFamily="49" charset="0"/>
-              </a:rPr>
-              <a:t>= </a:t>
-            </a:r>
-            <a:r>
-              <a:rPr lang="en-US" sz="2000" b="1" noProof="1">
-                <a:solidFill>
-                  <a:srgbClr val="8CF4F2"/>
-                </a:solidFill>
-                <a:effectLst>
-                  <a:outerShdw blurRad="38100" dist="38100" dir="2700000" algn="tl">
-                    <a:srgbClr val="000000">
-                      <a:alpha val="43137"/>
-                    </a:srgbClr>
-                  </a:outerShdw>
-                </a:effectLst>
-                <a:latin typeface="Consolas" pitchFamily="49" charset="0"/>
-                <a:cs typeface="Consolas" pitchFamily="49" charset="0"/>
-              </a:rPr>
-              <a:t>val</a:t>
-            </a:r>
-            <a:r>
-              <a:rPr lang="en-US" sz="2000" b="1" noProof="1" smtClean="0">
-                <a:solidFill>
-                  <a:srgbClr val="8CF4F2"/>
-                </a:solidFill>
-                <a:effectLst>
-                  <a:outerShdw blurRad="38100" dist="38100" dir="2700000" algn="tl">
-                    <a:srgbClr val="000000">
-                      <a:alpha val="43137"/>
-                    </a:srgbClr>
-                  </a:outerShdw>
-                </a:effectLst>
-                <a:latin typeface="Consolas" pitchFamily="49" charset="0"/>
-                <a:cs typeface="Consolas" pitchFamily="49" charset="0"/>
-              </a:rPr>
-              <a:t>;</a:t>
-            </a:r>
-          </a:p>
-          <a:p>
-            <a:pPr eaLnBrk="0" hangingPunct="0">
-              <a:lnSpc>
-                <a:spcPct val="110000"/>
-              </a:lnSpc>
-              <a:spcBef>
-                <a:spcPts val="0"/>
-              </a:spcBef>
-              <a:buClr>
-                <a:schemeClr val="accent5">
-                  <a:lumMod val="40000"/>
-                  <a:lumOff val="60000"/>
-                </a:schemeClr>
-              </a:buClr>
-              <a:buSzPct val="70000"/>
-            </a:pPr>
-            <a:r>
-              <a:rPr lang="en-US" sz="2000" b="1" noProof="1">
-                <a:solidFill>
-                  <a:srgbClr val="8CF4F2"/>
-                </a:solidFill>
-                <a:effectLst>
-                  <a:outerShdw blurRad="38100" dist="38100" dir="2700000" algn="tl">
-                    <a:srgbClr val="000000">
-                      <a:alpha val="43137"/>
-                    </a:srgbClr>
-                  </a:outerShdw>
-                </a:effectLst>
-                <a:latin typeface="Consolas" pitchFamily="49" charset="0"/>
-                <a:cs typeface="Consolas" pitchFamily="49" charset="0"/>
-              </a:rPr>
-              <a:t>	</a:t>
-            </a:r>
-            <a:r>
-              <a:rPr lang="en-US" sz="2000" b="1" noProof="1" smtClean="0">
-                <a:solidFill>
-                  <a:srgbClr val="8CF4F2"/>
-                </a:solidFill>
-                <a:effectLst>
-                  <a:outerShdw blurRad="38100" dist="38100" dir="2700000" algn="tl">
-                    <a:srgbClr val="000000">
-                      <a:alpha val="43137"/>
-                    </a:srgbClr>
-                  </a:outerShdw>
-                </a:effectLst>
-                <a:latin typeface="Consolas" pitchFamily="49" charset="0"/>
-                <a:cs typeface="Consolas" pitchFamily="49" charset="0"/>
-              </a:rPr>
-              <a:t>		};</a:t>
-            </a:r>
-          </a:p>
-          <a:p>
-            <a:pPr eaLnBrk="0" hangingPunct="0">
-              <a:lnSpc>
-                <a:spcPct val="110000"/>
-              </a:lnSpc>
-              <a:spcBef>
-                <a:spcPts val="0"/>
-              </a:spcBef>
-              <a:buClr>
-                <a:schemeClr val="accent5">
-                  <a:lumMod val="40000"/>
-                  <a:lumOff val="60000"/>
-                </a:schemeClr>
-              </a:buClr>
-              <a:buSzPct val="70000"/>
-            </a:pPr>
-            <a:endParaRPr lang="en-US" sz="2000" b="1" noProof="1">
-              <a:solidFill>
-                <a:srgbClr val="8CF4F2"/>
-              </a:solidFill>
-              <a:effectLst>
-                <a:outerShdw blurRad="38100" dist="38100" dir="2700000" algn="tl">
-                  <a:srgbClr val="000000">
-                    <a:alpha val="43137"/>
-                  </a:srgbClr>
-                </a:outerShdw>
-              </a:effectLst>
-              <a:latin typeface="Consolas" pitchFamily="49" charset="0"/>
-              <a:cs typeface="Consolas" pitchFamily="49" charset="0"/>
-            </a:endParaRPr>
-          </a:p>
-          <a:p>
-            <a:pPr eaLnBrk="0" hangingPunct="0">
-              <a:lnSpc>
-                <a:spcPct val="110000"/>
-              </a:lnSpc>
-              <a:spcBef>
-                <a:spcPts val="0"/>
-              </a:spcBef>
-              <a:buClr>
-                <a:schemeClr val="accent5">
-                  <a:lumMod val="40000"/>
-                  <a:lumOff val="60000"/>
-                </a:schemeClr>
-              </a:buClr>
-              <a:buSzPct val="70000"/>
-            </a:pPr>
-            <a:r>
-              <a:rPr lang="en-US" sz="2000" b="1" noProof="1" smtClean="0">
-                <a:solidFill>
-                  <a:srgbClr val="8CF4F2"/>
-                </a:solidFill>
-                <a:effectLst>
-                  <a:outerShdw blurRad="38100" dist="38100" dir="2700000" algn="tl">
-                    <a:srgbClr val="000000">
-                      <a:alpha val="43137"/>
-                    </a:srgbClr>
-                  </a:outerShdw>
-                </a:effectLst>
-                <a:latin typeface="Consolas" pitchFamily="49" charset="0"/>
-                <a:cs typeface="Consolas" pitchFamily="49" charset="0"/>
-              </a:rPr>
-              <a:t>	return </a:t>
-            </a:r>
-            <a:r>
-              <a:rPr lang="en-US" sz="2000" b="1" noProof="1">
-                <a:solidFill>
-                  <a:srgbClr val="8CF4F2"/>
-                </a:solidFill>
-                <a:effectLst>
-                  <a:outerShdw blurRad="38100" dist="38100" dir="2700000" algn="tl">
-                    <a:srgbClr val="000000">
-                      <a:alpha val="43137"/>
-                    </a:srgbClr>
-                  </a:outerShdw>
-                </a:effectLst>
-                <a:latin typeface="Consolas" pitchFamily="49" charset="0"/>
-                <a:cs typeface="Consolas" pitchFamily="49" charset="0"/>
-              </a:rPr>
-              <a:t>{ </a:t>
+              <a:t>private functions </a:t>
             </a:r>
             <a:endParaRPr lang="en-US" sz="2000" b="1" noProof="1" smtClean="0">
               <a:solidFill>
@@ -10215,241 +9858,6 @@
               <a:latin typeface="Consolas" pitchFamily="49" charset="0"/>
               <a:cs typeface="Consolas" pitchFamily="49" charset="0"/>
             </a:endParaRPr>
-          </a:p>
-          <a:p>
-            <a:pPr eaLnBrk="0" hangingPunct="0">
-              <a:lnSpc>
-                <a:spcPct val="110000"/>
-              </a:lnSpc>
-              <a:spcBef>
-                <a:spcPts val="0"/>
-              </a:spcBef>
-              <a:buClr>
-                <a:schemeClr val="accent5">
-                  <a:lumMod val="40000"/>
-                  <a:lumOff val="60000"/>
-                </a:schemeClr>
-              </a:buClr>
-              <a:buSzPct val="70000"/>
-            </a:pPr>
-            <a:r>
-              <a:rPr lang="en-US" sz="2000" b="1" noProof="1">
-                <a:solidFill>
-                  <a:srgbClr val="8CF4F2"/>
-                </a:solidFill>
-                <a:effectLst>
-                  <a:outerShdw blurRad="38100" dist="38100" dir="2700000" algn="tl">
-                    <a:srgbClr val="000000">
-                      <a:alpha val="43137"/>
-                    </a:srgbClr>
-                  </a:outerShdw>
-                </a:effectLst>
-                <a:latin typeface="Consolas" pitchFamily="49" charset="0"/>
-                <a:cs typeface="Consolas" pitchFamily="49" charset="0"/>
-              </a:rPr>
-              <a:t>	</a:t>
-            </a:r>
-            <a:r>
-              <a:rPr lang="en-US" sz="2000" b="1" noProof="1" smtClean="0">
-                <a:solidFill>
-                  <a:srgbClr val="8CF4F2"/>
-                </a:solidFill>
-                <a:effectLst>
-                  <a:outerShdw blurRad="38100" dist="38100" dir="2700000" algn="tl">
-                    <a:srgbClr val="000000">
-                      <a:alpha val="43137"/>
-                    </a:srgbClr>
-                  </a:outerShdw>
-                </a:effectLst>
-                <a:latin typeface="Consolas" pitchFamily="49" charset="0"/>
-                <a:cs typeface="Consolas" pitchFamily="49" charset="0"/>
-              </a:rPr>
-              <a:t>	add</a:t>
-            </a:r>
-            <a:r>
-              <a:rPr lang="en-US" sz="2000" b="1" noProof="1">
-                <a:solidFill>
-                  <a:srgbClr val="8CF4F2"/>
-                </a:solidFill>
-                <a:effectLst>
-                  <a:outerShdw blurRad="38100" dist="38100" dir="2700000" algn="tl">
-                    <a:srgbClr val="000000">
-                      <a:alpha val="43137"/>
-                    </a:srgbClr>
-                  </a:outerShdw>
-                </a:effectLst>
-                <a:latin typeface="Consolas" pitchFamily="49" charset="0"/>
-                <a:cs typeface="Consolas" pitchFamily="49" charset="0"/>
-              </a:rPr>
-              <a:t>: </a:t>
-            </a:r>
-            <a:r>
-              <a:rPr lang="en-US" sz="2000" b="1" noProof="1">
-                <a:solidFill>
-                  <a:srgbClr val="8CF4F2"/>
-                </a:solidFill>
-                <a:effectLst>
-                  <a:outerShdw blurRad="38100" dist="38100" dir="2700000" algn="tl">
-                    <a:srgbClr val="000000">
-                      <a:alpha val="43137"/>
-                    </a:srgbClr>
-                  </a:outerShdw>
-                </a:effectLst>
-                <a:latin typeface="Consolas" pitchFamily="49" charset="0"/>
-                <a:cs typeface="Consolas" pitchFamily="49" charset="0"/>
-              </a:rPr>
-              <a:t>doAdd </a:t>
-            </a:r>
-            <a:endParaRPr lang="en-US" sz="2000" b="1" noProof="1" smtClean="0">
-              <a:solidFill>
-                <a:srgbClr val="8CF4F2"/>
-              </a:solidFill>
-              <a:effectLst>
-                <a:outerShdw blurRad="38100" dist="38100" dir="2700000" algn="tl">
-                  <a:srgbClr val="000000">
-                    <a:alpha val="43137"/>
-                  </a:srgbClr>
-                </a:outerShdw>
-              </a:effectLst>
-              <a:latin typeface="Consolas" pitchFamily="49" charset="0"/>
-              <a:cs typeface="Consolas" pitchFamily="49" charset="0"/>
-            </a:endParaRPr>
-          </a:p>
-          <a:p>
-            <a:pPr eaLnBrk="0" hangingPunct="0">
-              <a:lnSpc>
-                <a:spcPct val="110000"/>
-              </a:lnSpc>
-              <a:spcBef>
-                <a:spcPts val="0"/>
-              </a:spcBef>
-              <a:buClr>
-                <a:schemeClr val="accent5">
-                  <a:lumMod val="40000"/>
-                  <a:lumOff val="60000"/>
-                </a:schemeClr>
-              </a:buClr>
-              <a:buSzPct val="70000"/>
-            </a:pPr>
-            <a:r>
-              <a:rPr lang="en-US" sz="2000" b="1" noProof="1">
-                <a:solidFill>
-                  <a:srgbClr val="8CF4F2"/>
-                </a:solidFill>
-                <a:effectLst>
-                  <a:outerShdw blurRad="38100" dist="38100" dir="2700000" algn="tl">
-                    <a:srgbClr val="000000">
-                      <a:alpha val="43137"/>
-                    </a:srgbClr>
-                  </a:outerShdw>
-                </a:effectLst>
-                <a:latin typeface="Consolas" pitchFamily="49" charset="0"/>
-                <a:cs typeface="Consolas" pitchFamily="49" charset="0"/>
-              </a:rPr>
-              <a:t>	</a:t>
-            </a:r>
-            <a:r>
-              <a:rPr lang="en-US" sz="2000" b="1" noProof="1" smtClean="0">
-                <a:solidFill>
-                  <a:srgbClr val="8CF4F2"/>
-                </a:solidFill>
-                <a:effectLst>
-                  <a:outerShdw blurRad="38100" dist="38100" dir="2700000" algn="tl">
-                    <a:srgbClr val="000000">
-                      <a:alpha val="43137"/>
-                    </a:srgbClr>
-                  </a:outerShdw>
-                </a:effectLst>
-                <a:latin typeface="Consolas" pitchFamily="49" charset="0"/>
-                <a:cs typeface="Consolas" pitchFamily="49" charset="0"/>
-              </a:rPr>
-              <a:t>}; </a:t>
-            </a:r>
-            <a:r>
-              <a:rPr lang="en-US" sz="2000" b="1" noProof="1">
-                <a:solidFill>
-                  <a:srgbClr val="8CF4F2"/>
-                </a:solidFill>
-                <a:effectLst>
-                  <a:outerShdw blurRad="38100" dist="38100" dir="2700000" algn="tl">
-                    <a:srgbClr val="000000">
-                      <a:alpha val="43137"/>
-                    </a:srgbClr>
-                  </a:outerShdw>
-                </a:effectLst>
-                <a:latin typeface="Consolas" pitchFamily="49" charset="0"/>
-                <a:cs typeface="Consolas" pitchFamily="49" charset="0"/>
-              </a:rPr>
-              <a:t>//Expose public member</a:t>
-            </a:r>
-          </a:p>
-          <a:p>
-            <a:pPr eaLnBrk="0" hangingPunct="0">
-              <a:lnSpc>
-                <a:spcPct val="110000"/>
-              </a:lnSpc>
-              <a:spcBef>
-                <a:spcPts val="0"/>
-              </a:spcBef>
-              <a:buClr>
-                <a:schemeClr val="accent5">
-                  <a:lumMod val="40000"/>
-                  <a:lumOff val="60000"/>
-                </a:schemeClr>
-              </a:buClr>
-              <a:buSzPct val="70000"/>
-            </a:pPr>
-            <a:r>
-              <a:rPr lang="en-US" sz="2000" b="1" noProof="1">
-                <a:solidFill>
-                  <a:srgbClr val="8CF4F2"/>
-                </a:solidFill>
-                <a:effectLst>
-                  <a:outerShdw blurRad="38100" dist="38100" dir="2700000" algn="tl">
-                    <a:srgbClr val="000000">
-                      <a:alpha val="43137"/>
-                    </a:srgbClr>
-                  </a:outerShdw>
-                </a:effectLst>
-                <a:latin typeface="Consolas" pitchFamily="49" charset="0"/>
-                <a:cs typeface="Consolas" pitchFamily="49" charset="0"/>
-              </a:rPr>
-              <a:t>}(</a:t>
-            </a:r>
-            <a:r>
-              <a:rPr lang="en-US" sz="2000" b="1" noProof="1">
-                <a:solidFill>
-                  <a:srgbClr val="8CF4F2"/>
-                </a:solidFill>
-                <a:effectLst>
-                  <a:outerShdw blurRad="38100" dist="38100" dir="2700000" algn="tl">
-                    <a:srgbClr val="000000">
-                      <a:alpha val="43137"/>
-                    </a:srgbClr>
-                  </a:outerShdw>
-                </a:effectLst>
-                <a:latin typeface="Consolas" pitchFamily="49" charset="0"/>
-                <a:cs typeface="Consolas" pitchFamily="49" charset="0"/>
-              </a:rPr>
-              <a:t>'eqCtl</a:t>
-            </a:r>
-            <a:r>
-              <a:rPr lang="en-US" sz="2000" b="1" noProof="1" smtClean="0">
-                <a:solidFill>
-                  <a:srgbClr val="8CF4F2"/>
-                </a:solidFill>
-                <a:effectLst>
-                  <a:outerShdw blurRad="38100" dist="38100" dir="2700000" algn="tl">
-                    <a:srgbClr val="000000">
-                      <a:alpha val="43137"/>
-                    </a:srgbClr>
-                  </a:outerShdw>
-                </a:effectLst>
-                <a:latin typeface="Consolas" pitchFamily="49" charset="0"/>
-                <a:cs typeface="Consolas" pitchFamily="49" charset="0"/>
-              </a:rPr>
-              <a:t>');</a:t>
-            </a:r>
           </a:p>
           <a:p>
             <a:pPr eaLnBrk="0" hangingPunct="0">
@@ -10513,24 +9921,7 @@
                 <a:latin typeface="Consolas" pitchFamily="49" charset="0"/>
                 <a:cs typeface="Consolas" pitchFamily="49" charset="0"/>
               </a:rPr>
-              <a:t>calculator.add(2,2</a:t>
-            </a:r>
-            <a:r>
-              <a:rPr lang="en-US" sz="2000" b="1" noProof="1">
-                <a:solidFill>
-                  <a:srgbClr val="8CF4F2"/>
-                </a:solidFill>
-                <a:effectLst>
-                  <a:outerShdw blurRad="38100" dist="38100" dir="2700000" algn="tl">
-                    <a:srgbClr val="000000">
-                      <a:alpha val="43137"/>
-                    </a:srgbClr>
-                  </a:outerShdw>
-                </a:effectLst>
-                <a:latin typeface="Consolas" pitchFamily="49" charset="0"/>
-                <a:cs typeface="Consolas" pitchFamily="49" charset="0"/>
-              </a:rPr>
-              <a:t>);</a:t>
+              <a:t>	return {</a:t>
             </a:r>
             <a:endParaRPr lang="en-US" sz="2000" b="1" noProof="1">
               <a:solidFill>
@@ -10547,6 +9938,173 @@
               <a:cs typeface="Consolas" pitchFamily="49" charset="0"/>
             </a:endParaRPr>
           </a:p>
+          <a:p>
+            <a:pPr eaLnBrk="0" hangingPunct="0">
+              <a:lnSpc>
+                <a:spcPct val="110000"/>
+              </a:lnSpc>
+              <a:spcBef>
+                <a:spcPts val="0"/>
+              </a:spcBef>
+              <a:buClr>
+                <a:schemeClr val="accent5">
+                  <a:lumMod val="40000"/>
+                  <a:lumOff val="60000"/>
+                </a:schemeClr>
+              </a:buClr>
+              <a:buSzPct val="70000"/>
+            </a:pPr>
+            <a:r>
+              <a:rPr lang="en-US" sz="2000" b="1" noProof="1" smtClean="0">
+                <a:solidFill>
+                  <a:srgbClr val="8CF4F2"/>
+                </a:solidFill>
+                <a:effectLst>
+                  <a:outerShdw blurRad="38100" dist="38100" dir="2700000" algn="tl">
+                    <a:srgbClr val="000000">
+                      <a:alpha val="43137"/>
+                    </a:srgbClr>
+                  </a:outerShdw>
+                </a:effectLst>
+                <a:latin typeface="Consolas" pitchFamily="49" charset="0"/>
+                <a:cs typeface="Consolas" pitchFamily="49" charset="0"/>
+              </a:rPr>
+              <a:t>		//</a:t>
+            </a:r>
+            <a:r>
+              <a:rPr lang="en-US" sz="2000" b="1" noProof="1">
+                <a:solidFill>
+                  <a:srgbClr val="8CF4F2"/>
+                </a:solidFill>
+                <a:effectLst>
+                  <a:outerShdw blurRad="38100" dist="38100" dir="2700000" algn="tl">
+                    <a:srgbClr val="000000">
+                      <a:alpha val="43137"/>
+                    </a:srgbClr>
+                  </a:outerShdw>
+                </a:effectLst>
+                <a:latin typeface="Consolas" pitchFamily="49" charset="0"/>
+                <a:cs typeface="Consolas" pitchFamily="49" charset="0"/>
+              </a:rPr>
+              <a:t>public members</a:t>
+            </a:r>
+          </a:p>
+          <a:p>
+            <a:pPr eaLnBrk="0" hangingPunct="0">
+              <a:lnSpc>
+                <a:spcPct val="110000"/>
+              </a:lnSpc>
+              <a:spcBef>
+                <a:spcPts val="0"/>
+              </a:spcBef>
+              <a:buClr>
+                <a:schemeClr val="accent5">
+                  <a:lumMod val="40000"/>
+                  <a:lumOff val="60000"/>
+                </a:schemeClr>
+              </a:buClr>
+              <a:buSzPct val="70000"/>
+            </a:pPr>
+            <a:r>
+              <a:rPr lang="en-US" sz="2000" b="1" noProof="1" smtClean="0">
+                <a:solidFill>
+                  <a:srgbClr val="8CF4F2"/>
+                </a:solidFill>
+                <a:effectLst>
+                  <a:outerShdw blurRad="38100" dist="38100" dir="2700000" algn="tl">
+                    <a:srgbClr val="000000">
+                      <a:alpha val="43137"/>
+                    </a:srgbClr>
+                  </a:outerShdw>
+                </a:effectLst>
+                <a:latin typeface="Consolas" pitchFamily="49" charset="0"/>
+                <a:cs typeface="Consolas" pitchFamily="49" charset="0"/>
+              </a:rPr>
+              <a:t>	};</a:t>
+            </a:r>
+            <a:endParaRPr lang="en-US" sz="2000" b="1" noProof="1">
+              <a:solidFill>
+                <a:srgbClr val="8CF4F2"/>
+              </a:solidFill>
+              <a:effectLst>
+                <a:outerShdw blurRad="38100" dist="38100" dir="2700000" algn="tl">
+                  <a:srgbClr val="000000">
+                    <a:alpha val="43137"/>
+                  </a:srgbClr>
+                </a:outerShdw>
+              </a:effectLst>
+              <a:latin typeface="Consolas" pitchFamily="49" charset="0"/>
+              <a:cs typeface="Consolas" pitchFamily="49" charset="0"/>
+            </a:endParaRPr>
+          </a:p>
+          <a:p>
+            <a:pPr eaLnBrk="0" hangingPunct="0">
+              <a:lnSpc>
+                <a:spcPct val="110000"/>
+              </a:lnSpc>
+              <a:spcBef>
+                <a:spcPts val="0"/>
+              </a:spcBef>
+              <a:buClr>
+                <a:schemeClr val="accent5">
+                  <a:lumMod val="40000"/>
+                  <a:lumOff val="60000"/>
+                </a:schemeClr>
+              </a:buClr>
+              <a:buSzPct val="70000"/>
+            </a:pPr>
+            <a:r>
+              <a:rPr lang="en-US" sz="2000" b="1" noProof="1">
+                <a:solidFill>
+                  <a:srgbClr val="8CF4F2"/>
+                </a:solidFill>
+                <a:effectLst>
+                  <a:outerShdw blurRad="38100" dist="38100" dir="2700000" algn="tl">
+                    <a:srgbClr val="000000">
+                      <a:alpha val="43137"/>
+                    </a:srgbClr>
+                  </a:outerShdw>
+                </a:effectLst>
+                <a:latin typeface="Consolas" pitchFamily="49" charset="0"/>
+                <a:cs typeface="Consolas" pitchFamily="49" charset="0"/>
+              </a:rPr>
+              <a:t>}</a:t>
+            </a:r>
+            <a:r>
+              <a:rPr lang="en-US" sz="2000" b="1" noProof="1">
+                <a:solidFill>
+                  <a:srgbClr val="FFFF00"/>
+                </a:solidFill>
+                <a:effectLst>
+                  <a:outerShdw blurRad="38100" dist="38100" dir="2700000" algn="tl">
+                    <a:srgbClr val="000000">
+                      <a:alpha val="43137"/>
+                    </a:srgbClr>
+                  </a:outerShdw>
+                </a:effectLst>
+                <a:latin typeface="Consolas" pitchFamily="49" charset="0"/>
+                <a:cs typeface="Consolas" pitchFamily="49" charset="0"/>
+              </a:rPr>
+              <a:t>()</a:t>
+            </a:r>
+            <a:r>
+              <a:rPr lang="en-US" sz="2000" b="1" noProof="1">
+                <a:solidFill>
+                  <a:srgbClr val="8CF4F2"/>
+                </a:solidFill>
+                <a:effectLst>
+                  <a:outerShdw blurRad="38100" dist="38100" dir="2700000" algn="tl">
+                    <a:srgbClr val="000000">
+                      <a:alpha val="43137"/>
+                    </a:srgbClr>
+                  </a:outerShdw>
+                </a:effectLst>
+                <a:latin typeface="Consolas" pitchFamily="49" charset="0"/>
+                <a:cs typeface="Consolas" pitchFamily="49" charset="0"/>
+              </a:rPr>
+              <a:t>;</a:t>
+            </a:r>
+          </a:p>
         </p:txBody>
       </p:sp>
       <p:sp>
@@ -10559,7 +10117,7 @@
         </p:nvSpPr>
         <p:spPr>
           <a:xfrm>
-            <a:off x="349624" y="762000"/>
+            <a:off x="349624" y="914400"/>
             <a:ext cx="8686800" cy="609600"/>
           </a:xfrm>
           <a:prstGeom prst="rect">
@@ -10821,7 +10379,7 @@
             </a:pPr>
             <a:r>
               <a:rPr lang="en-US" dirty="0" smtClean="0"/>
-              <a:t>Example:</a:t>
+              <a:t>Structure:</a:t>
             </a:r>
             <a:endParaRPr lang="en-US" b="0" dirty="0" smtClean="0"/>
           </a:p>
@@ -10835,10 +10393,321 @@
           </a:p>
         </p:txBody>
       </p:sp>
+      <p:sp>
+        <p:nvSpPr>
+          <p:cNvPr id="9" name="Rectangle 3"/>
+          <p:cNvSpPr txBox="1">
+            <a:spLocks noChangeArrowheads="1"/>
+          </p:cNvSpPr>
+          <p:nvPr/>
+        </p:nvSpPr>
+        <p:spPr>
+          <a:xfrm>
+            <a:off x="349624" y="4724400"/>
+            <a:ext cx="8686800" cy="1600200"/>
+          </a:xfrm>
+          <a:prstGeom prst="rect">
+            <a:avLst/>
+          </a:prstGeom>
+        </p:spPr>
+        <p:txBody>
+          <a:bodyPr/>
+          <a:lstStyle>
+            <a:lvl1pPr marL="282575" indent="-282575" algn="l" rtl="0" eaLnBrk="0" fontAlgn="base" hangingPunct="0">
+              <a:lnSpc>
+                <a:spcPct val="105000"/>
+              </a:lnSpc>
+              <a:spcBef>
+                <a:spcPts val="600"/>
+              </a:spcBef>
+              <a:spcAft>
+                <a:spcPts val="600"/>
+              </a:spcAft>
+              <a:buClr>
+                <a:schemeClr val="accent5">
+                  <a:lumMod val="40000"/>
+                  <a:lumOff val="60000"/>
+                </a:schemeClr>
+              </a:buClr>
+              <a:buSzPct val="70000"/>
+              <a:buFont typeface="Wingdings 2" pitchFamily="18" charset="2"/>
+              <a:buChar char=""/>
+              <a:tabLst>
+                <a:tab pos="282575" algn="l"/>
+              </a:tabLst>
+              <a:defRPr sz="3200" b="1" kern="1200">
+                <a:solidFill>
+                  <a:srgbClr val="EBFFD2"/>
+                </a:solidFill>
+                <a:effectLst>
+                  <a:outerShdw blurRad="38100" dist="38100" dir="2700000" algn="tl">
+                    <a:srgbClr val="000000">
+                      <a:alpha val="43137"/>
+                    </a:srgbClr>
+                  </a:outerShdw>
+                </a:effectLst>
+                <a:latin typeface="+mn-lt"/>
+                <a:ea typeface="+mn-ea"/>
+                <a:cs typeface="+mn-cs"/>
+              </a:defRPr>
+            </a:lvl1pPr>
+            <a:lvl2pPr marL="630238" indent="-273050" algn="l" rtl="0" eaLnBrk="0" fontAlgn="base" hangingPunct="0">
+              <a:lnSpc>
+                <a:spcPct val="105000"/>
+              </a:lnSpc>
+              <a:spcBef>
+                <a:spcPts val="600"/>
+              </a:spcBef>
+              <a:spcAft>
+                <a:spcPts val="600"/>
+              </a:spcAft>
+              <a:buClr>
+                <a:srgbClr val="8FD600"/>
+              </a:buClr>
+              <a:buFont typeface="Wingdings 2" pitchFamily="18" charset="2"/>
+              <a:buChar char=""/>
+              <a:defRPr sz="3000" b="1" kern="1200">
+                <a:solidFill>
+                  <a:schemeClr val="tx1">
+                    <a:lumMod val="40000"/>
+                    <a:lumOff val="60000"/>
+                  </a:schemeClr>
+                </a:solidFill>
+                <a:effectLst>
+                  <a:outerShdw blurRad="38100" dist="38100" dir="2700000" algn="tl">
+                    <a:srgbClr val="000000">
+                      <a:alpha val="43137"/>
+                    </a:srgbClr>
+                  </a:outerShdw>
+                </a:effectLst>
+                <a:latin typeface="+mn-lt"/>
+                <a:ea typeface="+mn-ea"/>
+                <a:cs typeface="+mn-cs"/>
+              </a:defRPr>
+            </a:lvl2pPr>
+            <a:lvl3pPr marL="922338" indent="-273050" algn="l" rtl="0" eaLnBrk="0" fontAlgn="base" hangingPunct="0">
+              <a:lnSpc>
+                <a:spcPct val="105000"/>
+              </a:lnSpc>
+              <a:spcBef>
+                <a:spcPts val="600"/>
+              </a:spcBef>
+              <a:spcAft>
+                <a:spcPts val="600"/>
+              </a:spcAft>
+              <a:buClr>
+                <a:srgbClr val="FFAD9F"/>
+              </a:buClr>
+              <a:buFont typeface="Wingdings 2" pitchFamily="18" charset="2"/>
+              <a:buChar char=""/>
+              <a:defRPr sz="2800" b="1" kern="1200">
+                <a:solidFill>
+                  <a:srgbClr val="F5FFC2"/>
+                </a:solidFill>
+                <a:effectLst>
+                  <a:outerShdw blurRad="38100" dist="38100" dir="2700000" algn="tl">
+                    <a:srgbClr val="000000">
+                      <a:alpha val="43137"/>
+                    </a:srgbClr>
+                  </a:outerShdw>
+                </a:effectLst>
+                <a:latin typeface="+mn-lt"/>
+                <a:ea typeface="+mn-ea"/>
+                <a:cs typeface="+mn-cs"/>
+              </a:defRPr>
+            </a:lvl3pPr>
+            <a:lvl4pPr marL="1187450" indent="-228600" algn="l" rtl="0" eaLnBrk="0" fontAlgn="base" hangingPunct="0">
+              <a:lnSpc>
+                <a:spcPct val="105000"/>
+              </a:lnSpc>
+              <a:spcBef>
+                <a:spcPts val="600"/>
+              </a:spcBef>
+              <a:spcAft>
+                <a:spcPts val="600"/>
+              </a:spcAft>
+              <a:buClr>
+                <a:srgbClr val="FACF82"/>
+              </a:buClr>
+              <a:buFont typeface="Wingdings 2" pitchFamily="18" charset="2"/>
+              <a:buChar char=""/>
+              <a:defRPr sz="2600" b="1" kern="1200">
+                <a:solidFill>
+                  <a:schemeClr val="tx1">
+                    <a:lumMod val="40000"/>
+                    <a:lumOff val="60000"/>
+                  </a:schemeClr>
+                </a:solidFill>
+                <a:effectLst>
+                  <a:outerShdw blurRad="38100" dist="38100" dir="2700000" algn="tl">
+                    <a:srgbClr val="000000">
+                      <a:alpha val="43137"/>
+                    </a:srgbClr>
+                  </a:outerShdw>
+                </a:effectLst>
+                <a:latin typeface="+mn-lt"/>
+                <a:ea typeface="+mn-ea"/>
+                <a:cs typeface="+mn-cs"/>
+              </a:defRPr>
+            </a:lvl4pPr>
+            <a:lvl5pPr marL="1425575" indent="-228600" algn="l" rtl="0" eaLnBrk="0" fontAlgn="base" hangingPunct="0">
+              <a:lnSpc>
+                <a:spcPct val="105000"/>
+              </a:lnSpc>
+              <a:spcBef>
+                <a:spcPts val="600"/>
+              </a:spcBef>
+              <a:spcAft>
+                <a:spcPts val="600"/>
+              </a:spcAft>
+              <a:buClr>
+                <a:srgbClr val="46A6BD"/>
+              </a:buClr>
+              <a:buFont typeface="Wingdings 2" pitchFamily="18" charset="2"/>
+              <a:buChar char=""/>
+              <a:defRPr sz="2400" b="1" kern="1200">
+                <a:solidFill>
+                  <a:schemeClr val="tx1">
+                    <a:lumMod val="40000"/>
+                    <a:lumOff val="60000"/>
+                  </a:schemeClr>
+                </a:solidFill>
+                <a:effectLst>
+                  <a:outerShdw blurRad="38100" dist="38100" dir="2700000" algn="tl">
+                    <a:srgbClr val="000000">
+                      <a:alpha val="43137"/>
+                    </a:srgbClr>
+                  </a:outerShdw>
+                </a:effectLst>
+                <a:latin typeface="+mn-lt"/>
+                <a:ea typeface="+mn-ea"/>
+                <a:cs typeface="+mn-cs"/>
+              </a:defRPr>
+            </a:lvl5pPr>
+            <a:lvl6pPr marL="1673352" indent="-228600" algn="l" rtl="0" eaLnBrk="1" latinLnBrk="0" hangingPunct="1">
+              <a:spcBef>
+                <a:spcPct val="20000"/>
+              </a:spcBef>
+              <a:buClr>
+                <a:schemeClr val="accent6"/>
+              </a:buClr>
+              <a:buFont typeface="Wingdings 2"/>
+              <a:buChar char=""/>
+              <a:defRPr sz="1800" kern="1200">
+                <a:solidFill>
+                  <a:schemeClr val="tx1"/>
+                </a:solidFill>
+                <a:latin typeface="+mn-lt"/>
+                <a:ea typeface="+mn-ea"/>
+                <a:cs typeface="+mn-cs"/>
+              </a:defRPr>
+            </a:lvl6pPr>
+            <a:lvl7pPr marL="1911096" indent="-228600" algn="l" rtl="0" eaLnBrk="1" latinLnBrk="0" hangingPunct="1">
+              <a:spcBef>
+                <a:spcPct val="20000"/>
+              </a:spcBef>
+              <a:buClr>
+                <a:schemeClr val="tx2"/>
+              </a:buClr>
+              <a:buFont typeface="Wingdings 2"/>
+              <a:buChar char=""/>
+              <a:defRPr sz="1600" kern="1200">
+                <a:solidFill>
+                  <a:schemeClr val="tx1"/>
+                </a:solidFill>
+                <a:latin typeface="+mn-lt"/>
+                <a:ea typeface="+mn-ea"/>
+                <a:cs typeface="+mn-cs"/>
+              </a:defRPr>
+            </a:lvl7pPr>
+            <a:lvl8pPr marL="2121408" indent="-182880" algn="l" rtl="0" eaLnBrk="1" latinLnBrk="0" hangingPunct="1">
+              <a:spcBef>
+                <a:spcPct val="20000"/>
+              </a:spcBef>
+              <a:buClr>
+                <a:schemeClr val="tx2"/>
+              </a:buClr>
+              <a:buFont typeface="Wingdings 2"/>
+              <a:buChar char=""/>
+              <a:defRPr sz="1400" kern="1200">
+                <a:solidFill>
+                  <a:schemeClr val="tx1"/>
+                </a:solidFill>
+                <a:latin typeface="+mn-lt"/>
+                <a:ea typeface="+mn-ea"/>
+                <a:cs typeface="+mn-cs"/>
+              </a:defRPr>
+            </a:lvl8pPr>
+            <a:lvl9pPr marL="2322576" indent="-182880" algn="l" rtl="0" eaLnBrk="1" latinLnBrk="0" hangingPunct="1">
+              <a:spcBef>
+                <a:spcPct val="20000"/>
+              </a:spcBef>
+              <a:buClr>
+                <a:schemeClr val="tx2"/>
+              </a:buClr>
+              <a:buFont typeface="Wingdings 2"/>
+              <a:buChar char=""/>
+              <a:defRPr sz="1400" kern="1200">
+                <a:solidFill>
+                  <a:schemeClr val="tx1"/>
+                </a:solidFill>
+                <a:latin typeface="+mn-lt"/>
+                <a:ea typeface="+mn-ea"/>
+                <a:cs typeface="+mn-cs"/>
+              </a:defRPr>
+            </a:lvl9pPr>
+          </a:lstStyle>
+          <a:p>
+            <a:pPr>
+              <a:lnSpc>
+                <a:spcPct val="100000"/>
+              </a:lnSpc>
+            </a:pPr>
+            <a:r>
+              <a:rPr lang="en-US" dirty="0" smtClean="0"/>
+              <a:t>Usage</a:t>
+            </a:r>
+          </a:p>
+          <a:p>
+            <a:pPr lvl="1">
+              <a:lnSpc>
+                <a:spcPct val="100000"/>
+              </a:lnSpc>
+            </a:pPr>
+            <a:r>
+              <a:rPr lang="en-US" dirty="0" smtClean="0"/>
+              <a:t>Without the </a:t>
+            </a:r>
+            <a:r>
+              <a:rPr lang="en-US" dirty="0" smtClean="0">
+                <a:solidFill>
+                  <a:schemeClr val="accent6">
+                    <a:lumMod val="20000"/>
+                    <a:lumOff val="80000"/>
+                  </a:schemeClr>
+                </a:solidFill>
+              </a:rPr>
+              <a:t>new</a:t>
+            </a:r>
+            <a:r>
+              <a:rPr lang="en-US" dirty="0" smtClean="0"/>
+              <a:t> keyword</a:t>
+            </a:r>
+          </a:p>
+          <a:p>
+            <a:pPr lvl="1">
+              <a:lnSpc>
+                <a:spcPct val="100000"/>
+              </a:lnSpc>
+            </a:pPr>
+            <a:endParaRPr lang="bg-BG" dirty="0"/>
+          </a:p>
+        </p:txBody>
+      </p:sp>
     </p:spTree>
     <p:extLst>
       <p:ext uri="{BB962C8B-B14F-4D97-AF65-F5344CB8AC3E}">
-        <p14:creationId xmlns:p14="http://schemas.microsoft.com/office/powerpoint/2010/main" val="3219854324"/>
+        <p14:creationId xmlns:p14="http://schemas.microsoft.com/office/powerpoint/2010/main" val="708568229"/>
       </p:ext>
     </p:extLst>
   </p:cSld>
@@ -10883,14 +10752,19 @@
             <p:ph type="title"/>
           </p:nvPr>
         </p:nvSpPr>
-        <p:spPr/>
+        <p:spPr>
+          <a:xfrm>
+            <a:off x="1828800" y="76200"/>
+            <a:ext cx="7086600" cy="838200"/>
+          </a:xfrm>
+        </p:spPr>
         <p:txBody>
           <a:bodyPr/>
           <a:lstStyle/>
           <a:p>
             <a:r>
               <a:rPr lang="en-US" sz="3600" dirty="0" smtClean="0"/>
-              <a:t>Summary</a:t>
+              <a:t>Example</a:t>
             </a:r>
             <a:endParaRPr lang="bg-BG" sz="3600" dirty="0"/>
           </a:p>
@@ -10910,80 +10784,6 @@
         <p:txBody>
           <a:bodyPr/>
           <a:lstStyle/>
-          <a:p>
-            <a:r>
-              <a:rPr lang="en-US" dirty="0" smtClean="0"/>
-              <a:t>Module </a:t>
-            </a:r>
-            <a:r>
-              <a:rPr lang="en-US" dirty="0"/>
-              <a:t>pattern provides </a:t>
-            </a:r>
-            <a:r>
-              <a:rPr lang="en-US" dirty="0">
-                <a:solidFill>
-                  <a:schemeClr val="accent6">
-                    <a:lumMod val="20000"/>
-                    <a:lumOff val="80000"/>
-                  </a:schemeClr>
-                </a:solidFill>
-              </a:rPr>
-              <a:t>encapsulation</a:t>
-            </a:r>
-            <a:r>
-              <a:rPr lang="en-US" dirty="0"/>
-              <a:t> of variables and functions </a:t>
-            </a:r>
-            <a:endParaRPr lang="en-US" b="0" dirty="0"/>
-          </a:p>
-          <a:p>
-            <a:r>
-              <a:rPr lang="en-US" dirty="0" smtClean="0"/>
-              <a:t>Provides </a:t>
-            </a:r>
-            <a:r>
-              <a:rPr lang="en-US" dirty="0"/>
-              <a:t>a way to add </a:t>
-            </a:r>
-            <a:r>
-              <a:rPr lang="en-US" dirty="0">
-                <a:solidFill>
-                  <a:schemeClr val="accent6">
-                    <a:lumMod val="20000"/>
-                    <a:lumOff val="80000"/>
-                  </a:schemeClr>
-                </a:solidFill>
-              </a:rPr>
-              <a:t>visibility</a:t>
-            </a:r>
-            <a:r>
-              <a:rPr lang="en-US" dirty="0"/>
-              <a:t> (public versus private) to members </a:t>
-            </a:r>
-            <a:endParaRPr lang="en-US" b="0" dirty="0"/>
-          </a:p>
-          <a:p>
-            <a:r>
-              <a:rPr lang="en-US" dirty="0" smtClean="0"/>
-              <a:t>Each </a:t>
-            </a:r>
-            <a:r>
-              <a:rPr lang="en-US" dirty="0"/>
-              <a:t>object instance creates new copies of functions in memory </a:t>
-            </a:r>
-            <a:endParaRPr lang="en-US" b="0" dirty="0"/>
-          </a:p>
-          <a:p>
-            <a:r>
-              <a:rPr lang="en-US" dirty="0" smtClean="0"/>
-              <a:t>Extending </a:t>
-            </a:r>
-            <a:r>
-              <a:rPr lang="en-US" dirty="0"/>
-              <a:t>objects can be difficult since no prototyping is used</a:t>
-            </a:r>
-            <a:endParaRPr lang="en-US" b="0" dirty="0"/>
-          </a:p>
           <a:p>
             <a:endParaRPr lang="en-US" b="0" dirty="0"/>
           </a:p>
@@ -11031,10 +10831,1085 @@
           </a:p>
         </p:txBody>
       </p:sp>
+      <p:sp>
+        <p:nvSpPr>
+          <p:cNvPr id="5" name="Rectangle 4"/>
+          <p:cNvSpPr>
+            <a:spLocks noChangeArrowheads="1"/>
+          </p:cNvSpPr>
+          <p:nvPr/>
+        </p:nvSpPr>
+        <p:spPr bwMode="auto">
+          <a:xfrm>
+            <a:off x="555812" y="1371600"/>
+            <a:ext cx="7777163" cy="4493538"/>
+          </a:xfrm>
+          <a:prstGeom prst="rect">
+            <a:avLst/>
+          </a:prstGeom>
+          <a:solidFill>
+            <a:schemeClr val="accent5">
+              <a:lumMod val="40000"/>
+              <a:lumOff val="60000"/>
+              <a:alpha val="15000"/>
+            </a:schemeClr>
+          </a:solidFill>
+          <a:ln w="12700">
+            <a:solidFill>
+              <a:schemeClr val="accent5">
+                <a:lumMod val="60000"/>
+                <a:lumOff val="40000"/>
+              </a:schemeClr>
+            </a:solidFill>
+          </a:ln>
+        </p:spPr>
+        <p:txBody>
+          <a:bodyPr wrap="square">
+            <a:spAutoFit/>
+          </a:bodyPr>
+          <a:lstStyle/>
+          <a:p>
+            <a:pPr eaLnBrk="0" hangingPunct="0">
+              <a:lnSpc>
+                <a:spcPct val="110000"/>
+              </a:lnSpc>
+              <a:spcBef>
+                <a:spcPts val="0"/>
+              </a:spcBef>
+              <a:buClr>
+                <a:schemeClr val="accent5">
+                  <a:lumMod val="40000"/>
+                  <a:lumOff val="60000"/>
+                </a:schemeClr>
+              </a:buClr>
+              <a:buSzPct val="70000"/>
+            </a:pPr>
+            <a:r>
+              <a:rPr lang="en-US" sz="2000" b="1" noProof="1">
+                <a:solidFill>
+                  <a:srgbClr val="8CF4F2"/>
+                </a:solidFill>
+                <a:effectLst>
+                  <a:outerShdw blurRad="38100" dist="38100" dir="2700000" algn="tl">
+                    <a:srgbClr val="000000">
+                      <a:alpha val="43137"/>
+                    </a:srgbClr>
+                  </a:outerShdw>
+                </a:effectLst>
+                <a:latin typeface="Consolas" pitchFamily="49" charset="0"/>
+                <a:cs typeface="Consolas" pitchFamily="49" charset="0"/>
+              </a:rPr>
+              <a:t>var calculator = function(eq) {</a:t>
+            </a:r>
+          </a:p>
+          <a:p>
+            <a:pPr eaLnBrk="0" hangingPunct="0">
+              <a:lnSpc>
+                <a:spcPct val="110000"/>
+              </a:lnSpc>
+              <a:spcBef>
+                <a:spcPts val="0"/>
+              </a:spcBef>
+              <a:buClr>
+                <a:schemeClr val="accent5">
+                  <a:lumMod val="40000"/>
+                  <a:lumOff val="60000"/>
+                </a:schemeClr>
+              </a:buClr>
+              <a:buSzPct val="70000"/>
+            </a:pPr>
+            <a:r>
+              <a:rPr lang="en-US" sz="2000" b="1" noProof="1" smtClean="0">
+                <a:solidFill>
+                  <a:srgbClr val="8CF4F2"/>
+                </a:solidFill>
+                <a:effectLst>
+                  <a:outerShdw blurRad="38100" dist="38100" dir="2700000" algn="tl">
+                    <a:srgbClr val="000000">
+                      <a:alpha val="43137"/>
+                    </a:srgbClr>
+                  </a:outerShdw>
+                </a:effectLst>
+                <a:latin typeface="Consolas" pitchFamily="49" charset="0"/>
+                <a:cs typeface="Consolas" pitchFamily="49" charset="0"/>
+              </a:rPr>
+              <a:t>	var </a:t>
+            </a:r>
+            <a:r>
+              <a:rPr lang="en-US" sz="2000" b="1" noProof="1">
+                <a:solidFill>
+                  <a:srgbClr val="8CF4F2"/>
+                </a:solidFill>
+                <a:effectLst>
+                  <a:outerShdw blurRad="38100" dist="38100" dir="2700000" algn="tl">
+                    <a:srgbClr val="000000">
+                      <a:alpha val="43137"/>
+                    </a:srgbClr>
+                  </a:outerShdw>
+                </a:effectLst>
+                <a:latin typeface="Consolas" pitchFamily="49" charset="0"/>
+                <a:cs typeface="Consolas" pitchFamily="49" charset="0"/>
+              </a:rPr>
+              <a:t>eqCtl = document.getElementById(eq</a:t>
+            </a:r>
+            <a:r>
+              <a:rPr lang="en-US" sz="2000" b="1" noProof="1" smtClean="0">
+                <a:solidFill>
+                  <a:srgbClr val="8CF4F2"/>
+                </a:solidFill>
+                <a:effectLst>
+                  <a:outerShdw blurRad="38100" dist="38100" dir="2700000" algn="tl">
+                    <a:srgbClr val="000000">
+                      <a:alpha val="43137"/>
+                    </a:srgbClr>
+                  </a:outerShdw>
+                </a:effectLst>
+                <a:latin typeface="Consolas" pitchFamily="49" charset="0"/>
+                <a:cs typeface="Consolas" pitchFamily="49" charset="0"/>
+              </a:rPr>
+              <a:t>),</a:t>
+            </a:r>
+          </a:p>
+          <a:p>
+            <a:pPr eaLnBrk="0" hangingPunct="0">
+              <a:lnSpc>
+                <a:spcPct val="110000"/>
+              </a:lnSpc>
+              <a:spcBef>
+                <a:spcPts val="0"/>
+              </a:spcBef>
+              <a:buClr>
+                <a:schemeClr val="accent5">
+                  <a:lumMod val="40000"/>
+                  <a:lumOff val="60000"/>
+                </a:schemeClr>
+              </a:buClr>
+              <a:buSzPct val="70000"/>
+            </a:pPr>
+            <a:r>
+              <a:rPr lang="en-US" sz="2000" b="1" noProof="1">
+                <a:solidFill>
+                  <a:srgbClr val="8CF4F2"/>
+                </a:solidFill>
+                <a:effectLst>
+                  <a:outerShdw blurRad="38100" dist="38100" dir="2700000" algn="tl">
+                    <a:srgbClr val="000000">
+                      <a:alpha val="43137"/>
+                    </a:srgbClr>
+                  </a:outerShdw>
+                </a:effectLst>
+                <a:latin typeface="Consolas" pitchFamily="49" charset="0"/>
+                <a:cs typeface="Consolas" pitchFamily="49" charset="0"/>
+              </a:rPr>
+              <a:t> </a:t>
+            </a:r>
+            <a:r>
+              <a:rPr lang="en-US" sz="2000" b="1" noProof="1" smtClean="0">
+                <a:solidFill>
+                  <a:srgbClr val="8CF4F2"/>
+                </a:solidFill>
+                <a:effectLst>
+                  <a:outerShdw blurRad="38100" dist="38100" dir="2700000" algn="tl">
+                    <a:srgbClr val="000000">
+                      <a:alpha val="43137"/>
+                    </a:srgbClr>
+                  </a:outerShdw>
+                </a:effectLst>
+                <a:latin typeface="Consolas" pitchFamily="49" charset="0"/>
+                <a:cs typeface="Consolas" pitchFamily="49" charset="0"/>
+              </a:rPr>
+              <a:t>          doAdd </a:t>
+            </a:r>
+            <a:r>
+              <a:rPr lang="en-US" sz="2000" b="1" noProof="1">
+                <a:solidFill>
+                  <a:srgbClr val="8CF4F2"/>
+                </a:solidFill>
+                <a:effectLst>
+                  <a:outerShdw blurRad="38100" dist="38100" dir="2700000" algn="tl">
+                    <a:srgbClr val="000000">
+                      <a:alpha val="43137"/>
+                    </a:srgbClr>
+                  </a:outerShdw>
+                </a:effectLst>
+                <a:latin typeface="Consolas" pitchFamily="49" charset="0"/>
+                <a:cs typeface="Consolas" pitchFamily="49" charset="0"/>
+              </a:rPr>
+              <a:t>= function(x,y) { </a:t>
+            </a:r>
+            <a:endParaRPr lang="en-US" sz="2000" b="1" noProof="1" smtClean="0">
+              <a:solidFill>
+                <a:srgbClr val="8CF4F2"/>
+              </a:solidFill>
+              <a:effectLst>
+                <a:outerShdw blurRad="38100" dist="38100" dir="2700000" algn="tl">
+                  <a:srgbClr val="000000">
+                    <a:alpha val="43137"/>
+                  </a:srgbClr>
+                </a:outerShdw>
+              </a:effectLst>
+              <a:latin typeface="Consolas" pitchFamily="49" charset="0"/>
+              <a:cs typeface="Consolas" pitchFamily="49" charset="0"/>
+            </a:endParaRPr>
+          </a:p>
+          <a:p>
+            <a:pPr eaLnBrk="0" hangingPunct="0">
+              <a:lnSpc>
+                <a:spcPct val="110000"/>
+              </a:lnSpc>
+              <a:spcBef>
+                <a:spcPts val="0"/>
+              </a:spcBef>
+              <a:buClr>
+                <a:schemeClr val="accent5">
+                  <a:lumMod val="40000"/>
+                  <a:lumOff val="60000"/>
+                </a:schemeClr>
+              </a:buClr>
+              <a:buSzPct val="70000"/>
+            </a:pPr>
+            <a:r>
+              <a:rPr lang="en-US" sz="2000" b="1" noProof="1">
+                <a:solidFill>
+                  <a:srgbClr val="8CF4F2"/>
+                </a:solidFill>
+                <a:effectLst>
+                  <a:outerShdw blurRad="38100" dist="38100" dir="2700000" algn="tl">
+                    <a:srgbClr val="000000">
+                      <a:alpha val="43137"/>
+                    </a:srgbClr>
+                  </a:outerShdw>
+                </a:effectLst>
+                <a:latin typeface="Consolas" pitchFamily="49" charset="0"/>
+                <a:cs typeface="Consolas" pitchFamily="49" charset="0"/>
+              </a:rPr>
+              <a:t>	</a:t>
+            </a:r>
+            <a:r>
+              <a:rPr lang="en-US" sz="2000" b="1" noProof="1" smtClean="0">
+                <a:solidFill>
+                  <a:srgbClr val="8CF4F2"/>
+                </a:solidFill>
+                <a:effectLst>
+                  <a:outerShdw blurRad="38100" dist="38100" dir="2700000" algn="tl">
+                    <a:srgbClr val="000000">
+                      <a:alpha val="43137"/>
+                    </a:srgbClr>
+                  </a:outerShdw>
+                </a:effectLst>
+                <a:latin typeface="Consolas" pitchFamily="49" charset="0"/>
+                <a:cs typeface="Consolas" pitchFamily="49" charset="0"/>
+              </a:rPr>
+              <a:t>		var </a:t>
+            </a:r>
+            <a:r>
+              <a:rPr lang="en-US" sz="2000" b="1" noProof="1">
+                <a:solidFill>
+                  <a:srgbClr val="8CF4F2"/>
+                </a:solidFill>
+                <a:effectLst>
+                  <a:outerShdw blurRad="38100" dist="38100" dir="2700000" algn="tl">
+                    <a:srgbClr val="000000">
+                      <a:alpha val="43137"/>
+                    </a:srgbClr>
+                  </a:outerShdw>
+                </a:effectLst>
+                <a:latin typeface="Consolas" pitchFamily="49" charset="0"/>
+                <a:cs typeface="Consolas" pitchFamily="49" charset="0"/>
+              </a:rPr>
+              <a:t>val = x + y;</a:t>
+            </a:r>
+          </a:p>
+          <a:p>
+            <a:pPr eaLnBrk="0" hangingPunct="0">
+              <a:lnSpc>
+                <a:spcPct val="110000"/>
+              </a:lnSpc>
+              <a:spcBef>
+                <a:spcPts val="0"/>
+              </a:spcBef>
+              <a:buClr>
+                <a:schemeClr val="accent5">
+                  <a:lumMod val="40000"/>
+                  <a:lumOff val="60000"/>
+                </a:schemeClr>
+              </a:buClr>
+              <a:buSzPct val="70000"/>
+            </a:pPr>
+            <a:r>
+              <a:rPr lang="en-US" sz="2000" b="1" noProof="1" smtClean="0">
+                <a:solidFill>
+                  <a:srgbClr val="8CF4F2"/>
+                </a:solidFill>
+                <a:effectLst>
+                  <a:outerShdw blurRad="38100" dist="38100" dir="2700000" algn="tl">
+                    <a:srgbClr val="000000">
+                      <a:alpha val="43137"/>
+                    </a:srgbClr>
+                  </a:outerShdw>
+                </a:effectLst>
+                <a:latin typeface="Consolas" pitchFamily="49" charset="0"/>
+                <a:cs typeface="Consolas" pitchFamily="49" charset="0"/>
+              </a:rPr>
+              <a:t>			eqCtl.innerHTML </a:t>
+            </a:r>
+            <a:r>
+              <a:rPr lang="en-US" sz="2000" b="1" noProof="1">
+                <a:solidFill>
+                  <a:srgbClr val="8CF4F2"/>
+                </a:solidFill>
+                <a:effectLst>
+                  <a:outerShdw blurRad="38100" dist="38100" dir="2700000" algn="tl">
+                    <a:srgbClr val="000000">
+                      <a:alpha val="43137"/>
+                    </a:srgbClr>
+                  </a:outerShdw>
+                </a:effectLst>
+                <a:latin typeface="Consolas" pitchFamily="49" charset="0"/>
+                <a:cs typeface="Consolas" pitchFamily="49" charset="0"/>
+              </a:rPr>
+              <a:t>= val</a:t>
+            </a:r>
+            <a:r>
+              <a:rPr lang="en-US" sz="2000" b="1" noProof="1" smtClean="0">
+                <a:solidFill>
+                  <a:srgbClr val="8CF4F2"/>
+                </a:solidFill>
+                <a:effectLst>
+                  <a:outerShdw blurRad="38100" dist="38100" dir="2700000" algn="tl">
+                    <a:srgbClr val="000000">
+                      <a:alpha val="43137"/>
+                    </a:srgbClr>
+                  </a:outerShdw>
+                </a:effectLst>
+                <a:latin typeface="Consolas" pitchFamily="49" charset="0"/>
+                <a:cs typeface="Consolas" pitchFamily="49" charset="0"/>
+              </a:rPr>
+              <a:t>;</a:t>
+            </a:r>
+          </a:p>
+          <a:p>
+            <a:pPr eaLnBrk="0" hangingPunct="0">
+              <a:lnSpc>
+                <a:spcPct val="110000"/>
+              </a:lnSpc>
+              <a:spcBef>
+                <a:spcPts val="0"/>
+              </a:spcBef>
+              <a:buClr>
+                <a:schemeClr val="accent5">
+                  <a:lumMod val="40000"/>
+                  <a:lumOff val="60000"/>
+                </a:schemeClr>
+              </a:buClr>
+              <a:buSzPct val="70000"/>
+            </a:pPr>
+            <a:r>
+              <a:rPr lang="en-US" sz="2000" b="1" noProof="1">
+                <a:solidFill>
+                  <a:srgbClr val="8CF4F2"/>
+                </a:solidFill>
+                <a:effectLst>
+                  <a:outerShdw blurRad="38100" dist="38100" dir="2700000" algn="tl">
+                    <a:srgbClr val="000000">
+                      <a:alpha val="43137"/>
+                    </a:srgbClr>
+                  </a:outerShdw>
+                </a:effectLst>
+                <a:latin typeface="Consolas" pitchFamily="49" charset="0"/>
+                <a:cs typeface="Consolas" pitchFamily="49" charset="0"/>
+              </a:rPr>
+              <a:t>	</a:t>
+            </a:r>
+            <a:r>
+              <a:rPr lang="en-US" sz="2000" b="1" noProof="1" smtClean="0">
+                <a:solidFill>
+                  <a:srgbClr val="8CF4F2"/>
+                </a:solidFill>
+                <a:effectLst>
+                  <a:outerShdw blurRad="38100" dist="38100" dir="2700000" algn="tl">
+                    <a:srgbClr val="000000">
+                      <a:alpha val="43137"/>
+                    </a:srgbClr>
+                  </a:outerShdw>
+                </a:effectLst>
+                <a:latin typeface="Consolas" pitchFamily="49" charset="0"/>
+                <a:cs typeface="Consolas" pitchFamily="49" charset="0"/>
+              </a:rPr>
+              <a:t>		};</a:t>
+            </a:r>
+          </a:p>
+          <a:p>
+            <a:pPr eaLnBrk="0" hangingPunct="0">
+              <a:lnSpc>
+                <a:spcPct val="110000"/>
+              </a:lnSpc>
+              <a:spcBef>
+                <a:spcPts val="0"/>
+              </a:spcBef>
+              <a:buClr>
+                <a:schemeClr val="accent5">
+                  <a:lumMod val="40000"/>
+                  <a:lumOff val="60000"/>
+                </a:schemeClr>
+              </a:buClr>
+              <a:buSzPct val="70000"/>
+            </a:pPr>
+            <a:endParaRPr lang="en-US" sz="2000" b="1" noProof="1">
+              <a:solidFill>
+                <a:srgbClr val="8CF4F2"/>
+              </a:solidFill>
+              <a:effectLst>
+                <a:outerShdw blurRad="38100" dist="38100" dir="2700000" algn="tl">
+                  <a:srgbClr val="000000">
+                    <a:alpha val="43137"/>
+                  </a:srgbClr>
+                </a:outerShdw>
+              </a:effectLst>
+              <a:latin typeface="Consolas" pitchFamily="49" charset="0"/>
+              <a:cs typeface="Consolas" pitchFamily="49" charset="0"/>
+            </a:endParaRPr>
+          </a:p>
+          <a:p>
+            <a:pPr eaLnBrk="0" hangingPunct="0">
+              <a:lnSpc>
+                <a:spcPct val="110000"/>
+              </a:lnSpc>
+              <a:spcBef>
+                <a:spcPts val="0"/>
+              </a:spcBef>
+              <a:buClr>
+                <a:schemeClr val="accent5">
+                  <a:lumMod val="40000"/>
+                  <a:lumOff val="60000"/>
+                </a:schemeClr>
+              </a:buClr>
+              <a:buSzPct val="70000"/>
+            </a:pPr>
+            <a:r>
+              <a:rPr lang="en-US" sz="2000" b="1" noProof="1" smtClean="0">
+                <a:solidFill>
+                  <a:srgbClr val="8CF4F2"/>
+                </a:solidFill>
+                <a:effectLst>
+                  <a:outerShdw blurRad="38100" dist="38100" dir="2700000" algn="tl">
+                    <a:srgbClr val="000000">
+                      <a:alpha val="43137"/>
+                    </a:srgbClr>
+                  </a:outerShdw>
+                </a:effectLst>
+                <a:latin typeface="Consolas" pitchFamily="49" charset="0"/>
+                <a:cs typeface="Consolas" pitchFamily="49" charset="0"/>
+              </a:rPr>
+              <a:t>	return </a:t>
+            </a:r>
+            <a:r>
+              <a:rPr lang="en-US" sz="2000" b="1" noProof="1">
+                <a:solidFill>
+                  <a:srgbClr val="8CF4F2"/>
+                </a:solidFill>
+                <a:effectLst>
+                  <a:outerShdw blurRad="38100" dist="38100" dir="2700000" algn="tl">
+                    <a:srgbClr val="000000">
+                      <a:alpha val="43137"/>
+                    </a:srgbClr>
+                  </a:outerShdw>
+                </a:effectLst>
+                <a:latin typeface="Consolas" pitchFamily="49" charset="0"/>
+                <a:cs typeface="Consolas" pitchFamily="49" charset="0"/>
+              </a:rPr>
+              <a:t>{ </a:t>
+            </a:r>
+            <a:endParaRPr lang="en-US" sz="2000" b="1" noProof="1" smtClean="0">
+              <a:solidFill>
+                <a:srgbClr val="8CF4F2"/>
+              </a:solidFill>
+              <a:effectLst>
+                <a:outerShdw blurRad="38100" dist="38100" dir="2700000" algn="tl">
+                  <a:srgbClr val="000000">
+                    <a:alpha val="43137"/>
+                  </a:srgbClr>
+                </a:outerShdw>
+              </a:effectLst>
+              <a:latin typeface="Consolas" pitchFamily="49" charset="0"/>
+              <a:cs typeface="Consolas" pitchFamily="49" charset="0"/>
+            </a:endParaRPr>
+          </a:p>
+          <a:p>
+            <a:pPr eaLnBrk="0" hangingPunct="0">
+              <a:lnSpc>
+                <a:spcPct val="110000"/>
+              </a:lnSpc>
+              <a:spcBef>
+                <a:spcPts val="0"/>
+              </a:spcBef>
+              <a:buClr>
+                <a:schemeClr val="accent5">
+                  <a:lumMod val="40000"/>
+                  <a:lumOff val="60000"/>
+                </a:schemeClr>
+              </a:buClr>
+              <a:buSzPct val="70000"/>
+            </a:pPr>
+            <a:r>
+              <a:rPr lang="en-US" sz="2000" b="1" noProof="1">
+                <a:solidFill>
+                  <a:srgbClr val="8CF4F2"/>
+                </a:solidFill>
+                <a:effectLst>
+                  <a:outerShdw blurRad="38100" dist="38100" dir="2700000" algn="tl">
+                    <a:srgbClr val="000000">
+                      <a:alpha val="43137"/>
+                    </a:srgbClr>
+                  </a:outerShdw>
+                </a:effectLst>
+                <a:latin typeface="Consolas" pitchFamily="49" charset="0"/>
+                <a:cs typeface="Consolas" pitchFamily="49" charset="0"/>
+              </a:rPr>
+              <a:t>	</a:t>
+            </a:r>
+            <a:r>
+              <a:rPr lang="en-US" sz="2000" b="1" noProof="1" smtClean="0">
+                <a:solidFill>
+                  <a:srgbClr val="8CF4F2"/>
+                </a:solidFill>
+                <a:effectLst>
+                  <a:outerShdw blurRad="38100" dist="38100" dir="2700000" algn="tl">
+                    <a:srgbClr val="000000">
+                      <a:alpha val="43137"/>
+                    </a:srgbClr>
+                  </a:outerShdw>
+                </a:effectLst>
+                <a:latin typeface="Consolas" pitchFamily="49" charset="0"/>
+                <a:cs typeface="Consolas" pitchFamily="49" charset="0"/>
+              </a:rPr>
+              <a:t>	add</a:t>
+            </a:r>
+            <a:r>
+              <a:rPr lang="en-US" sz="2000" b="1" noProof="1">
+                <a:solidFill>
+                  <a:srgbClr val="8CF4F2"/>
+                </a:solidFill>
+                <a:effectLst>
+                  <a:outerShdw blurRad="38100" dist="38100" dir="2700000" algn="tl">
+                    <a:srgbClr val="000000">
+                      <a:alpha val="43137"/>
+                    </a:srgbClr>
+                  </a:outerShdw>
+                </a:effectLst>
+                <a:latin typeface="Consolas" pitchFamily="49" charset="0"/>
+                <a:cs typeface="Consolas" pitchFamily="49" charset="0"/>
+              </a:rPr>
+              <a:t>: doAdd </a:t>
+            </a:r>
+            <a:endParaRPr lang="en-US" sz="2000" b="1" noProof="1" smtClean="0">
+              <a:solidFill>
+                <a:srgbClr val="8CF4F2"/>
+              </a:solidFill>
+              <a:effectLst>
+                <a:outerShdw blurRad="38100" dist="38100" dir="2700000" algn="tl">
+                  <a:srgbClr val="000000">
+                    <a:alpha val="43137"/>
+                  </a:srgbClr>
+                </a:outerShdw>
+              </a:effectLst>
+              <a:latin typeface="Consolas" pitchFamily="49" charset="0"/>
+              <a:cs typeface="Consolas" pitchFamily="49" charset="0"/>
+            </a:endParaRPr>
+          </a:p>
+          <a:p>
+            <a:pPr eaLnBrk="0" hangingPunct="0">
+              <a:lnSpc>
+                <a:spcPct val="110000"/>
+              </a:lnSpc>
+              <a:spcBef>
+                <a:spcPts val="0"/>
+              </a:spcBef>
+              <a:buClr>
+                <a:schemeClr val="accent5">
+                  <a:lumMod val="40000"/>
+                  <a:lumOff val="60000"/>
+                </a:schemeClr>
+              </a:buClr>
+              <a:buSzPct val="70000"/>
+            </a:pPr>
+            <a:r>
+              <a:rPr lang="en-US" sz="2000" b="1" noProof="1">
+                <a:solidFill>
+                  <a:srgbClr val="8CF4F2"/>
+                </a:solidFill>
+                <a:effectLst>
+                  <a:outerShdw blurRad="38100" dist="38100" dir="2700000" algn="tl">
+                    <a:srgbClr val="000000">
+                      <a:alpha val="43137"/>
+                    </a:srgbClr>
+                  </a:outerShdw>
+                </a:effectLst>
+                <a:latin typeface="Consolas" pitchFamily="49" charset="0"/>
+                <a:cs typeface="Consolas" pitchFamily="49" charset="0"/>
+              </a:rPr>
+              <a:t>	</a:t>
+            </a:r>
+            <a:r>
+              <a:rPr lang="en-US" sz="2000" b="1" noProof="1" smtClean="0">
+                <a:solidFill>
+                  <a:srgbClr val="8CF4F2"/>
+                </a:solidFill>
+                <a:effectLst>
+                  <a:outerShdw blurRad="38100" dist="38100" dir="2700000" algn="tl">
+                    <a:srgbClr val="000000">
+                      <a:alpha val="43137"/>
+                    </a:srgbClr>
+                  </a:outerShdw>
+                </a:effectLst>
+                <a:latin typeface="Consolas" pitchFamily="49" charset="0"/>
+                <a:cs typeface="Consolas" pitchFamily="49" charset="0"/>
+              </a:rPr>
+              <a:t>}; </a:t>
+            </a:r>
+            <a:r>
+              <a:rPr lang="en-US" sz="2000" b="1" noProof="1">
+                <a:solidFill>
+                  <a:srgbClr val="8CF4F2"/>
+                </a:solidFill>
+                <a:effectLst>
+                  <a:outerShdw blurRad="38100" dist="38100" dir="2700000" algn="tl">
+                    <a:srgbClr val="000000">
+                      <a:alpha val="43137"/>
+                    </a:srgbClr>
+                  </a:outerShdw>
+                </a:effectLst>
+                <a:latin typeface="Consolas" pitchFamily="49" charset="0"/>
+                <a:cs typeface="Consolas" pitchFamily="49" charset="0"/>
+              </a:rPr>
+              <a:t>//Expose public member</a:t>
+            </a:r>
+          </a:p>
+          <a:p>
+            <a:pPr eaLnBrk="0" hangingPunct="0">
+              <a:lnSpc>
+                <a:spcPct val="110000"/>
+              </a:lnSpc>
+              <a:spcBef>
+                <a:spcPts val="0"/>
+              </a:spcBef>
+              <a:buClr>
+                <a:schemeClr val="accent5">
+                  <a:lumMod val="40000"/>
+                  <a:lumOff val="60000"/>
+                </a:schemeClr>
+              </a:buClr>
+              <a:buSzPct val="70000"/>
+            </a:pPr>
+            <a:r>
+              <a:rPr lang="en-US" sz="2000" b="1" noProof="1">
+                <a:solidFill>
+                  <a:srgbClr val="8CF4F2"/>
+                </a:solidFill>
+                <a:effectLst>
+                  <a:outerShdw blurRad="38100" dist="38100" dir="2700000" algn="tl">
+                    <a:srgbClr val="000000">
+                      <a:alpha val="43137"/>
+                    </a:srgbClr>
+                  </a:outerShdw>
+                </a:effectLst>
+                <a:latin typeface="Consolas" pitchFamily="49" charset="0"/>
+                <a:cs typeface="Consolas" pitchFamily="49" charset="0"/>
+              </a:rPr>
+              <a:t>}('eqCtl</a:t>
+            </a:r>
+            <a:r>
+              <a:rPr lang="en-US" sz="2000" b="1" noProof="1" smtClean="0">
+                <a:solidFill>
+                  <a:srgbClr val="8CF4F2"/>
+                </a:solidFill>
+                <a:effectLst>
+                  <a:outerShdw blurRad="38100" dist="38100" dir="2700000" algn="tl">
+                    <a:srgbClr val="000000">
+                      <a:alpha val="43137"/>
+                    </a:srgbClr>
+                  </a:outerShdw>
+                </a:effectLst>
+                <a:latin typeface="Consolas" pitchFamily="49" charset="0"/>
+                <a:cs typeface="Consolas" pitchFamily="49" charset="0"/>
+              </a:rPr>
+              <a:t>');</a:t>
+            </a:r>
+          </a:p>
+          <a:p>
+            <a:pPr eaLnBrk="0" hangingPunct="0">
+              <a:lnSpc>
+                <a:spcPct val="110000"/>
+              </a:lnSpc>
+              <a:spcBef>
+                <a:spcPts val="0"/>
+              </a:spcBef>
+              <a:buClr>
+                <a:schemeClr val="accent5">
+                  <a:lumMod val="40000"/>
+                  <a:lumOff val="60000"/>
+                </a:schemeClr>
+              </a:buClr>
+              <a:buSzPct val="70000"/>
+            </a:pPr>
+            <a:endParaRPr lang="en-US" sz="2000" b="1" noProof="1" smtClean="0">
+              <a:solidFill>
+                <a:srgbClr val="8CF4F2"/>
+              </a:solidFill>
+              <a:effectLst>
+                <a:outerShdw blurRad="38100" dist="38100" dir="2700000" algn="tl">
+                  <a:srgbClr val="000000">
+                    <a:alpha val="43137"/>
+                  </a:srgbClr>
+                </a:outerShdw>
+              </a:effectLst>
+              <a:latin typeface="Consolas" pitchFamily="49" charset="0"/>
+              <a:cs typeface="Consolas" pitchFamily="49" charset="0"/>
+            </a:endParaRPr>
+          </a:p>
+          <a:p>
+            <a:pPr eaLnBrk="0" hangingPunct="0">
+              <a:lnSpc>
+                <a:spcPct val="110000"/>
+              </a:lnSpc>
+              <a:spcBef>
+                <a:spcPts val="0"/>
+              </a:spcBef>
+              <a:buClr>
+                <a:schemeClr val="accent5">
+                  <a:lumMod val="40000"/>
+                  <a:lumOff val="60000"/>
+                </a:schemeClr>
+              </a:buClr>
+              <a:buSzPct val="70000"/>
+            </a:pPr>
+            <a:r>
+              <a:rPr lang="en-US" sz="2000" b="1" noProof="1" smtClean="0">
+                <a:solidFill>
+                  <a:srgbClr val="8CF4F2"/>
+                </a:solidFill>
+                <a:effectLst>
+                  <a:outerShdw blurRad="38100" dist="38100" dir="2700000" algn="tl">
+                    <a:srgbClr val="000000">
+                      <a:alpha val="43137"/>
+                    </a:srgbClr>
+                  </a:outerShdw>
+                </a:effectLst>
+                <a:latin typeface="Consolas" pitchFamily="49" charset="0"/>
+                <a:cs typeface="Consolas" pitchFamily="49" charset="0"/>
+              </a:rPr>
+              <a:t>calculator.add(2,2</a:t>
+            </a:r>
+            <a:r>
+              <a:rPr lang="en-US" sz="2000" b="1" noProof="1">
+                <a:solidFill>
+                  <a:srgbClr val="8CF4F2"/>
+                </a:solidFill>
+                <a:effectLst>
+                  <a:outerShdw blurRad="38100" dist="38100" dir="2700000" algn="tl">
+                    <a:srgbClr val="000000">
+                      <a:alpha val="43137"/>
+                    </a:srgbClr>
+                  </a:outerShdw>
+                </a:effectLst>
+                <a:latin typeface="Consolas" pitchFamily="49" charset="0"/>
+                <a:cs typeface="Consolas" pitchFamily="49" charset="0"/>
+              </a:rPr>
+              <a:t>);</a:t>
+            </a:r>
+          </a:p>
+        </p:txBody>
+      </p:sp>
+      <p:sp>
+        <p:nvSpPr>
+          <p:cNvPr id="8" name="Rectangle 3"/>
+          <p:cNvSpPr txBox="1">
+            <a:spLocks noChangeArrowheads="1"/>
+          </p:cNvSpPr>
+          <p:nvPr/>
+        </p:nvSpPr>
+        <p:spPr>
+          <a:xfrm>
+            <a:off x="349624" y="762000"/>
+            <a:ext cx="8686800" cy="609600"/>
+          </a:xfrm>
+          <a:prstGeom prst="rect">
+            <a:avLst/>
+          </a:prstGeom>
+        </p:spPr>
+        <p:txBody>
+          <a:bodyPr/>
+          <a:lstStyle>
+            <a:lvl1pPr marL="282575" indent="-282575" algn="l" rtl="0" eaLnBrk="0" fontAlgn="base" hangingPunct="0">
+              <a:lnSpc>
+                <a:spcPct val="105000"/>
+              </a:lnSpc>
+              <a:spcBef>
+                <a:spcPts val="600"/>
+              </a:spcBef>
+              <a:spcAft>
+                <a:spcPts val="600"/>
+              </a:spcAft>
+              <a:buClr>
+                <a:schemeClr val="accent5">
+                  <a:lumMod val="40000"/>
+                  <a:lumOff val="60000"/>
+                </a:schemeClr>
+              </a:buClr>
+              <a:buSzPct val="70000"/>
+              <a:buFont typeface="Wingdings 2" pitchFamily="18" charset="2"/>
+              <a:buChar char=""/>
+              <a:tabLst>
+                <a:tab pos="282575" algn="l"/>
+              </a:tabLst>
+              <a:defRPr sz="3200" b="1" kern="1200">
+                <a:solidFill>
+                  <a:srgbClr val="EBFFD2"/>
+                </a:solidFill>
+                <a:effectLst>
+                  <a:outerShdw blurRad="38100" dist="38100" dir="2700000" algn="tl">
+                    <a:srgbClr val="000000">
+                      <a:alpha val="43137"/>
+                    </a:srgbClr>
+                  </a:outerShdw>
+                </a:effectLst>
+                <a:latin typeface="+mn-lt"/>
+                <a:ea typeface="+mn-ea"/>
+                <a:cs typeface="+mn-cs"/>
+              </a:defRPr>
+            </a:lvl1pPr>
+            <a:lvl2pPr marL="630238" indent="-273050" algn="l" rtl="0" eaLnBrk="0" fontAlgn="base" hangingPunct="0">
+              <a:lnSpc>
+                <a:spcPct val="105000"/>
+              </a:lnSpc>
+              <a:spcBef>
+                <a:spcPts val="600"/>
+              </a:spcBef>
+              <a:spcAft>
+                <a:spcPts val="600"/>
+              </a:spcAft>
+              <a:buClr>
+                <a:srgbClr val="8FD600"/>
+              </a:buClr>
+              <a:buFont typeface="Wingdings 2" pitchFamily="18" charset="2"/>
+              <a:buChar char=""/>
+              <a:defRPr sz="3000" b="1" kern="1200">
+                <a:solidFill>
+                  <a:schemeClr val="tx1">
+                    <a:lumMod val="40000"/>
+                    <a:lumOff val="60000"/>
+                  </a:schemeClr>
+                </a:solidFill>
+                <a:effectLst>
+                  <a:outerShdw blurRad="38100" dist="38100" dir="2700000" algn="tl">
+                    <a:srgbClr val="000000">
+                      <a:alpha val="43137"/>
+                    </a:srgbClr>
+                  </a:outerShdw>
+                </a:effectLst>
+                <a:latin typeface="+mn-lt"/>
+                <a:ea typeface="+mn-ea"/>
+                <a:cs typeface="+mn-cs"/>
+              </a:defRPr>
+            </a:lvl2pPr>
+            <a:lvl3pPr marL="922338" indent="-273050" algn="l" rtl="0" eaLnBrk="0" fontAlgn="base" hangingPunct="0">
+              <a:lnSpc>
+                <a:spcPct val="105000"/>
+              </a:lnSpc>
+              <a:spcBef>
+                <a:spcPts val="600"/>
+              </a:spcBef>
+              <a:spcAft>
+                <a:spcPts val="600"/>
+              </a:spcAft>
+              <a:buClr>
+                <a:srgbClr val="FFAD9F"/>
+              </a:buClr>
+              <a:buFont typeface="Wingdings 2" pitchFamily="18" charset="2"/>
+              <a:buChar char=""/>
+              <a:defRPr sz="2800" b="1" kern="1200">
+                <a:solidFill>
+                  <a:srgbClr val="F5FFC2"/>
+                </a:solidFill>
+                <a:effectLst>
+                  <a:outerShdw blurRad="38100" dist="38100" dir="2700000" algn="tl">
+                    <a:srgbClr val="000000">
+                      <a:alpha val="43137"/>
+                    </a:srgbClr>
+                  </a:outerShdw>
+                </a:effectLst>
+                <a:latin typeface="+mn-lt"/>
+                <a:ea typeface="+mn-ea"/>
+                <a:cs typeface="+mn-cs"/>
+              </a:defRPr>
+            </a:lvl3pPr>
+            <a:lvl4pPr marL="1187450" indent="-228600" algn="l" rtl="0" eaLnBrk="0" fontAlgn="base" hangingPunct="0">
+              <a:lnSpc>
+                <a:spcPct val="105000"/>
+              </a:lnSpc>
+              <a:spcBef>
+                <a:spcPts val="600"/>
+              </a:spcBef>
+              <a:spcAft>
+                <a:spcPts val="600"/>
+              </a:spcAft>
+              <a:buClr>
+                <a:srgbClr val="FACF82"/>
+              </a:buClr>
+              <a:buFont typeface="Wingdings 2" pitchFamily="18" charset="2"/>
+              <a:buChar char=""/>
+              <a:defRPr sz="2600" b="1" kern="1200">
+                <a:solidFill>
+                  <a:schemeClr val="tx1">
+                    <a:lumMod val="40000"/>
+                    <a:lumOff val="60000"/>
+                  </a:schemeClr>
+                </a:solidFill>
+                <a:effectLst>
+                  <a:outerShdw blurRad="38100" dist="38100" dir="2700000" algn="tl">
+                    <a:srgbClr val="000000">
+                      <a:alpha val="43137"/>
+                    </a:srgbClr>
+                  </a:outerShdw>
+                </a:effectLst>
+                <a:latin typeface="+mn-lt"/>
+                <a:ea typeface="+mn-ea"/>
+                <a:cs typeface="+mn-cs"/>
+              </a:defRPr>
+            </a:lvl4pPr>
+            <a:lvl5pPr marL="1425575" indent="-228600" algn="l" rtl="0" eaLnBrk="0" fontAlgn="base" hangingPunct="0">
+              <a:lnSpc>
+                <a:spcPct val="105000"/>
+              </a:lnSpc>
+              <a:spcBef>
+                <a:spcPts val="600"/>
+              </a:spcBef>
+              <a:spcAft>
+                <a:spcPts val="600"/>
+              </a:spcAft>
+              <a:buClr>
+                <a:srgbClr val="46A6BD"/>
+              </a:buClr>
+              <a:buFont typeface="Wingdings 2" pitchFamily="18" charset="2"/>
+              <a:buChar char=""/>
+              <a:defRPr sz="2400" b="1" kern="1200">
+                <a:solidFill>
+                  <a:schemeClr val="tx1">
+                    <a:lumMod val="40000"/>
+                    <a:lumOff val="60000"/>
+                  </a:schemeClr>
+                </a:solidFill>
+                <a:effectLst>
+                  <a:outerShdw blurRad="38100" dist="38100" dir="2700000" algn="tl">
+                    <a:srgbClr val="000000">
+                      <a:alpha val="43137"/>
+                    </a:srgbClr>
+                  </a:outerShdw>
+                </a:effectLst>
+                <a:latin typeface="+mn-lt"/>
+                <a:ea typeface="+mn-ea"/>
+                <a:cs typeface="+mn-cs"/>
+              </a:defRPr>
+            </a:lvl5pPr>
+            <a:lvl6pPr marL="1673352" indent="-228600" algn="l" rtl="0" eaLnBrk="1" latinLnBrk="0" hangingPunct="1">
+              <a:spcBef>
+                <a:spcPct val="20000"/>
+              </a:spcBef>
+              <a:buClr>
+                <a:schemeClr val="accent6"/>
+              </a:buClr>
+              <a:buFont typeface="Wingdings 2"/>
+              <a:buChar char=""/>
+              <a:defRPr sz="1800" kern="1200">
+                <a:solidFill>
+                  <a:schemeClr val="tx1"/>
+                </a:solidFill>
+                <a:latin typeface="+mn-lt"/>
+                <a:ea typeface="+mn-ea"/>
+                <a:cs typeface="+mn-cs"/>
+              </a:defRPr>
+            </a:lvl6pPr>
+            <a:lvl7pPr marL="1911096" indent="-228600" algn="l" rtl="0" eaLnBrk="1" latinLnBrk="0" hangingPunct="1">
+              <a:spcBef>
+                <a:spcPct val="20000"/>
+              </a:spcBef>
+              <a:buClr>
+                <a:schemeClr val="tx2"/>
+              </a:buClr>
+              <a:buFont typeface="Wingdings 2"/>
+              <a:buChar char=""/>
+              <a:defRPr sz="1600" kern="1200">
+                <a:solidFill>
+                  <a:schemeClr val="tx1"/>
+                </a:solidFill>
+                <a:latin typeface="+mn-lt"/>
+                <a:ea typeface="+mn-ea"/>
+                <a:cs typeface="+mn-cs"/>
+              </a:defRPr>
+            </a:lvl7pPr>
+            <a:lvl8pPr marL="2121408" indent="-182880" algn="l" rtl="0" eaLnBrk="1" latinLnBrk="0" hangingPunct="1">
+              <a:spcBef>
+                <a:spcPct val="20000"/>
+              </a:spcBef>
+              <a:buClr>
+                <a:schemeClr val="tx2"/>
+              </a:buClr>
+              <a:buFont typeface="Wingdings 2"/>
+              <a:buChar char=""/>
+              <a:defRPr sz="1400" kern="1200">
+                <a:solidFill>
+                  <a:schemeClr val="tx1"/>
+                </a:solidFill>
+                <a:latin typeface="+mn-lt"/>
+                <a:ea typeface="+mn-ea"/>
+                <a:cs typeface="+mn-cs"/>
+              </a:defRPr>
+            </a:lvl8pPr>
+            <a:lvl9pPr marL="2322576" indent="-182880" algn="l" rtl="0" eaLnBrk="1" latinLnBrk="0" hangingPunct="1">
+              <a:spcBef>
+                <a:spcPct val="20000"/>
+              </a:spcBef>
+              <a:buClr>
+                <a:schemeClr val="tx2"/>
+              </a:buClr>
+              <a:buFont typeface="Wingdings 2"/>
+              <a:buChar char=""/>
+              <a:defRPr sz="1400" kern="1200">
+                <a:solidFill>
+                  <a:schemeClr val="tx1"/>
+                </a:solidFill>
+                <a:latin typeface="+mn-lt"/>
+                <a:ea typeface="+mn-ea"/>
+                <a:cs typeface="+mn-cs"/>
+              </a:defRPr>
+            </a:lvl9pPr>
+          </a:lstStyle>
+          <a:p>
+            <a:pPr>
+              <a:lnSpc>
+                <a:spcPct val="100000"/>
+              </a:lnSpc>
+            </a:pPr>
+            <a:r>
+              <a:rPr lang="en-US" dirty="0" smtClean="0"/>
+              <a:t>Example:</a:t>
+            </a:r>
+            <a:endParaRPr lang="en-US" b="0" dirty="0" smtClean="0"/>
+          </a:p>
+          <a:p>
+            <a:pPr lvl="1">
+              <a:lnSpc>
+                <a:spcPct val="100000"/>
+              </a:lnSpc>
+            </a:pPr>
+            <a:endParaRPr lang="bg-BG" dirty="0"/>
+          </a:p>
+        </p:txBody>
+      </p:sp>
     </p:spTree>
     <p:extLst>
       <p:ext uri="{BB962C8B-B14F-4D97-AF65-F5344CB8AC3E}">
-        <p14:creationId xmlns:p14="http://schemas.microsoft.com/office/powerpoint/2010/main" val="4009389010"/>
+        <p14:creationId xmlns:p14="http://schemas.microsoft.com/office/powerpoint/2010/main" val="3219854324"/>
       </p:ext>
     </p:extLst>
   </p:cSld>
@@ -11071,6 +11946,202 @@
       </p:grpSpPr>
       <p:sp>
         <p:nvSpPr>
+          <p:cNvPr id="492546" name="Rectangle 2"/>
+          <p:cNvSpPr>
+            <a:spLocks noGrp="1" noChangeArrowheads="1"/>
+          </p:cNvSpPr>
+          <p:nvPr>
+            <p:ph type="title"/>
+          </p:nvPr>
+        </p:nvSpPr>
+        <p:spPr/>
+        <p:txBody>
+          <a:bodyPr/>
+          <a:lstStyle/>
+          <a:p>
+            <a:r>
+              <a:rPr lang="en-US" sz="3600" dirty="0" smtClean="0"/>
+              <a:t>Summary</a:t>
+            </a:r>
+            <a:endParaRPr lang="bg-BG" sz="3600" dirty="0"/>
+          </a:p>
+        </p:txBody>
+      </p:sp>
+      <p:sp>
+        <p:nvSpPr>
+          <p:cNvPr id="492547" name="Rectangle 3"/>
+          <p:cNvSpPr>
+            <a:spLocks noGrp="1" noChangeArrowheads="1"/>
+          </p:cNvSpPr>
+          <p:nvPr>
+            <p:ph idx="1"/>
+          </p:nvPr>
+        </p:nvSpPr>
+        <p:spPr/>
+        <p:txBody>
+          <a:bodyPr/>
+          <a:lstStyle/>
+          <a:p>
+            <a:r>
+              <a:rPr lang="en-US" dirty="0" smtClean="0"/>
+              <a:t>Module </a:t>
+            </a:r>
+            <a:r>
+              <a:rPr lang="en-US" dirty="0"/>
+              <a:t>pattern provides </a:t>
+            </a:r>
+            <a:r>
+              <a:rPr lang="en-US" dirty="0">
+                <a:solidFill>
+                  <a:schemeClr val="accent6">
+                    <a:lumMod val="20000"/>
+                    <a:lumOff val="80000"/>
+                  </a:schemeClr>
+                </a:solidFill>
+              </a:rPr>
+              <a:t>encapsulation</a:t>
+            </a:r>
+            <a:r>
+              <a:rPr lang="en-US" dirty="0"/>
+              <a:t> of variables and functions </a:t>
+            </a:r>
+            <a:endParaRPr lang="en-US" b="0" dirty="0"/>
+          </a:p>
+          <a:p>
+            <a:r>
+              <a:rPr lang="en-US" dirty="0" smtClean="0"/>
+              <a:t>Provides </a:t>
+            </a:r>
+            <a:r>
+              <a:rPr lang="en-US" dirty="0"/>
+              <a:t>a way to add </a:t>
+            </a:r>
+            <a:r>
+              <a:rPr lang="en-US" dirty="0">
+                <a:solidFill>
+                  <a:schemeClr val="accent6">
+                    <a:lumMod val="20000"/>
+                    <a:lumOff val="80000"/>
+                  </a:schemeClr>
+                </a:solidFill>
+              </a:rPr>
+              <a:t>visibility</a:t>
+            </a:r>
+            <a:r>
+              <a:rPr lang="en-US" dirty="0"/>
+              <a:t> (public versus private) to members </a:t>
+            </a:r>
+            <a:endParaRPr lang="en-US" b="0" dirty="0"/>
+          </a:p>
+          <a:p>
+            <a:r>
+              <a:rPr lang="en-US" dirty="0" smtClean="0"/>
+              <a:t>Each </a:t>
+            </a:r>
+            <a:r>
+              <a:rPr lang="en-US" dirty="0"/>
+              <a:t>object instance creates new copies of functions in memory </a:t>
+            </a:r>
+            <a:endParaRPr lang="en-US" b="0" dirty="0"/>
+          </a:p>
+          <a:p>
+            <a:r>
+              <a:rPr lang="en-US" dirty="0" smtClean="0"/>
+              <a:t>Extending </a:t>
+            </a:r>
+            <a:r>
+              <a:rPr lang="en-US" dirty="0"/>
+              <a:t>objects can be difficult since no prototyping is used</a:t>
+            </a:r>
+            <a:endParaRPr lang="en-US" b="0" dirty="0"/>
+          </a:p>
+          <a:p>
+            <a:endParaRPr lang="en-US" b="0" dirty="0"/>
+          </a:p>
+          <a:p>
+            <a:pPr lvl="1">
+              <a:lnSpc>
+                <a:spcPct val="100000"/>
+              </a:lnSpc>
+            </a:pPr>
+            <a:endParaRPr lang="bg-BG" dirty="0"/>
+          </a:p>
+        </p:txBody>
+      </p:sp>
+      <p:sp>
+        <p:nvSpPr>
+          <p:cNvPr id="7" name="Slide Number Placeholder 3"/>
+          <p:cNvSpPr>
+            <a:spLocks noGrp="1"/>
+          </p:cNvSpPr>
+          <p:nvPr>
+            <p:ph type="sldNum" sz="quarter" idx="10"/>
+          </p:nvPr>
+        </p:nvSpPr>
+        <p:spPr>
+          <a:xfrm>
+            <a:off x="8610600" y="6553200"/>
+            <a:ext cx="457200" cy="228600"/>
+          </a:xfrm>
+        </p:spPr>
+        <p:txBody>
+          <a:bodyPr/>
+          <a:lstStyle/>
+          <a:p>
+            <a:pPr>
+              <a:defRPr/>
+            </a:pPr>
+            <a:fld id="{58452FF4-89E3-4D1B-9927-2DBDC00E58D7}" type="slidenum">
+              <a:rPr lang="en-US" smtClean="0"/>
+              <a:pPr>
+                <a:defRPr/>
+              </a:pPr>
+              <a:t>17</a:t>
+            </a:fld>
+            <a:endParaRPr lang="en-US" dirty="0"/>
+          </a:p>
+        </p:txBody>
+      </p:sp>
+    </p:spTree>
+    <p:extLst>
+      <p:ext uri="{BB962C8B-B14F-4D97-AF65-F5344CB8AC3E}">
+        <p14:creationId xmlns:p14="http://schemas.microsoft.com/office/powerpoint/2010/main" val="4009389010"/>
+      </p:ext>
+    </p:extLst>
+  </p:cSld>
+  <p:clrMapOvr>
+    <a:masterClrMapping/>
+  </p:clrMapOvr>
+  <p:transition/>
+  <p:timing>
+    <p:tnLst>
+      <p:par>
+        <p:cTn id="1" dur="indefinite" restart="never" nodeType="tmRoot"/>
+      </p:par>
+    </p:tnLst>
+  </p:timing>
+</p:sld>
+</file>
+
+<file path=ppt/slides/slide18.xml><?xml version="1.0" encoding="utf-8"?>
+<p:sld xmlns:a="http://schemas.openxmlformats.org/drawingml/2006/main" xmlns:r="http://schemas.openxmlformats.org/officeDocument/2006/relationships" xmlns:p="http://schemas.openxmlformats.org/presentationml/2006/main">
+  <p:cSld>
+    <p:spTree>
+      <p:nvGrpSpPr>
+        <p:cNvPr id="1" name=""/>
+        <p:cNvGrpSpPr/>
+        <p:nvPr/>
+      </p:nvGrpSpPr>
+      <p:grpSpPr>
+        <a:xfrm>
+          <a:off x="0" y="0"/>
+          <a:ext cx="0" cy="0"/>
+          <a:chOff x="0" y="0"/>
+          <a:chExt cx="0" cy="0"/>
+        </a:xfrm>
+      </p:grpSpPr>
+      <p:sp>
+        <p:nvSpPr>
           <p:cNvPr id="2" name="Title 1"/>
           <p:cNvSpPr>
             <a:spLocks noGrp="1"/>
@@ -11098,7 +12169,6 @@
               <a:rPr lang="en-US" dirty="0" smtClean="0"/>
               <a:t>Revealing Module Pattern</a:t>
             </a:r>
-            <a:endParaRPr lang="en-US" dirty="0" smtClean="0"/>
           </a:p>
         </p:txBody>
       </p:sp>
@@ -11180,7 +12250,7 @@
 </p:sld>
 </file>
 
-<file path=ppt/slides/slide18.xml><?xml version="1.0" encoding="utf-8"?>
+<file path=ppt/slides/slide19.xml><?xml version="1.0" encoding="utf-8"?>
 <p:sld xmlns:a="http://schemas.openxmlformats.org/drawingml/2006/main" xmlns:r="http://schemas.openxmlformats.org/officeDocument/2006/relationships" xmlns:p="http://schemas.openxmlformats.org/presentationml/2006/main">
   <p:cSld>
     <p:spTree>
@@ -11226,7 +12296,6 @@
               <a:rPr lang="en-US" dirty="0" smtClean="0"/>
               <a:t>Extending Existing Module</a:t>
             </a:r>
-            <a:endParaRPr lang="en-US" dirty="0" smtClean="0"/>
           </a:p>
         </p:txBody>
       </p:sp>
@@ -11308,7 +12377,295 @@
 </p:sld>
 </file>
 
-<file path=ppt/slides/slide19.xml><?xml version="1.0" encoding="utf-8"?>
+<file path=ppt/slides/slide2.xml><?xml version="1.0" encoding="utf-8"?>
+<p:sld xmlns:a="http://schemas.openxmlformats.org/drawingml/2006/main" xmlns:r="http://schemas.openxmlformats.org/officeDocument/2006/relationships" xmlns:p="http://schemas.openxmlformats.org/presentationml/2006/main">
+  <p:cSld>
+    <p:spTree>
+      <p:nvGrpSpPr>
+        <p:cNvPr id="1" name=""/>
+        <p:cNvGrpSpPr/>
+        <p:nvPr/>
+      </p:nvGrpSpPr>
+      <p:grpSpPr>
+        <a:xfrm>
+          <a:off x="0" y="0"/>
+          <a:ext cx="0" cy="0"/>
+          <a:chOff x="0" y="0"/>
+          <a:chExt cx="0" cy="0"/>
+        </a:xfrm>
+      </p:grpSpPr>
+      <p:sp>
+        <p:nvSpPr>
+          <p:cNvPr id="423938" name="Rectangle 2"/>
+          <p:cNvSpPr>
+            <a:spLocks noGrp="1" noChangeArrowheads="1"/>
+          </p:cNvSpPr>
+          <p:nvPr>
+            <p:ph type="title"/>
+          </p:nvPr>
+        </p:nvSpPr>
+        <p:spPr/>
+        <p:txBody>
+          <a:bodyPr/>
+          <a:lstStyle/>
+          <a:p>
+            <a:r>
+              <a:rPr lang="en-US" dirty="0" smtClean="0"/>
+              <a:t>Table of Contents</a:t>
+            </a:r>
+            <a:endParaRPr lang="bg-BG" dirty="0"/>
+          </a:p>
+        </p:txBody>
+      </p:sp>
+      <p:sp>
+        <p:nvSpPr>
+          <p:cNvPr id="423939" name="Rectangle 3"/>
+          <p:cNvSpPr>
+            <a:spLocks noGrp="1" noChangeArrowheads="1"/>
+          </p:cNvSpPr>
+          <p:nvPr>
+            <p:ph idx="1"/>
+          </p:nvPr>
+        </p:nvSpPr>
+        <p:spPr>
+          <a:xfrm>
+            <a:off x="228600" y="685800"/>
+            <a:ext cx="8686800" cy="5943600"/>
+          </a:xfrm>
+        </p:spPr>
+        <p:txBody>
+          <a:bodyPr/>
+          <a:lstStyle/>
+          <a:p>
+            <a:pPr marL="447675" indent="-447675">
+              <a:lnSpc>
+                <a:spcPct val="100000"/>
+              </a:lnSpc>
+              <a:buFont typeface="+mj-lt"/>
+              <a:buAutoNum type="arabicPeriod"/>
+              <a:tabLst/>
+            </a:pPr>
+            <a:r>
+              <a:rPr lang="en-US" dirty="0" smtClean="0"/>
+              <a:t>Public/Private fields in JavaScript</a:t>
+            </a:r>
+          </a:p>
+          <a:p>
+            <a:pPr marL="447675" indent="-447675">
+              <a:lnSpc>
+                <a:spcPct val="100000"/>
+              </a:lnSpc>
+              <a:buFont typeface="+mj-lt"/>
+              <a:buAutoNum type="arabicPeriod"/>
+              <a:tabLst/>
+            </a:pPr>
+            <a:r>
+              <a:rPr lang="en-US" dirty="0" smtClean="0"/>
+              <a:t>Module pattern</a:t>
+            </a:r>
+          </a:p>
+          <a:p>
+            <a:pPr marL="795338" lvl="1" indent="-447675">
+              <a:lnSpc>
+                <a:spcPct val="100000"/>
+              </a:lnSpc>
+              <a:buFont typeface="+mj-lt"/>
+              <a:buAutoNum type="arabicPeriod"/>
+            </a:pPr>
+            <a:r>
+              <a:rPr lang="en-US" dirty="0" smtClean="0"/>
+              <a:t>Pros and cons</a:t>
+            </a:r>
+          </a:p>
+          <a:p>
+            <a:pPr marL="795338" lvl="1" indent="-447675">
+              <a:lnSpc>
+                <a:spcPct val="100000"/>
+              </a:lnSpc>
+              <a:buFont typeface="+mj-lt"/>
+              <a:buAutoNum type="arabicPeriod"/>
+            </a:pPr>
+            <a:r>
+              <a:rPr lang="en-US" dirty="0" smtClean="0"/>
+              <a:t>Structure</a:t>
+            </a:r>
+          </a:p>
+          <a:p>
+            <a:pPr marL="795338" lvl="1" indent="-447675">
+              <a:lnSpc>
+                <a:spcPct val="100000"/>
+              </a:lnSpc>
+              <a:buFont typeface="+mj-lt"/>
+              <a:buAutoNum type="arabicPeriod"/>
+            </a:pPr>
+            <a:r>
+              <a:rPr lang="en-US" dirty="0" smtClean="0"/>
+              <a:t>Live demo</a:t>
+            </a:r>
+          </a:p>
+          <a:p>
+            <a:pPr marL="447675" indent="-447675">
+              <a:lnSpc>
+                <a:spcPct val="100000"/>
+              </a:lnSpc>
+              <a:buFont typeface="+mj-lt"/>
+              <a:buAutoNum type="arabicPeriod"/>
+              <a:tabLst/>
+            </a:pPr>
+            <a:r>
+              <a:rPr lang="en-US" dirty="0" smtClean="0"/>
+              <a:t>Revealing module</a:t>
+            </a:r>
+          </a:p>
+          <a:p>
+            <a:pPr marL="795338" lvl="1" indent="-447675">
+              <a:lnSpc>
+                <a:spcPct val="100000"/>
+              </a:lnSpc>
+              <a:buFont typeface="+mj-lt"/>
+              <a:buAutoNum type="arabicPeriod"/>
+            </a:pPr>
+            <a:r>
+              <a:rPr lang="en-US" dirty="0"/>
+              <a:t>Pros and cons</a:t>
+            </a:r>
+          </a:p>
+          <a:p>
+            <a:pPr marL="795338" lvl="1" indent="-447675">
+              <a:lnSpc>
+                <a:spcPct val="100000"/>
+              </a:lnSpc>
+              <a:buFont typeface="+mj-lt"/>
+              <a:buAutoNum type="arabicPeriod"/>
+            </a:pPr>
+            <a:r>
+              <a:rPr lang="en-US" dirty="0"/>
+              <a:t>Structure</a:t>
+            </a:r>
+          </a:p>
+          <a:p>
+            <a:pPr marL="795338" lvl="1" indent="-447675">
+              <a:lnSpc>
+                <a:spcPct val="100000"/>
+              </a:lnSpc>
+              <a:buFont typeface="+mj-lt"/>
+              <a:buAutoNum type="arabicPeriod"/>
+            </a:pPr>
+            <a:r>
+              <a:rPr lang="en-US" dirty="0"/>
+              <a:t>Live demo</a:t>
+            </a:r>
+          </a:p>
+          <a:p>
+            <a:pPr marL="447675" indent="-447675">
+              <a:lnSpc>
+                <a:spcPct val="100000"/>
+              </a:lnSpc>
+              <a:buFont typeface="+mj-lt"/>
+              <a:buAutoNum type="arabicPeriod"/>
+              <a:tabLst/>
+            </a:pPr>
+            <a:endParaRPr lang="en-US" dirty="0" smtClean="0"/>
+          </a:p>
+          <a:p>
+            <a:pPr marL="447675" indent="-447675">
+              <a:lnSpc>
+                <a:spcPct val="100000"/>
+              </a:lnSpc>
+              <a:buFont typeface="+mj-lt"/>
+              <a:buAutoNum type="arabicPeriod"/>
+              <a:tabLst/>
+            </a:pPr>
+            <a:endParaRPr lang="en-US" dirty="0" smtClean="0"/>
+          </a:p>
+        </p:txBody>
+      </p:sp>
+      <p:sp>
+        <p:nvSpPr>
+          <p:cNvPr id="5" name="Slide Number Placeholder 3"/>
+          <p:cNvSpPr>
+            <a:spLocks noGrp="1"/>
+          </p:cNvSpPr>
+          <p:nvPr>
+            <p:ph type="sldNum" sz="quarter" idx="10"/>
+          </p:nvPr>
+        </p:nvSpPr>
+        <p:spPr>
+          <a:xfrm>
+            <a:off x="8610600" y="6553200"/>
+            <a:ext cx="457200" cy="228600"/>
+          </a:xfrm>
+        </p:spPr>
+        <p:txBody>
+          <a:bodyPr/>
+          <a:lstStyle/>
+          <a:p>
+            <a:pPr>
+              <a:defRPr/>
+            </a:pPr>
+            <a:fld id="{58452FF4-89E3-4D1B-9927-2DBDC00E58D7}" type="slidenum">
+              <a:rPr lang="en-US" smtClean="0"/>
+              <a:pPr>
+                <a:defRPr/>
+              </a:pPr>
+              <a:t>2</a:t>
+            </a:fld>
+            <a:endParaRPr lang="en-US" dirty="0"/>
+          </a:p>
+        </p:txBody>
+      </p:sp>
+      <p:pic>
+        <p:nvPicPr>
+          <p:cNvPr id="2" name="Picture 1"/>
+          <p:cNvPicPr>
+            <a:picLocks noChangeAspect="1"/>
+          </p:cNvPicPr>
+          <p:nvPr/>
+        </p:nvPicPr>
+        <p:blipFill>
+          <a:blip r:embed="rId3" cstate="print">
+            <a:extLst>
+              <a:ext uri="{28A0092B-C50C-407E-A947-70E740481C1C}">
+                <a14:useLocalDpi xmlns:a14="http://schemas.microsoft.com/office/drawing/2010/main" val="0"/>
+              </a:ext>
+            </a:extLst>
+          </a:blip>
+          <a:stretch>
+            <a:fillRect/>
+          </a:stretch>
+        </p:blipFill>
+        <p:spPr>
+          <a:xfrm>
+            <a:off x="4191000" y="3357282"/>
+            <a:ext cx="4571999" cy="2805091"/>
+          </a:xfrm>
+          <a:prstGeom prst="roundRect">
+            <a:avLst/>
+          </a:prstGeom>
+        </p:spPr>
+      </p:pic>
+    </p:spTree>
+    <p:extLst>
+      <p:ext uri="{BB962C8B-B14F-4D97-AF65-F5344CB8AC3E}">
+        <p14:creationId xmlns:p14="http://schemas.microsoft.com/office/powerpoint/2010/main" val="4226805450"/>
+      </p:ext>
+    </p:extLst>
+  </p:cSld>
+  <p:clrMapOvr>
+    <a:masterClrMapping/>
+  </p:clrMapOvr>
+  <p:transition/>
+  <p:timing>
+    <p:tnLst>
+      <p:par>
+        <p:cTn id="1" dur="indefinite" restart="never" nodeType="tmRoot"/>
+      </p:par>
+    </p:tnLst>
+  </p:timing>
+</p:sld>
+</file>
+
+<file path=ppt/slides/slide20.xml><?xml version="1.0" encoding="utf-8"?>
 <p:sld xmlns:a="http://schemas.openxmlformats.org/drawingml/2006/main" xmlns:r="http://schemas.openxmlformats.org/officeDocument/2006/relationships" xmlns:p="http://schemas.openxmlformats.org/presentationml/2006/main">
   <p:cSld>
     <p:spTree>
@@ -11341,8 +12698,8 @@
           <a:lstStyle/>
           <a:p>
             <a:r>
-              <a:rPr lang="en-US" dirty="0" smtClean="0"/>
-              <a:t>Arrays</a:t>
+              <a:rPr lang="en-US" dirty="0"/>
+              <a:t>JavaScript Patterns</a:t>
             </a:r>
             <a:endParaRPr lang="en-US" dirty="0"/>
           </a:p>
@@ -11533,45 +12890,6 @@
           <a:noFill/>
         </p:spPr>
       </p:pic>
-      <p:pic>
-        <p:nvPicPr>
-          <p:cNvPr id="9" name="Picture 2"/>
-          <p:cNvPicPr>
-            <a:picLocks noChangeAspect="1" noChangeArrowheads="1"/>
-          </p:cNvPicPr>
-          <p:nvPr/>
-        </p:nvPicPr>
-        <p:blipFill>
-          <a:blip r:embed="rId3" cstate="screen">
-            <a:duotone>
-              <a:schemeClr val="accent1">
-                <a:shade val="45000"/>
-                <a:satMod val="135000"/>
-              </a:schemeClr>
-              <a:prstClr val="white"/>
-            </a:duotone>
-            <a:extLst>
-              <a:ext uri="{28A0092B-C50C-407E-A947-70E740481C1C}">
-                <a14:useLocalDpi xmlns:a14="http://schemas.microsoft.com/office/drawing/2010/main" val="0"/>
-              </a:ext>
-            </a:extLst>
-          </a:blip>
-          <a:srcRect/>
-          <a:stretch>
-            <a:fillRect/>
-          </a:stretch>
-        </p:blipFill>
-        <p:spPr bwMode="auto">
-          <a:xfrm rot="16200000">
-            <a:off x="4847220" y="228600"/>
-            <a:ext cx="1371600" cy="1371600"/>
-          </a:xfrm>
-          <a:prstGeom prst="rect">
-            <a:avLst/>
-          </a:prstGeom>
-          <a:noFill/>
-        </p:spPr>
-      </p:pic>
     </p:spTree>
     <p:extLst>
       <p:ext uri="{BB962C8B-B14F-4D97-AF65-F5344CB8AC3E}">
@@ -11592,295 +12910,7 @@
 </p:sld>
 </file>
 
-<file path=ppt/slides/slide2.xml><?xml version="1.0" encoding="utf-8"?>
-<p:sld xmlns:a="http://schemas.openxmlformats.org/drawingml/2006/main" xmlns:r="http://schemas.openxmlformats.org/officeDocument/2006/relationships" xmlns:p="http://schemas.openxmlformats.org/presentationml/2006/main">
-  <p:cSld>
-    <p:spTree>
-      <p:nvGrpSpPr>
-        <p:cNvPr id="1" name=""/>
-        <p:cNvGrpSpPr/>
-        <p:nvPr/>
-      </p:nvGrpSpPr>
-      <p:grpSpPr>
-        <a:xfrm>
-          <a:off x="0" y="0"/>
-          <a:ext cx="0" cy="0"/>
-          <a:chOff x="0" y="0"/>
-          <a:chExt cx="0" cy="0"/>
-        </a:xfrm>
-      </p:grpSpPr>
-      <p:sp>
-        <p:nvSpPr>
-          <p:cNvPr id="423938" name="Rectangle 2"/>
-          <p:cNvSpPr>
-            <a:spLocks noGrp="1" noChangeArrowheads="1"/>
-          </p:cNvSpPr>
-          <p:nvPr>
-            <p:ph type="title"/>
-          </p:nvPr>
-        </p:nvSpPr>
-        <p:spPr/>
-        <p:txBody>
-          <a:bodyPr/>
-          <a:lstStyle/>
-          <a:p>
-            <a:r>
-              <a:rPr lang="en-US" dirty="0" smtClean="0"/>
-              <a:t>Table of Contents</a:t>
-            </a:r>
-            <a:endParaRPr lang="bg-BG" dirty="0"/>
-          </a:p>
-        </p:txBody>
-      </p:sp>
-      <p:sp>
-        <p:nvSpPr>
-          <p:cNvPr id="423939" name="Rectangle 3"/>
-          <p:cNvSpPr>
-            <a:spLocks noGrp="1" noChangeArrowheads="1"/>
-          </p:cNvSpPr>
-          <p:nvPr>
-            <p:ph idx="1"/>
-          </p:nvPr>
-        </p:nvSpPr>
-        <p:spPr>
-          <a:xfrm>
-            <a:off x="228600" y="685800"/>
-            <a:ext cx="8686800" cy="5943600"/>
-          </a:xfrm>
-        </p:spPr>
-        <p:txBody>
-          <a:bodyPr/>
-          <a:lstStyle/>
-          <a:p>
-            <a:pPr marL="447675" indent="-447675">
-              <a:lnSpc>
-                <a:spcPct val="100000"/>
-              </a:lnSpc>
-              <a:buFont typeface="+mj-lt"/>
-              <a:buAutoNum type="arabicPeriod"/>
-              <a:tabLst/>
-            </a:pPr>
-            <a:r>
-              <a:rPr lang="en-US" dirty="0" smtClean="0"/>
-              <a:t>Public/Private fields in JavaScript</a:t>
-            </a:r>
-          </a:p>
-          <a:p>
-            <a:pPr marL="447675" indent="-447675">
-              <a:lnSpc>
-                <a:spcPct val="100000"/>
-              </a:lnSpc>
-              <a:buFont typeface="+mj-lt"/>
-              <a:buAutoNum type="arabicPeriod"/>
-              <a:tabLst/>
-            </a:pPr>
-            <a:r>
-              <a:rPr lang="en-US" dirty="0" smtClean="0"/>
-              <a:t>Module pattern</a:t>
-            </a:r>
-          </a:p>
-          <a:p>
-            <a:pPr marL="795338" lvl="1" indent="-447675">
-              <a:lnSpc>
-                <a:spcPct val="100000"/>
-              </a:lnSpc>
-              <a:buFont typeface="+mj-lt"/>
-              <a:buAutoNum type="arabicPeriod"/>
-            </a:pPr>
-            <a:r>
-              <a:rPr lang="en-US" dirty="0" smtClean="0"/>
-              <a:t>Pros and cons</a:t>
-            </a:r>
-          </a:p>
-          <a:p>
-            <a:pPr marL="795338" lvl="1" indent="-447675">
-              <a:lnSpc>
-                <a:spcPct val="100000"/>
-              </a:lnSpc>
-              <a:buFont typeface="+mj-lt"/>
-              <a:buAutoNum type="arabicPeriod"/>
-            </a:pPr>
-            <a:r>
-              <a:rPr lang="en-US" dirty="0" smtClean="0"/>
-              <a:t>Structure</a:t>
-            </a:r>
-          </a:p>
-          <a:p>
-            <a:pPr marL="795338" lvl="1" indent="-447675">
-              <a:lnSpc>
-                <a:spcPct val="100000"/>
-              </a:lnSpc>
-              <a:buFont typeface="+mj-lt"/>
-              <a:buAutoNum type="arabicPeriod"/>
-            </a:pPr>
-            <a:r>
-              <a:rPr lang="en-US" dirty="0" smtClean="0"/>
-              <a:t>Live demo</a:t>
-            </a:r>
-          </a:p>
-          <a:p>
-            <a:pPr marL="447675" indent="-447675">
-              <a:lnSpc>
-                <a:spcPct val="100000"/>
-              </a:lnSpc>
-              <a:buFont typeface="+mj-lt"/>
-              <a:buAutoNum type="arabicPeriod"/>
-              <a:tabLst/>
-            </a:pPr>
-            <a:r>
-              <a:rPr lang="en-US" dirty="0" smtClean="0"/>
-              <a:t>Revealing module</a:t>
-            </a:r>
-          </a:p>
-          <a:p>
-            <a:pPr marL="795338" lvl="1" indent="-447675">
-              <a:lnSpc>
-                <a:spcPct val="100000"/>
-              </a:lnSpc>
-              <a:buFont typeface="+mj-lt"/>
-              <a:buAutoNum type="arabicPeriod"/>
-            </a:pPr>
-            <a:r>
-              <a:rPr lang="en-US" dirty="0"/>
-              <a:t>Pros and cons</a:t>
-            </a:r>
-          </a:p>
-          <a:p>
-            <a:pPr marL="795338" lvl="1" indent="-447675">
-              <a:lnSpc>
-                <a:spcPct val="100000"/>
-              </a:lnSpc>
-              <a:buFont typeface="+mj-lt"/>
-              <a:buAutoNum type="arabicPeriod"/>
-            </a:pPr>
-            <a:r>
-              <a:rPr lang="en-US" dirty="0"/>
-              <a:t>Structure</a:t>
-            </a:r>
-          </a:p>
-          <a:p>
-            <a:pPr marL="795338" lvl="1" indent="-447675">
-              <a:lnSpc>
-                <a:spcPct val="100000"/>
-              </a:lnSpc>
-              <a:buFont typeface="+mj-lt"/>
-              <a:buAutoNum type="arabicPeriod"/>
-            </a:pPr>
-            <a:r>
-              <a:rPr lang="en-US" dirty="0"/>
-              <a:t>Live demo</a:t>
-            </a:r>
-          </a:p>
-          <a:p>
-            <a:pPr marL="447675" indent="-447675">
-              <a:lnSpc>
-                <a:spcPct val="100000"/>
-              </a:lnSpc>
-              <a:buFont typeface="+mj-lt"/>
-              <a:buAutoNum type="arabicPeriod"/>
-              <a:tabLst/>
-            </a:pPr>
-            <a:endParaRPr lang="en-US" dirty="0" smtClean="0"/>
-          </a:p>
-          <a:p>
-            <a:pPr marL="447675" indent="-447675">
-              <a:lnSpc>
-                <a:spcPct val="100000"/>
-              </a:lnSpc>
-              <a:buFont typeface="+mj-lt"/>
-              <a:buAutoNum type="arabicPeriod"/>
-              <a:tabLst/>
-            </a:pPr>
-            <a:endParaRPr lang="en-US" dirty="0" smtClean="0"/>
-          </a:p>
-        </p:txBody>
-      </p:sp>
-      <p:sp>
-        <p:nvSpPr>
-          <p:cNvPr id="5" name="Slide Number Placeholder 3"/>
-          <p:cNvSpPr>
-            <a:spLocks noGrp="1"/>
-          </p:cNvSpPr>
-          <p:nvPr>
-            <p:ph type="sldNum" sz="quarter" idx="10"/>
-          </p:nvPr>
-        </p:nvSpPr>
-        <p:spPr>
-          <a:xfrm>
-            <a:off x="8610600" y="6553200"/>
-            <a:ext cx="457200" cy="228600"/>
-          </a:xfrm>
-        </p:spPr>
-        <p:txBody>
-          <a:bodyPr/>
-          <a:lstStyle/>
-          <a:p>
-            <a:pPr>
-              <a:defRPr/>
-            </a:pPr>
-            <a:fld id="{58452FF4-89E3-4D1B-9927-2DBDC00E58D7}" type="slidenum">
-              <a:rPr lang="en-US" smtClean="0"/>
-              <a:pPr>
-                <a:defRPr/>
-              </a:pPr>
-              <a:t>2</a:t>
-            </a:fld>
-            <a:endParaRPr lang="en-US" dirty="0"/>
-          </a:p>
-        </p:txBody>
-      </p:sp>
-      <p:pic>
-        <p:nvPicPr>
-          <p:cNvPr id="2" name="Picture 1"/>
-          <p:cNvPicPr>
-            <a:picLocks noChangeAspect="1"/>
-          </p:cNvPicPr>
-          <p:nvPr/>
-        </p:nvPicPr>
-        <p:blipFill>
-          <a:blip r:embed="rId3" cstate="print">
-            <a:extLst>
-              <a:ext uri="{28A0092B-C50C-407E-A947-70E740481C1C}">
-                <a14:useLocalDpi xmlns:a14="http://schemas.microsoft.com/office/drawing/2010/main" val="0"/>
-              </a:ext>
-            </a:extLst>
-          </a:blip>
-          <a:stretch>
-            <a:fillRect/>
-          </a:stretch>
-        </p:blipFill>
-        <p:spPr>
-          <a:xfrm>
-            <a:off x="4191000" y="3357282"/>
-            <a:ext cx="4571999" cy="2805091"/>
-          </a:xfrm>
-          <a:prstGeom prst="roundRect">
-            <a:avLst/>
-          </a:prstGeom>
-        </p:spPr>
-      </p:pic>
-    </p:spTree>
-    <p:extLst>
-      <p:ext uri="{BB962C8B-B14F-4D97-AF65-F5344CB8AC3E}">
-        <p14:creationId xmlns:p14="http://schemas.microsoft.com/office/powerpoint/2010/main" val="4226805450"/>
-      </p:ext>
-    </p:extLst>
-  </p:cSld>
-  <p:clrMapOvr>
-    <a:masterClrMapping/>
-  </p:clrMapOvr>
-  <p:transition/>
-  <p:timing>
-    <p:tnLst>
-      <p:par>
-        <p:cTn id="1" dur="indefinite" restart="never" nodeType="tmRoot"/>
-      </p:par>
-    </p:tnLst>
-  </p:timing>
-</p:sld>
-</file>
-
-<file path=ppt/slides/slide20.xml><?xml version="1.0" encoding="utf-8"?>
+<file path=ppt/slides/slide21.xml><?xml version="1.0" encoding="utf-8"?>
 <p:sld xmlns:a="http://schemas.openxmlformats.org/drawingml/2006/main" xmlns:r="http://schemas.openxmlformats.org/officeDocument/2006/relationships" xmlns:p="http://schemas.openxmlformats.org/presentationml/2006/main">
   <p:cSld>
     <p:spTree>
@@ -12340,7 +13370,7 @@
 </p:sld>
 </file>
 
-<file path=ppt/slides/slide21.xml><?xml version="1.0" encoding="utf-8"?>
+<file path=ppt/slides/slide22.xml><?xml version="1.0" encoding="utf-8"?>
 <p:sld xmlns:a="http://schemas.openxmlformats.org/drawingml/2006/main" xmlns:r="http://schemas.openxmlformats.org/officeDocument/2006/relationships" xmlns:p="http://schemas.openxmlformats.org/presentationml/2006/main">
   <p:cSld>
     <p:spTree>
@@ -12417,7 +13447,6 @@
               <a:rPr lang="en-US" sz="2800" dirty="0" smtClean="0"/>
               <a:t>Create the Snake game using the Revealing module pattern. Design the game such that it has at least three modules.</a:t>
             </a:r>
-            <a:endParaRPr lang="en-US" sz="2800" dirty="0" smtClean="0"/>
           </a:p>
           <a:p>
             <a:pPr marL="355600" indent="-355600">
@@ -13515,7 +14544,12 @@
             <p:ph idx="1"/>
           </p:nvPr>
         </p:nvSpPr>
-        <p:spPr/>
+        <p:spPr>
+          <a:xfrm>
+            <a:off x="228600" y="838200"/>
+            <a:ext cx="8686800" cy="5791200"/>
+          </a:xfrm>
+        </p:spPr>
         <p:txBody>
           <a:bodyPr/>
           <a:lstStyle/>
@@ -13524,6 +14558,9 @@
               <a:lnSpc>
                 <a:spcPct val="100000"/>
               </a:lnSpc>
+              <a:spcAft>
+                <a:spcPts val="300"/>
+              </a:spcAft>
             </a:pPr>
             <a:r>
               <a:rPr lang="en-US" dirty="0">
@@ -13561,6 +14598,9 @@
               <a:lnSpc>
                 <a:spcPct val="100000"/>
               </a:lnSpc>
+              <a:spcAft>
+                <a:spcPts val="300"/>
+              </a:spcAft>
             </a:pPr>
             <a:r>
               <a:rPr lang="en-US" dirty="0"/>
@@ -13577,6 +14617,9 @@
               <a:lnSpc>
                 <a:spcPct val="100000"/>
               </a:lnSpc>
+              <a:spcAft>
+                <a:spcPts val="300"/>
+              </a:spcAft>
             </a:pPr>
             <a:r>
               <a:rPr lang="en-US" dirty="0"/>
@@ -13584,7 +14627,11 @@
             </a:r>
             <a:r>
               <a:rPr lang="en-US" dirty="0" smtClean="0"/>
-              <a:t>not in global namespace</a:t>
+              <a:t>taken out of global </a:t>
+            </a:r>
+            <a:r>
+              <a:rPr lang="en-US" dirty="0" smtClean="0"/>
+              <a:t>namespace</a:t>
             </a:r>
             <a:endParaRPr lang="en-US" dirty="0"/>
           </a:p>
@@ -13593,6 +14640,9 @@
               <a:lnSpc>
                 <a:spcPct val="100000"/>
               </a:lnSpc>
+              <a:spcAft>
+                <a:spcPts val="300"/>
+              </a:spcAft>
             </a:pPr>
             <a:r>
               <a:rPr lang="en-US" dirty="0" smtClean="0"/>
@@ -13601,6 +14651,11 @@
             <a:endParaRPr lang="en-US" b="0" dirty="0"/>
           </a:p>
           <a:p>
+            <a:pPr>
+              <a:spcAft>
+                <a:spcPts val="300"/>
+              </a:spcAft>
+            </a:pPr>
             <a:r>
               <a:rPr lang="en-US" sz="3600" dirty="0">
                 <a:solidFill>
@@ -13622,7 +14677,11 @@
             </a:endParaRPr>
           </a:p>
           <a:p>
-            <a:pPr lvl="1"/>
+            <a:pPr lvl="1">
+              <a:spcAft>
+                <a:spcPts val="300"/>
+              </a:spcAft>
+            </a:pPr>
             <a:r>
               <a:rPr lang="en-US" dirty="0" smtClean="0"/>
               <a:t>Functions </a:t>
@@ -13631,10 +14690,18 @@
               <a:rPr lang="en-US" dirty="0"/>
               <a:t>may be duplicated across objects in memory </a:t>
             </a:r>
+            <a:r>
+              <a:rPr lang="en-US" dirty="0" smtClean="0"/>
+              <a:t>(singleton may solve this problem)</a:t>
+            </a:r>
             <a:endParaRPr lang="en-US" dirty="0" smtClean="0"/>
           </a:p>
           <a:p>
-            <a:pPr lvl="1"/>
+            <a:pPr lvl="1">
+              <a:spcAft>
+                <a:spcPts val="300"/>
+              </a:spcAft>
+            </a:pPr>
             <a:r>
               <a:rPr lang="en-US" dirty="0" smtClean="0"/>
               <a:t>Not </a:t>
@@ -13645,22 +14712,20 @@
             </a:r>
           </a:p>
           <a:p>
-            <a:pPr lvl="1"/>
+            <a:pPr lvl="1">
+              <a:spcAft>
+                <a:spcPts val="300"/>
+              </a:spcAft>
+            </a:pPr>
             <a:r>
               <a:rPr lang="en-US" dirty="0"/>
-              <a:t>Some complain about debugging</a:t>
-            </a:r>
-          </a:p>
-          <a:p>
-            <a:endParaRPr lang="en-US" b="0" dirty="0"/>
-          </a:p>
-          <a:p>
-            <a:pPr lvl="1">
-              <a:lnSpc>
-                <a:spcPct val="100000"/>
-              </a:lnSpc>
-            </a:pPr>
-            <a:endParaRPr lang="bg-BG" dirty="0"/>
+              <a:t>Some complain about </a:t>
+            </a:r>
+            <a:r>
+              <a:rPr lang="en-US" dirty="0" smtClean="0"/>
+              <a:t>debugging</a:t>
+            </a:r>
+            <a:endParaRPr lang="en-US" dirty="0"/>
           </a:p>
         </p:txBody>
       </p:sp>
@@ -15109,7 +16174,7 @@
               <a:buSzPct val="70000"/>
             </a:pPr>
             <a:r>
-              <a:rPr lang="en-US" sz="2000" b="1" noProof="1">
+              <a:rPr lang="en-US" sz="2000" b="1" noProof="1" smtClean="0">
                 <a:solidFill>
                   <a:srgbClr val="8CF4F2"/>
                 </a:solidFill>
@@ -15242,24 +16307,7 @@
                 <a:latin typeface="Consolas" pitchFamily="49" charset="0"/>
                 <a:cs typeface="Consolas" pitchFamily="49" charset="0"/>
               </a:rPr>
-              <a:t>eqCtl = </a:t>
-            </a:r>
-            <a:r>
-              <a:rPr lang="en-US" sz="2000" b="1" noProof="1">
-                <a:solidFill>
-                  <a:srgbClr val="8CF4F2"/>
-                </a:solidFill>
-                <a:effectLst>
-                  <a:outerShdw blurRad="38100" dist="38100" dir="2700000" algn="tl">
-                    <a:srgbClr val="000000">
-                      <a:alpha val="43137"/>
-                    </a:srgbClr>
-                  </a:outerShdw>
-                </a:effectLst>
-                <a:latin typeface="Consolas" pitchFamily="49" charset="0"/>
-                <a:cs typeface="Consolas" pitchFamily="49" charset="0"/>
-              </a:rPr>
-              <a:t>document.getElementById(eq</a:t>
+              <a:t>eqCtl = document.getElementById(eq</a:t>
             </a:r>
             <a:r>
               <a:rPr lang="en-US" sz="2000" b="1" noProof="1" smtClean="0">
@@ -15426,24 +16474,7 @@
                 <a:latin typeface="Consolas" pitchFamily="49" charset="0"/>
                 <a:cs typeface="Consolas" pitchFamily="49" charset="0"/>
               </a:rPr>
-              <a:t>: function(x,y) </a:t>
-            </a:r>
-            <a:r>
-              <a:rPr lang="en-US" sz="2000" b="1" noProof="1">
-                <a:solidFill>
-                  <a:srgbClr val="8CF4F2"/>
-                </a:solidFill>
-                <a:effectLst>
-                  <a:outerShdw blurRad="38100" dist="38100" dir="2700000" algn="tl">
-                    <a:srgbClr val="000000">
-                      <a:alpha val="43137"/>
-                    </a:srgbClr>
-                  </a:outerShdw>
-                </a:effectLst>
-                <a:latin typeface="Consolas" pitchFamily="49" charset="0"/>
-                <a:cs typeface="Consolas" pitchFamily="49" charset="0"/>
-              </a:rPr>
-              <a:t>{ </a:t>
+              <a:t>: function(x,y) { </a:t>
             </a:r>
             <a:endParaRPr lang="en-US" sz="2000" b="1" noProof="1" smtClean="0">
               <a:solidFill>
@@ -15576,24 +16607,7 @@
                 <a:latin typeface="Consolas" pitchFamily="49" charset="0"/>
                 <a:cs typeface="Consolas" pitchFamily="49" charset="0"/>
               </a:rPr>
-              <a:t>= </a:t>
-            </a:r>
-            <a:r>
-              <a:rPr lang="en-US" sz="2000" b="1" noProof="1">
-                <a:solidFill>
-                  <a:srgbClr val="8CF4F2"/>
-                </a:solidFill>
-                <a:effectLst>
-                  <a:outerShdw blurRad="38100" dist="38100" dir="2700000" algn="tl">
-                    <a:srgbClr val="000000">
-                      <a:alpha val="43137"/>
-                    </a:srgbClr>
-                  </a:outerShdw>
-                </a:effectLst>
-                <a:latin typeface="Consolas" pitchFamily="49" charset="0"/>
-                <a:cs typeface="Consolas" pitchFamily="49" charset="0"/>
-              </a:rPr>
-              <a:t>val</a:t>
+              <a:t>= val</a:t>
             </a:r>
             <a:r>
               <a:rPr lang="en-US" sz="2000" b="1" noProof="1" smtClean="0">
@@ -15827,20 +16841,6 @@
               </a:rPr>
               <a:t>var calculator = new Calculator('eq'); calculator.add(2,2);</a:t>
             </a:r>
-            <a:endParaRPr lang="en-US" sz="2000" b="1" noProof="1">
-              <a:solidFill>
-                <a:srgbClr val="8CF4F2"/>
-              </a:solidFill>
-              <a:effectLst>
-                <a:outerShdw blurRad="38100" dist="38100" dir="2700000" algn="tl">
-                  <a:srgbClr val="000000">
-                    <a:alpha val="43137"/>
-                  </a:srgbClr>
-                </a:outerShdw>
-              </a:effectLst>
-              <a:latin typeface="Consolas" pitchFamily="49" charset="0"/>
-              <a:cs typeface="Consolas" pitchFamily="49" charset="0"/>
-            </a:endParaRPr>
           </a:p>
         </p:txBody>
       </p:sp>
@@ -16133,7 +17133,7 @@
     </p:spTree>
     <p:extLst>
       <p:ext uri="{BB962C8B-B14F-4D97-AF65-F5344CB8AC3E}">
-        <p14:creationId xmlns:p14="http://schemas.microsoft.com/office/powerpoint/2010/main" val="177527790"/>
+        <p14:creationId xmlns:p14="http://schemas.microsoft.com/office/powerpoint/2010/main" val="2391583091"/>
       </p:ext>
     </p:extLst>
   </p:cSld>
